--- a/Zwischenpräsentation/Virtuel & Augmented Reality WS 23.pptx
+++ b/Zwischenpräsentation/Virtuel & Augmented Reality WS 23.pptx
@@ -9,10 +9,15 @@
     <p:sldId id="257" r:id="rId3"/>
     <p:sldId id="263" r:id="rId4"/>
     <p:sldId id="258" r:id="rId5"/>
-    <p:sldId id="259" r:id="rId6"/>
-    <p:sldId id="262" r:id="rId7"/>
-    <p:sldId id="260" r:id="rId8"/>
-    <p:sldId id="261" r:id="rId9"/>
+    <p:sldId id="264" r:id="rId6"/>
+    <p:sldId id="270" r:id="rId7"/>
+    <p:sldId id="271" r:id="rId8"/>
+    <p:sldId id="259" r:id="rId9"/>
+    <p:sldId id="262" r:id="rId10"/>
+    <p:sldId id="260" r:id="rId11"/>
+    <p:sldId id="261" r:id="rId12"/>
+    <p:sldId id="268" r:id="rId13"/>
+    <p:sldId id="269" r:id="rId14"/>
   </p:sldIdLst>
   <p:sldSz cx="12192000" cy="6858000"/>
   <p:notesSz cx="6858000" cy="9144000"/>
@@ -111,6 +116,11 @@
       </a:defRPr>
     </a:lvl9pPr>
   </p:defaultTextStyle>
+  <p:extLst>
+    <p:ext uri="{EFAFB233-063F-42B5-8137-9DF3F51BA10A}">
+      <p15:sldGuideLst xmlns:p15="http://schemas.microsoft.com/office/powerpoint/2012/main"/>
+    </p:ext>
+  </p:extLst>
 </p:presentation>
 </file>
 
@@ -1057,7 +1067,7 @@
           <a:pPr algn="ctr"/>
           <a:r>
             <a:rPr lang="de-DE" dirty="0"/>
-            <a:t>Alex / Informatik</a:t>
+            <a:t>Alex / IN</a:t>
           </a:r>
           <a:endParaRPr lang="en-US" dirty="0"/>
         </a:p>
@@ -1097,7 +1107,7 @@
           <a:pPr algn="ctr"/>
           <a:r>
             <a:rPr lang="de-DE" dirty="0"/>
-            <a:t>Tamara Lauser / Füller</a:t>
+            <a:t>Tamara Lauser / DPD</a:t>
           </a:r>
           <a:endParaRPr lang="en-US" dirty="0"/>
         </a:p>
@@ -1145,7 +1155,7 @@
           </a:r>
           <a:r>
             <a:rPr lang="de-DE" dirty="0"/>
-            <a:t> / Technische Redaktion</a:t>
+            <a:t> / FTC</a:t>
           </a:r>
           <a:endParaRPr lang="en-US" dirty="0"/>
         </a:p>
@@ -1185,7 +1195,7 @@
           <a:pPr algn="ctr"/>
           <a:r>
             <a:rPr lang="de-DE" dirty="0"/>
-            <a:t>Eric Flottmann / User Experience</a:t>
+            <a:t>Eric Flottmann / FUX</a:t>
           </a:r>
           <a:endParaRPr lang="en-US" dirty="0"/>
         </a:p>
@@ -1417,12 +1427,12 @@
         <a:fontRef idx="minor"/>
       </dsp:style>
       <dsp:txBody>
-        <a:bodyPr spcFirstLastPara="0" vert="horz" wrap="square" lIns="144780" tIns="144780" rIns="144780" bIns="144780" numCol="1" spcCol="1270" anchor="ctr" anchorCtr="0">
+        <a:bodyPr spcFirstLastPara="0" vert="horz" wrap="square" lIns="228600" tIns="228600" rIns="228600" bIns="228600" numCol="1" spcCol="1270" anchor="ctr" anchorCtr="0">
           <a:noAutofit/>
         </a:bodyPr>
         <a:lstStyle/>
         <a:p>
-          <a:pPr marL="0" lvl="0" indent="0" algn="ctr" defTabSz="1689100">
+          <a:pPr marL="0" lvl="0" indent="0" algn="ctr" defTabSz="2667000">
             <a:lnSpc>
               <a:spcPct val="90000"/>
             </a:lnSpc>
@@ -1435,10 +1445,10 @@
             <a:buNone/>
           </a:pPr>
           <a:r>
-            <a:rPr lang="de-DE" sz="3800" kern="1200" dirty="0"/>
-            <a:t>Alex / Informatik</a:t>
+            <a:rPr lang="de-DE" sz="6000" kern="1200" dirty="0"/>
+            <a:t>Alex / IN</a:t>
           </a:r>
-          <a:endParaRPr lang="en-US" sz="3800" kern="1200" dirty="0"/>
+          <a:endParaRPr lang="en-US" sz="6000" kern="1200" dirty="0"/>
         </a:p>
       </dsp:txBody>
       <dsp:txXfrm>
@@ -1528,12 +1538,12 @@
         <a:fontRef idx="minor"/>
       </dsp:style>
       <dsp:txBody>
-        <a:bodyPr spcFirstLastPara="0" vert="horz" wrap="square" lIns="144780" tIns="144780" rIns="144780" bIns="144780" numCol="1" spcCol="1270" anchor="ctr" anchorCtr="0">
+        <a:bodyPr spcFirstLastPara="0" vert="horz" wrap="square" lIns="228600" tIns="228600" rIns="228600" bIns="228600" numCol="1" spcCol="1270" anchor="ctr" anchorCtr="0">
           <a:noAutofit/>
         </a:bodyPr>
         <a:lstStyle/>
         <a:p>
-          <a:pPr marL="0" lvl="0" indent="0" algn="ctr" defTabSz="1689100">
+          <a:pPr marL="0" lvl="0" indent="0" algn="ctr" defTabSz="2667000">
             <a:lnSpc>
               <a:spcPct val="90000"/>
             </a:lnSpc>
@@ -1546,10 +1556,10 @@
             <a:buNone/>
           </a:pPr>
           <a:r>
-            <a:rPr lang="de-DE" sz="3800" kern="1200" dirty="0"/>
-            <a:t>Tamara Lauser / Füller</a:t>
+            <a:rPr lang="de-DE" sz="6000" kern="1200" dirty="0"/>
+            <a:t>Tamara Lauser / DPD</a:t>
           </a:r>
-          <a:endParaRPr lang="en-US" sz="3800" kern="1200" dirty="0"/>
+          <a:endParaRPr lang="en-US" sz="6000" kern="1200" dirty="0"/>
         </a:p>
       </dsp:txBody>
       <dsp:txXfrm>
@@ -1639,12 +1649,12 @@
         <a:fontRef idx="minor"/>
       </dsp:style>
       <dsp:txBody>
-        <a:bodyPr spcFirstLastPara="0" vert="horz" wrap="square" lIns="144780" tIns="144780" rIns="144780" bIns="144780" numCol="1" spcCol="1270" anchor="ctr" anchorCtr="0">
+        <a:bodyPr spcFirstLastPara="0" vert="horz" wrap="square" lIns="228600" tIns="228600" rIns="228600" bIns="228600" numCol="1" spcCol="1270" anchor="ctr" anchorCtr="0">
           <a:noAutofit/>
         </a:bodyPr>
         <a:lstStyle/>
         <a:p>
-          <a:pPr marL="0" lvl="0" indent="0" algn="ctr" defTabSz="1689100">
+          <a:pPr marL="0" lvl="0" indent="0" algn="ctr" defTabSz="2667000">
             <a:lnSpc>
               <a:spcPct val="90000"/>
             </a:lnSpc>
@@ -1657,18 +1667,18 @@
             <a:buNone/>
           </a:pPr>
           <a:r>
-            <a:rPr lang="de-DE" sz="3800" kern="1200" dirty="0"/>
+            <a:rPr lang="de-DE" sz="6000" kern="1200" dirty="0"/>
             <a:t>Kristina </a:t>
           </a:r>
           <a:r>
-            <a:rPr lang="de-DE" sz="3800" kern="1200" dirty="0" err="1"/>
+            <a:rPr lang="de-DE" sz="6000" kern="1200" dirty="0" err="1"/>
             <a:t>Buzko</a:t>
           </a:r>
           <a:r>
-            <a:rPr lang="de-DE" sz="3800" kern="1200" dirty="0"/>
-            <a:t> / Technische Redaktion</a:t>
+            <a:rPr lang="de-DE" sz="6000" kern="1200" dirty="0"/>
+            <a:t> / FTC</a:t>
           </a:r>
-          <a:endParaRPr lang="en-US" sz="3800" kern="1200" dirty="0"/>
+          <a:endParaRPr lang="en-US" sz="6000" kern="1200" dirty="0"/>
         </a:p>
       </dsp:txBody>
       <dsp:txXfrm>
@@ -1758,12 +1768,12 @@
         <a:fontRef idx="minor"/>
       </dsp:style>
       <dsp:txBody>
-        <a:bodyPr spcFirstLastPara="0" vert="horz" wrap="square" lIns="144780" tIns="144780" rIns="144780" bIns="144780" numCol="1" spcCol="1270" anchor="ctr" anchorCtr="0">
+        <a:bodyPr spcFirstLastPara="0" vert="horz" wrap="square" lIns="228600" tIns="228600" rIns="228600" bIns="228600" numCol="1" spcCol="1270" anchor="ctr" anchorCtr="0">
           <a:noAutofit/>
         </a:bodyPr>
         <a:lstStyle/>
         <a:p>
-          <a:pPr marL="0" lvl="0" indent="0" algn="ctr" defTabSz="1689100">
+          <a:pPr marL="0" lvl="0" indent="0" algn="ctr" defTabSz="2667000">
             <a:lnSpc>
               <a:spcPct val="90000"/>
             </a:lnSpc>
@@ -1776,10 +1786,10 @@
             <a:buNone/>
           </a:pPr>
           <a:r>
-            <a:rPr lang="de-DE" sz="3800" kern="1200" dirty="0"/>
-            <a:t>Eric Flottmann / User Experience</a:t>
+            <a:rPr lang="de-DE" sz="6000" kern="1200" dirty="0"/>
+            <a:t>Eric Flottmann / FUX</a:t>
           </a:r>
-          <a:endParaRPr lang="en-US" sz="3800" kern="1200" dirty="0"/>
+          <a:endParaRPr lang="en-US" sz="6000" kern="1200" dirty="0"/>
         </a:p>
       </dsp:txBody>
       <dsp:txXfrm>
@@ -9099,6 +9109,3328 @@
 </p:sld>
 </file>
 
+<file path=ppt/slides/slide10.xml><?xml version="1.0" encoding="utf-8"?>
+<p:sld xmlns:a="http://schemas.openxmlformats.org/drawingml/2006/main" xmlns:r="http://schemas.openxmlformats.org/officeDocument/2006/relationships" xmlns:p="http://schemas.openxmlformats.org/presentationml/2006/main">
+  <p:cSld>
+    <p:bg>
+      <p:bgPr>
+        <a:solidFill>
+          <a:schemeClr val="bg1"/>
+        </a:solidFill>
+        <a:effectLst/>
+      </p:bgPr>
+    </p:bg>
+    <p:spTree>
+      <p:nvGrpSpPr>
+        <p:cNvPr id="1" name=""/>
+        <p:cNvGrpSpPr/>
+        <p:nvPr/>
+      </p:nvGrpSpPr>
+      <p:grpSpPr>
+        <a:xfrm>
+          <a:off x="0" y="0"/>
+          <a:ext cx="0" cy="0"/>
+          <a:chOff x="0" y="0"/>
+          <a:chExt cx="0" cy="0"/>
+        </a:xfrm>
+      </p:grpSpPr>
+      <p:sp useBgFill="1">
+        <p:nvSpPr>
+          <p:cNvPr id="1038" name="Rectangle 1037">
+            <a:extLst>
+              <a:ext uri="{FF2B5EF4-FFF2-40B4-BE49-F238E27FC236}">
+                <a16:creationId xmlns:a16="http://schemas.microsoft.com/office/drawing/2014/main" id="{F35DB090-93B5-4581-8D71-BB3839684BFF}"/>
+              </a:ext>
+              <a:ext uri="{C183D7F6-B498-43B3-948B-1728B52AA6E4}">
+                <adec:decorative xmlns:adec="http://schemas.microsoft.com/office/drawing/2017/decorative" val="1"/>
+              </a:ext>
+            </a:extLst>
+          </p:cNvPr>
+          <p:cNvSpPr>
+            <a:spLocks noGrp="1" noRot="1" noChangeAspect="1" noMove="1" noResize="1" noEditPoints="1" noAdjustHandles="1" noChangeArrowheads="1" noChangeShapeType="1" noTextEdit="1"/>
+          </p:cNvSpPr>
+          <p:nvPr>
+            <p:extLst>
+              <p:ext uri="{386F3935-93C4-4BCD-93E2-E3B085C9AB24}">
+                <p16:designElem xmlns:p16="http://schemas.microsoft.com/office/powerpoint/2015/main" val="1"/>
+              </p:ext>
+            </p:extLst>
+          </p:nvPr>
+        </p:nvSpPr>
+        <p:spPr>
+          <a:xfrm>
+            <a:off x="0" y="0"/>
+            <a:ext cx="12188952" cy="6858000"/>
+          </a:xfrm>
+          <a:prstGeom prst="rect">
+            <a:avLst/>
+          </a:prstGeom>
+          <a:ln>
+            <a:noFill/>
+          </a:ln>
+        </p:spPr>
+        <p:style>
+          <a:lnRef idx="2">
+            <a:schemeClr val="accent1">
+              <a:shade val="50000"/>
+            </a:schemeClr>
+          </a:lnRef>
+          <a:fillRef idx="1">
+            <a:schemeClr val="accent1"/>
+          </a:fillRef>
+          <a:effectRef idx="0">
+            <a:schemeClr val="accent1"/>
+          </a:effectRef>
+          <a:fontRef idx="minor">
+            <a:schemeClr val="lt1"/>
+          </a:fontRef>
+        </p:style>
+        <p:txBody>
+          <a:bodyPr rtlCol="0" anchor="ctr"/>
+          <a:lstStyle/>
+          <a:p>
+            <a:pPr algn="ctr"/>
+            <a:endParaRPr lang="en-US"/>
+          </a:p>
+        </p:txBody>
+      </p:sp>
+      <p:sp>
+        <p:nvSpPr>
+          <p:cNvPr id="1040" name="Freeform: Shape 1039">
+            <a:extLst>
+              <a:ext uri="{FF2B5EF4-FFF2-40B4-BE49-F238E27FC236}">
+                <a16:creationId xmlns:a16="http://schemas.microsoft.com/office/drawing/2014/main" id="{A0DE92DF-4769-4DE9-93FD-EE31271850CA}"/>
+              </a:ext>
+              <a:ext uri="{C183D7F6-B498-43B3-948B-1728B52AA6E4}">
+                <adec:decorative xmlns:adec="http://schemas.microsoft.com/office/drawing/2017/decorative" val="1"/>
+              </a:ext>
+            </a:extLst>
+          </p:cNvPr>
+          <p:cNvSpPr>
+            <a:spLocks noGrp="1" noRot="1" noChangeAspect="1" noMove="1" noResize="1" noEditPoints="1" noAdjustHandles="1" noChangeArrowheads="1" noChangeShapeType="1" noTextEdit="1"/>
+          </p:cNvSpPr>
+          <p:nvPr>
+            <p:extLst>
+              <p:ext uri="{386F3935-93C4-4BCD-93E2-E3B085C9AB24}">
+                <p16:designElem xmlns:p16="http://schemas.microsoft.com/office/powerpoint/2015/main" val="1"/>
+              </p:ext>
+            </p:extLst>
+          </p:nvPr>
+        </p:nvSpPr>
+        <p:spPr>
+          <a:xfrm>
+            <a:off x="4719619" y="0"/>
+            <a:ext cx="7472381" cy="6858000"/>
+          </a:xfrm>
+          <a:custGeom>
+            <a:avLst/>
+            <a:gdLst>
+              <a:gd name="connsiteX0" fmla="*/ 1232666 w 7472381"/>
+              <a:gd name="connsiteY0" fmla="*/ 0 h 6886575"/>
+              <a:gd name="connsiteX1" fmla="*/ 7472381 w 7472381"/>
+              <a:gd name="connsiteY1" fmla="*/ 0 h 6886575"/>
+              <a:gd name="connsiteX2" fmla="*/ 7472381 w 7472381"/>
+              <a:gd name="connsiteY2" fmla="*/ 814388 h 6886575"/>
+              <a:gd name="connsiteX3" fmla="*/ 7472381 w 7472381"/>
+              <a:gd name="connsiteY3" fmla="*/ 6411516 h 6886575"/>
+              <a:gd name="connsiteX4" fmla="*/ 7472381 w 7472381"/>
+              <a:gd name="connsiteY4" fmla="*/ 6886575 h 6886575"/>
+              <a:gd name="connsiteX5" fmla="*/ 6992676 w 7472381"/>
+              <a:gd name="connsiteY5" fmla="*/ 6886575 h 6886575"/>
+              <a:gd name="connsiteX6" fmla="*/ 1946893 w 7472381"/>
+              <a:gd name="connsiteY6" fmla="*/ 6886575 h 6886575"/>
+              <a:gd name="connsiteX7" fmla="*/ 1506276 w 7472381"/>
+              <a:gd name="connsiteY7" fmla="*/ 6686550 h 6886575"/>
+              <a:gd name="connsiteX8" fmla="*/ 1314394 w 7472381"/>
+              <a:gd name="connsiteY8" fmla="*/ 6457949 h 6886575"/>
+              <a:gd name="connsiteX9" fmla="*/ 1246880 w 7472381"/>
+              <a:gd name="connsiteY9" fmla="*/ 6393656 h 6886575"/>
+              <a:gd name="connsiteX10" fmla="*/ 1079872 w 7472381"/>
+              <a:gd name="connsiteY10" fmla="*/ 6307931 h 6886575"/>
+              <a:gd name="connsiteX11" fmla="*/ 788495 w 7472381"/>
+              <a:gd name="connsiteY11" fmla="*/ 6125765 h 6886575"/>
+              <a:gd name="connsiteX12" fmla="*/ 895097 w 7472381"/>
+              <a:gd name="connsiteY12" fmla="*/ 6082903 h 6886575"/>
+              <a:gd name="connsiteX13" fmla="*/ 1204239 w 7472381"/>
+              <a:gd name="connsiteY13" fmla="*/ 6193631 h 6886575"/>
+              <a:gd name="connsiteX14" fmla="*/ 1428102 w 7472381"/>
+              <a:gd name="connsiteY14" fmla="*/ 6222206 h 6886575"/>
+              <a:gd name="connsiteX15" fmla="*/ 1111852 w 7472381"/>
+              <a:gd name="connsiteY15" fmla="*/ 6029325 h 6886575"/>
+              <a:gd name="connsiteX16" fmla="*/ 806262 w 7472381"/>
+              <a:gd name="connsiteY16" fmla="*/ 5779294 h 6886575"/>
+              <a:gd name="connsiteX17" fmla="*/ 1040785 w 7472381"/>
+              <a:gd name="connsiteY17" fmla="*/ 5825728 h 6886575"/>
+              <a:gd name="connsiteX18" fmla="*/ 1051445 w 7472381"/>
+              <a:gd name="connsiteY18" fmla="*/ 5793581 h 6886575"/>
+              <a:gd name="connsiteX19" fmla="*/ 845349 w 7472381"/>
+              <a:gd name="connsiteY19" fmla="*/ 5497115 h 6886575"/>
+              <a:gd name="connsiteX20" fmla="*/ 745855 w 7472381"/>
+              <a:gd name="connsiteY20" fmla="*/ 5375672 h 6886575"/>
+              <a:gd name="connsiteX21" fmla="*/ 291024 w 7472381"/>
+              <a:gd name="connsiteY21" fmla="*/ 5014913 h 6886575"/>
+              <a:gd name="connsiteX22" fmla="*/ 724535 w 7472381"/>
+              <a:gd name="connsiteY22" fmla="*/ 5175647 h 6886575"/>
+              <a:gd name="connsiteX23" fmla="*/ 276811 w 7472381"/>
+              <a:gd name="connsiteY23" fmla="*/ 4825603 h 6886575"/>
+              <a:gd name="connsiteX24" fmla="*/ 60055 w 7472381"/>
+              <a:gd name="connsiteY24" fmla="*/ 4697016 h 6886575"/>
+              <a:gd name="connsiteX25" fmla="*/ 6755 w 7472381"/>
+              <a:gd name="connsiteY25" fmla="*/ 4622006 h 6886575"/>
+              <a:gd name="connsiteX26" fmla="*/ 102696 w 7472381"/>
+              <a:gd name="connsiteY26" fmla="*/ 4604146 h 6886575"/>
+              <a:gd name="connsiteX27" fmla="*/ 397625 w 7472381"/>
+              <a:gd name="connsiteY27" fmla="*/ 4632722 h 6886575"/>
+              <a:gd name="connsiteX28" fmla="*/ 31628 w 7472381"/>
+              <a:gd name="connsiteY28" fmla="*/ 4396978 h 6886575"/>
+              <a:gd name="connsiteX29" fmla="*/ 305237 w 7472381"/>
+              <a:gd name="connsiteY29" fmla="*/ 4432697 h 6886575"/>
+              <a:gd name="connsiteX30" fmla="*/ 383412 w 7472381"/>
+              <a:gd name="connsiteY30" fmla="*/ 4339828 h 6886575"/>
+              <a:gd name="connsiteX31" fmla="*/ 511333 w 7472381"/>
+              <a:gd name="connsiteY31" fmla="*/ 4189810 h 6886575"/>
+              <a:gd name="connsiteX32" fmla="*/ 600167 w 7472381"/>
+              <a:gd name="connsiteY32" fmla="*/ 4107656 h 6886575"/>
+              <a:gd name="connsiteX33" fmla="*/ 635701 w 7472381"/>
+              <a:gd name="connsiteY33" fmla="*/ 3843337 h 6886575"/>
+              <a:gd name="connsiteX34" fmla="*/ 561080 w 7472381"/>
+              <a:gd name="connsiteY34" fmla="*/ 3554015 h 6886575"/>
+              <a:gd name="connsiteX35" fmla="*/ 354985 w 7472381"/>
+              <a:gd name="connsiteY35" fmla="*/ 3407569 h 6886575"/>
+              <a:gd name="connsiteX36" fmla="*/ 415392 w 7472381"/>
+              <a:gd name="connsiteY36" fmla="*/ 3243263 h 6886575"/>
+              <a:gd name="connsiteX37" fmla="*/ 852456 w 7472381"/>
+              <a:gd name="connsiteY37" fmla="*/ 3343275 h 6886575"/>
+              <a:gd name="connsiteX38" fmla="*/ 202190 w 7472381"/>
+              <a:gd name="connsiteY38" fmla="*/ 2953940 h 6886575"/>
+              <a:gd name="connsiteX39" fmla="*/ 312344 w 7472381"/>
+              <a:gd name="connsiteY39" fmla="*/ 2936081 h 6886575"/>
+              <a:gd name="connsiteX40" fmla="*/ 706768 w 7472381"/>
+              <a:gd name="connsiteY40" fmla="*/ 2714625 h 6886575"/>
+              <a:gd name="connsiteX41" fmla="*/ 728088 w 7472381"/>
+              <a:gd name="connsiteY41" fmla="*/ 2703909 h 6886575"/>
+              <a:gd name="connsiteX42" fmla="*/ 795602 w 7472381"/>
+              <a:gd name="connsiteY42" fmla="*/ 2564606 h 6886575"/>
+              <a:gd name="connsiteX43" fmla="*/ 1008804 w 7472381"/>
+              <a:gd name="connsiteY43" fmla="*/ 2543175 h 6886575"/>
+              <a:gd name="connsiteX44" fmla="*/ 1186473 w 7472381"/>
+              <a:gd name="connsiteY44" fmla="*/ 2575322 h 6886575"/>
+              <a:gd name="connsiteX45" fmla="*/ 1378355 w 7472381"/>
+              <a:gd name="connsiteY45" fmla="*/ 2536031 h 6886575"/>
+              <a:gd name="connsiteX46" fmla="*/ 1548916 w 7472381"/>
+              <a:gd name="connsiteY46" fmla="*/ 2553891 h 6886575"/>
+              <a:gd name="connsiteX47" fmla="*/ 1694604 w 7472381"/>
+              <a:gd name="connsiteY47" fmla="*/ 2528888 h 6886575"/>
+              <a:gd name="connsiteX48" fmla="*/ 1552469 w 7472381"/>
+              <a:gd name="connsiteY48" fmla="*/ 2411015 h 6886575"/>
+              <a:gd name="connsiteX49" fmla="*/ 1353481 w 7472381"/>
+              <a:gd name="connsiteY49" fmla="*/ 2411015 h 6886575"/>
+              <a:gd name="connsiteX50" fmla="*/ 1211346 w 7472381"/>
+              <a:gd name="connsiteY50" fmla="*/ 2336007 h 6886575"/>
+              <a:gd name="connsiteX51" fmla="*/ 1076318 w 7472381"/>
+              <a:gd name="connsiteY51" fmla="*/ 2200275 h 6886575"/>
+              <a:gd name="connsiteX52" fmla="*/ 600167 w 7472381"/>
+              <a:gd name="connsiteY52" fmla="*/ 1982390 h 6886575"/>
+              <a:gd name="connsiteX53" fmla="*/ 514886 w 7472381"/>
+              <a:gd name="connsiteY53" fmla="*/ 1900238 h 6886575"/>
+              <a:gd name="connsiteX54" fmla="*/ 1872273 w 7472381"/>
+              <a:gd name="connsiteY54" fmla="*/ 2218135 h 6886575"/>
+              <a:gd name="connsiteX55" fmla="*/ 1452975 w 7472381"/>
+              <a:gd name="connsiteY55" fmla="*/ 2085975 h 6886575"/>
+              <a:gd name="connsiteX56" fmla="*/ 1737245 w 7472381"/>
+              <a:gd name="connsiteY56" fmla="*/ 2110978 h 6886575"/>
+              <a:gd name="connsiteX57" fmla="*/ 1893593 w 7472381"/>
+              <a:gd name="connsiteY57" fmla="*/ 2021681 h 6886575"/>
+              <a:gd name="connsiteX58" fmla="*/ 1893593 w 7472381"/>
+              <a:gd name="connsiteY58" fmla="*/ 1993106 h 6886575"/>
+              <a:gd name="connsiteX59" fmla="*/ 1776332 w 7472381"/>
+              <a:gd name="connsiteY59" fmla="*/ 1910953 h 6886575"/>
+              <a:gd name="connsiteX60" fmla="*/ 1708818 w 7472381"/>
+              <a:gd name="connsiteY60" fmla="*/ 1857375 h 6886575"/>
+              <a:gd name="connsiteX61" fmla="*/ 1524043 w 7472381"/>
+              <a:gd name="connsiteY61" fmla="*/ 1664493 h 6886575"/>
+              <a:gd name="connsiteX62" fmla="*/ 1655517 w 7472381"/>
+              <a:gd name="connsiteY62" fmla="*/ 1643062 h 6886575"/>
+              <a:gd name="connsiteX63" fmla="*/ 1705264 w 7472381"/>
+              <a:gd name="connsiteY63" fmla="*/ 1603772 h 6886575"/>
+              <a:gd name="connsiteX64" fmla="*/ 1669731 w 7472381"/>
+              <a:gd name="connsiteY64" fmla="*/ 1546622 h 6886575"/>
+              <a:gd name="connsiteX65" fmla="*/ 1261093 w 7472381"/>
+              <a:gd name="connsiteY65" fmla="*/ 1371600 h 6886575"/>
+              <a:gd name="connsiteX66" fmla="*/ 1229113 w 7472381"/>
+              <a:gd name="connsiteY66" fmla="*/ 1235869 h 6886575"/>
+              <a:gd name="connsiteX67" fmla="*/ 1307287 w 7472381"/>
+              <a:gd name="connsiteY67" fmla="*/ 1214437 h 6886575"/>
+              <a:gd name="connsiteX68" fmla="*/ 1396121 w 7472381"/>
+              <a:gd name="connsiteY68" fmla="*/ 1225153 h 6886575"/>
+              <a:gd name="connsiteX69" fmla="*/ 1325054 w 7472381"/>
+              <a:gd name="connsiteY69" fmla="*/ 1117997 h 6886575"/>
+              <a:gd name="connsiteX70" fmla="*/ 1037231 w 7472381"/>
+              <a:gd name="connsiteY70" fmla="*/ 1010841 h 6886575"/>
+              <a:gd name="connsiteX71" fmla="*/ 983931 w 7472381"/>
+              <a:gd name="connsiteY71" fmla="*/ 953690 h 6886575"/>
+              <a:gd name="connsiteX72" fmla="*/ 1054998 w 7472381"/>
+              <a:gd name="connsiteY72" fmla="*/ 925115 h 6886575"/>
+              <a:gd name="connsiteX73" fmla="*/ 1108299 w 7472381"/>
+              <a:gd name="connsiteY73" fmla="*/ 914400 h 6886575"/>
+              <a:gd name="connsiteX74" fmla="*/ 6755 w 7472381"/>
+              <a:gd name="connsiteY74" fmla="*/ 467915 h 6886575"/>
+              <a:gd name="connsiteX75" fmla="*/ 255490 w 7472381"/>
+              <a:gd name="connsiteY75" fmla="*/ 464344 h 6886575"/>
+              <a:gd name="connsiteX76" fmla="*/ 500673 w 7472381"/>
+              <a:gd name="connsiteY76" fmla="*/ 535781 h 6886575"/>
+              <a:gd name="connsiteX77" fmla="*/ 760069 w 7472381"/>
+              <a:gd name="connsiteY77" fmla="*/ 525066 h 6886575"/>
+              <a:gd name="connsiteX78" fmla="*/ 1005251 w 7472381"/>
+              <a:gd name="connsiteY78" fmla="*/ 560785 h 6886575"/>
+              <a:gd name="connsiteX79" fmla="*/ 1218453 w 7472381"/>
+              <a:gd name="connsiteY79" fmla="*/ 560785 h 6886575"/>
+              <a:gd name="connsiteX80" fmla="*/ 1019464 w 7472381"/>
+              <a:gd name="connsiteY80" fmla="*/ 507206 h 6886575"/>
+              <a:gd name="connsiteX81" fmla="*/ 944844 w 7472381"/>
+              <a:gd name="connsiteY81" fmla="*/ 417909 h 6886575"/>
+              <a:gd name="connsiteX82" fmla="*/ 969717 w 7472381"/>
+              <a:gd name="connsiteY82" fmla="*/ 335757 h 6886575"/>
+              <a:gd name="connsiteX83" fmla="*/ 1051445 w 7472381"/>
+              <a:gd name="connsiteY83" fmla="*/ 360759 h 6886575"/>
+              <a:gd name="connsiteX84" fmla="*/ 1147386 w 7472381"/>
+              <a:gd name="connsiteY84" fmla="*/ 453629 h 6886575"/>
+              <a:gd name="connsiteX85" fmla="*/ 1168706 w 7472381"/>
+              <a:gd name="connsiteY85" fmla="*/ 396478 h 6886575"/>
+              <a:gd name="connsiteX86" fmla="*/ 1225560 w 7472381"/>
+              <a:gd name="connsiteY86" fmla="*/ 353615 h 6886575"/>
+              <a:gd name="connsiteX87" fmla="*/ 1552469 w 7472381"/>
+              <a:gd name="connsiteY87" fmla="*/ 375047 h 6886575"/>
+              <a:gd name="connsiteX88" fmla="*/ 1335714 w 7472381"/>
+              <a:gd name="connsiteY88" fmla="*/ 192881 h 6886575"/>
+              <a:gd name="connsiteX89" fmla="*/ 1197133 w 7472381"/>
+              <a:gd name="connsiteY89" fmla="*/ 164306 h 6886575"/>
+              <a:gd name="connsiteX90" fmla="*/ 1165153 w 7472381"/>
+              <a:gd name="connsiteY90" fmla="*/ 89297 h 6886575"/>
+              <a:gd name="connsiteX91" fmla="*/ 1229113 w 7472381"/>
+              <a:gd name="connsiteY91" fmla="*/ 71437 h 6886575"/>
+              <a:gd name="connsiteX92" fmla="*/ 1548916 w 7472381"/>
+              <a:gd name="connsiteY92" fmla="*/ 135731 h 6886575"/>
+              <a:gd name="connsiteX93" fmla="*/ 1602217 w 7472381"/>
+              <a:gd name="connsiteY93" fmla="*/ 110728 h 6886575"/>
+              <a:gd name="connsiteX94" fmla="*/ 1232666 w 7472381"/>
+              <a:gd name="connsiteY94" fmla="*/ 0 h 6886575"/>
+            </a:gdLst>
+            <a:ahLst/>
+            <a:cxnLst>
+              <a:cxn ang="0">
+                <a:pos x="connsiteX0" y="connsiteY0"/>
+              </a:cxn>
+              <a:cxn ang="0">
+                <a:pos x="connsiteX1" y="connsiteY1"/>
+              </a:cxn>
+              <a:cxn ang="0">
+                <a:pos x="connsiteX2" y="connsiteY2"/>
+              </a:cxn>
+              <a:cxn ang="0">
+                <a:pos x="connsiteX3" y="connsiteY3"/>
+              </a:cxn>
+              <a:cxn ang="0">
+                <a:pos x="connsiteX4" y="connsiteY4"/>
+              </a:cxn>
+              <a:cxn ang="0">
+                <a:pos x="connsiteX5" y="connsiteY5"/>
+              </a:cxn>
+              <a:cxn ang="0">
+                <a:pos x="connsiteX6" y="connsiteY6"/>
+              </a:cxn>
+              <a:cxn ang="0">
+                <a:pos x="connsiteX7" y="connsiteY7"/>
+              </a:cxn>
+              <a:cxn ang="0">
+                <a:pos x="connsiteX8" y="connsiteY8"/>
+              </a:cxn>
+              <a:cxn ang="0">
+                <a:pos x="connsiteX9" y="connsiteY9"/>
+              </a:cxn>
+              <a:cxn ang="0">
+                <a:pos x="connsiteX10" y="connsiteY10"/>
+              </a:cxn>
+              <a:cxn ang="0">
+                <a:pos x="connsiteX11" y="connsiteY11"/>
+              </a:cxn>
+              <a:cxn ang="0">
+                <a:pos x="connsiteX12" y="connsiteY12"/>
+              </a:cxn>
+              <a:cxn ang="0">
+                <a:pos x="connsiteX13" y="connsiteY13"/>
+              </a:cxn>
+              <a:cxn ang="0">
+                <a:pos x="connsiteX14" y="connsiteY14"/>
+              </a:cxn>
+              <a:cxn ang="0">
+                <a:pos x="connsiteX15" y="connsiteY15"/>
+              </a:cxn>
+              <a:cxn ang="0">
+                <a:pos x="connsiteX16" y="connsiteY16"/>
+              </a:cxn>
+              <a:cxn ang="0">
+                <a:pos x="connsiteX17" y="connsiteY17"/>
+              </a:cxn>
+              <a:cxn ang="0">
+                <a:pos x="connsiteX18" y="connsiteY18"/>
+              </a:cxn>
+              <a:cxn ang="0">
+                <a:pos x="connsiteX19" y="connsiteY19"/>
+              </a:cxn>
+              <a:cxn ang="0">
+                <a:pos x="connsiteX20" y="connsiteY20"/>
+              </a:cxn>
+              <a:cxn ang="0">
+                <a:pos x="connsiteX21" y="connsiteY21"/>
+              </a:cxn>
+              <a:cxn ang="0">
+                <a:pos x="connsiteX22" y="connsiteY22"/>
+              </a:cxn>
+              <a:cxn ang="0">
+                <a:pos x="connsiteX23" y="connsiteY23"/>
+              </a:cxn>
+              <a:cxn ang="0">
+                <a:pos x="connsiteX24" y="connsiteY24"/>
+              </a:cxn>
+              <a:cxn ang="0">
+                <a:pos x="connsiteX25" y="connsiteY25"/>
+              </a:cxn>
+              <a:cxn ang="0">
+                <a:pos x="connsiteX26" y="connsiteY26"/>
+              </a:cxn>
+              <a:cxn ang="0">
+                <a:pos x="connsiteX27" y="connsiteY27"/>
+              </a:cxn>
+              <a:cxn ang="0">
+                <a:pos x="connsiteX28" y="connsiteY28"/>
+              </a:cxn>
+              <a:cxn ang="0">
+                <a:pos x="connsiteX29" y="connsiteY29"/>
+              </a:cxn>
+              <a:cxn ang="0">
+                <a:pos x="connsiteX30" y="connsiteY30"/>
+              </a:cxn>
+              <a:cxn ang="0">
+                <a:pos x="connsiteX31" y="connsiteY31"/>
+              </a:cxn>
+              <a:cxn ang="0">
+                <a:pos x="connsiteX32" y="connsiteY32"/>
+              </a:cxn>
+              <a:cxn ang="0">
+                <a:pos x="connsiteX33" y="connsiteY33"/>
+              </a:cxn>
+              <a:cxn ang="0">
+                <a:pos x="connsiteX34" y="connsiteY34"/>
+              </a:cxn>
+              <a:cxn ang="0">
+                <a:pos x="connsiteX35" y="connsiteY35"/>
+              </a:cxn>
+              <a:cxn ang="0">
+                <a:pos x="connsiteX36" y="connsiteY36"/>
+              </a:cxn>
+              <a:cxn ang="0">
+                <a:pos x="connsiteX37" y="connsiteY37"/>
+              </a:cxn>
+              <a:cxn ang="0">
+                <a:pos x="connsiteX38" y="connsiteY38"/>
+              </a:cxn>
+              <a:cxn ang="0">
+                <a:pos x="connsiteX39" y="connsiteY39"/>
+              </a:cxn>
+              <a:cxn ang="0">
+                <a:pos x="connsiteX40" y="connsiteY40"/>
+              </a:cxn>
+              <a:cxn ang="0">
+                <a:pos x="connsiteX41" y="connsiteY41"/>
+              </a:cxn>
+              <a:cxn ang="0">
+                <a:pos x="connsiteX42" y="connsiteY42"/>
+              </a:cxn>
+              <a:cxn ang="0">
+                <a:pos x="connsiteX43" y="connsiteY43"/>
+              </a:cxn>
+              <a:cxn ang="0">
+                <a:pos x="connsiteX44" y="connsiteY44"/>
+              </a:cxn>
+              <a:cxn ang="0">
+                <a:pos x="connsiteX45" y="connsiteY45"/>
+              </a:cxn>
+              <a:cxn ang="0">
+                <a:pos x="connsiteX46" y="connsiteY46"/>
+              </a:cxn>
+              <a:cxn ang="0">
+                <a:pos x="connsiteX47" y="connsiteY47"/>
+              </a:cxn>
+              <a:cxn ang="0">
+                <a:pos x="connsiteX48" y="connsiteY48"/>
+              </a:cxn>
+              <a:cxn ang="0">
+                <a:pos x="connsiteX49" y="connsiteY49"/>
+              </a:cxn>
+              <a:cxn ang="0">
+                <a:pos x="connsiteX50" y="connsiteY50"/>
+              </a:cxn>
+              <a:cxn ang="0">
+                <a:pos x="connsiteX51" y="connsiteY51"/>
+              </a:cxn>
+              <a:cxn ang="0">
+                <a:pos x="connsiteX52" y="connsiteY52"/>
+              </a:cxn>
+              <a:cxn ang="0">
+                <a:pos x="connsiteX53" y="connsiteY53"/>
+              </a:cxn>
+              <a:cxn ang="0">
+                <a:pos x="connsiteX54" y="connsiteY54"/>
+              </a:cxn>
+              <a:cxn ang="0">
+                <a:pos x="connsiteX55" y="connsiteY55"/>
+              </a:cxn>
+              <a:cxn ang="0">
+                <a:pos x="connsiteX56" y="connsiteY56"/>
+              </a:cxn>
+              <a:cxn ang="0">
+                <a:pos x="connsiteX57" y="connsiteY57"/>
+              </a:cxn>
+              <a:cxn ang="0">
+                <a:pos x="connsiteX58" y="connsiteY58"/>
+              </a:cxn>
+              <a:cxn ang="0">
+                <a:pos x="connsiteX59" y="connsiteY59"/>
+              </a:cxn>
+              <a:cxn ang="0">
+                <a:pos x="connsiteX60" y="connsiteY60"/>
+              </a:cxn>
+              <a:cxn ang="0">
+                <a:pos x="connsiteX61" y="connsiteY61"/>
+              </a:cxn>
+              <a:cxn ang="0">
+                <a:pos x="connsiteX62" y="connsiteY62"/>
+              </a:cxn>
+              <a:cxn ang="0">
+                <a:pos x="connsiteX63" y="connsiteY63"/>
+              </a:cxn>
+              <a:cxn ang="0">
+                <a:pos x="connsiteX64" y="connsiteY64"/>
+              </a:cxn>
+              <a:cxn ang="0">
+                <a:pos x="connsiteX65" y="connsiteY65"/>
+              </a:cxn>
+              <a:cxn ang="0">
+                <a:pos x="connsiteX66" y="connsiteY66"/>
+              </a:cxn>
+              <a:cxn ang="0">
+                <a:pos x="connsiteX67" y="connsiteY67"/>
+              </a:cxn>
+              <a:cxn ang="0">
+                <a:pos x="connsiteX68" y="connsiteY68"/>
+              </a:cxn>
+              <a:cxn ang="0">
+                <a:pos x="connsiteX69" y="connsiteY69"/>
+              </a:cxn>
+              <a:cxn ang="0">
+                <a:pos x="connsiteX70" y="connsiteY70"/>
+              </a:cxn>
+              <a:cxn ang="0">
+                <a:pos x="connsiteX71" y="connsiteY71"/>
+              </a:cxn>
+              <a:cxn ang="0">
+                <a:pos x="connsiteX72" y="connsiteY72"/>
+              </a:cxn>
+              <a:cxn ang="0">
+                <a:pos x="connsiteX73" y="connsiteY73"/>
+              </a:cxn>
+              <a:cxn ang="0">
+                <a:pos x="connsiteX74" y="connsiteY74"/>
+              </a:cxn>
+              <a:cxn ang="0">
+                <a:pos x="connsiteX75" y="connsiteY75"/>
+              </a:cxn>
+              <a:cxn ang="0">
+                <a:pos x="connsiteX76" y="connsiteY76"/>
+              </a:cxn>
+              <a:cxn ang="0">
+                <a:pos x="connsiteX77" y="connsiteY77"/>
+              </a:cxn>
+              <a:cxn ang="0">
+                <a:pos x="connsiteX78" y="connsiteY78"/>
+              </a:cxn>
+              <a:cxn ang="0">
+                <a:pos x="connsiteX79" y="connsiteY79"/>
+              </a:cxn>
+              <a:cxn ang="0">
+                <a:pos x="connsiteX80" y="connsiteY80"/>
+              </a:cxn>
+              <a:cxn ang="0">
+                <a:pos x="connsiteX81" y="connsiteY81"/>
+              </a:cxn>
+              <a:cxn ang="0">
+                <a:pos x="connsiteX82" y="connsiteY82"/>
+              </a:cxn>
+              <a:cxn ang="0">
+                <a:pos x="connsiteX83" y="connsiteY83"/>
+              </a:cxn>
+              <a:cxn ang="0">
+                <a:pos x="connsiteX84" y="connsiteY84"/>
+              </a:cxn>
+              <a:cxn ang="0">
+                <a:pos x="connsiteX85" y="connsiteY85"/>
+              </a:cxn>
+              <a:cxn ang="0">
+                <a:pos x="connsiteX86" y="connsiteY86"/>
+              </a:cxn>
+              <a:cxn ang="0">
+                <a:pos x="connsiteX87" y="connsiteY87"/>
+              </a:cxn>
+              <a:cxn ang="0">
+                <a:pos x="connsiteX88" y="connsiteY88"/>
+              </a:cxn>
+              <a:cxn ang="0">
+                <a:pos x="connsiteX89" y="connsiteY89"/>
+              </a:cxn>
+              <a:cxn ang="0">
+                <a:pos x="connsiteX90" y="connsiteY90"/>
+              </a:cxn>
+              <a:cxn ang="0">
+                <a:pos x="connsiteX91" y="connsiteY91"/>
+              </a:cxn>
+              <a:cxn ang="0">
+                <a:pos x="connsiteX92" y="connsiteY92"/>
+              </a:cxn>
+              <a:cxn ang="0">
+                <a:pos x="connsiteX93" y="connsiteY93"/>
+              </a:cxn>
+              <a:cxn ang="0">
+                <a:pos x="connsiteX94" y="connsiteY94"/>
+              </a:cxn>
+            </a:cxnLst>
+            <a:rect l="l" t="t" r="r" b="b"/>
+            <a:pathLst>
+              <a:path w="7472381" h="6886575">
+                <a:moveTo>
+                  <a:pt x="1232666" y="0"/>
+                </a:moveTo>
+                <a:lnTo>
+                  <a:pt x="7472381" y="0"/>
+                </a:lnTo>
+                <a:lnTo>
+                  <a:pt x="7472381" y="814388"/>
+                </a:lnTo>
+                <a:lnTo>
+                  <a:pt x="7472381" y="6411516"/>
+                </a:lnTo>
+                <a:lnTo>
+                  <a:pt x="7472381" y="6886575"/>
+                </a:lnTo>
+                <a:lnTo>
+                  <a:pt x="6992676" y="6886575"/>
+                </a:lnTo>
+                <a:lnTo>
+                  <a:pt x="1946893" y="6886575"/>
+                </a:lnTo>
+                <a:cubicBezTo>
+                  <a:pt x="1801205" y="6815137"/>
+                  <a:pt x="1662624" y="6729412"/>
+                  <a:pt x="1506276" y="6686550"/>
+                </a:cubicBezTo>
+                <a:cubicBezTo>
+                  <a:pt x="1399675" y="6657975"/>
+                  <a:pt x="1296627" y="6607969"/>
+                  <a:pt x="1314394" y="6457949"/>
+                </a:cubicBezTo>
+                <a:cubicBezTo>
+                  <a:pt x="1317947" y="6415087"/>
+                  <a:pt x="1289520" y="6382941"/>
+                  <a:pt x="1246880" y="6393656"/>
+                </a:cubicBezTo>
+                <a:cubicBezTo>
+                  <a:pt x="1165153" y="6415087"/>
+                  <a:pt x="1126065" y="6354365"/>
+                  <a:pt x="1079872" y="6307931"/>
+                </a:cubicBezTo>
+                <a:cubicBezTo>
+                  <a:pt x="998144" y="6225779"/>
+                  <a:pt x="919970" y="6140052"/>
+                  <a:pt x="788495" y="6125765"/>
+                </a:cubicBezTo>
+                <a:cubicBezTo>
+                  <a:pt x="813369" y="6061471"/>
+                  <a:pt x="856009" y="6068615"/>
+                  <a:pt x="895097" y="6082903"/>
+                </a:cubicBezTo>
+                <a:cubicBezTo>
+                  <a:pt x="998144" y="6118622"/>
+                  <a:pt x="1101192" y="6157912"/>
+                  <a:pt x="1204239" y="6193631"/>
+                </a:cubicBezTo>
+                <a:cubicBezTo>
+                  <a:pt x="1271754" y="6215062"/>
+                  <a:pt x="1339267" y="6247209"/>
+                  <a:pt x="1428102" y="6222206"/>
+                </a:cubicBezTo>
+                <a:cubicBezTo>
+                  <a:pt x="1349928" y="6093619"/>
+                  <a:pt x="1218453" y="6068615"/>
+                  <a:pt x="1111852" y="6029325"/>
+                </a:cubicBezTo>
+                <a:cubicBezTo>
+                  <a:pt x="980377" y="5979319"/>
+                  <a:pt x="902203" y="5886450"/>
+                  <a:pt x="806262" y="5779294"/>
+                </a:cubicBezTo>
+                <a:cubicBezTo>
+                  <a:pt x="902203" y="5750719"/>
+                  <a:pt x="962610" y="5829300"/>
+                  <a:pt x="1040785" y="5825728"/>
+                </a:cubicBezTo>
+                <a:cubicBezTo>
+                  <a:pt x="1044338" y="5815012"/>
+                  <a:pt x="1051445" y="5793581"/>
+                  <a:pt x="1051445" y="5793581"/>
+                </a:cubicBezTo>
+                <a:cubicBezTo>
+                  <a:pt x="923523" y="5736431"/>
+                  <a:pt x="866670" y="5629275"/>
+                  <a:pt x="845349" y="5497115"/>
+                </a:cubicBezTo>
+                <a:cubicBezTo>
+                  <a:pt x="838243" y="5429250"/>
+                  <a:pt x="792049" y="5407819"/>
+                  <a:pt x="745855" y="5375672"/>
+                </a:cubicBezTo>
+                <a:cubicBezTo>
+                  <a:pt x="589507" y="5264943"/>
+                  <a:pt x="422499" y="5164931"/>
+                  <a:pt x="291024" y="5014913"/>
+                </a:cubicBezTo>
+                <a:cubicBezTo>
+                  <a:pt x="443819" y="5032771"/>
+                  <a:pt x="564633" y="5132784"/>
+                  <a:pt x="724535" y="5175647"/>
+                </a:cubicBezTo>
+                <a:cubicBezTo>
+                  <a:pt x="596614" y="5011340"/>
+                  <a:pt x="429605" y="4925615"/>
+                  <a:pt x="276811" y="4825603"/>
+                </a:cubicBezTo>
+                <a:cubicBezTo>
+                  <a:pt x="205743" y="4779169"/>
+                  <a:pt x="141783" y="4722018"/>
+                  <a:pt x="60055" y="4697016"/>
+                </a:cubicBezTo>
+                <a:cubicBezTo>
+                  <a:pt x="31628" y="4689872"/>
+                  <a:pt x="-18119" y="4672013"/>
+                  <a:pt x="6755" y="4622006"/>
+                </a:cubicBezTo>
+                <a:cubicBezTo>
+                  <a:pt x="28075" y="4579144"/>
+                  <a:pt x="67162" y="4593432"/>
+                  <a:pt x="102696" y="4604146"/>
+                </a:cubicBezTo>
+                <a:cubicBezTo>
+                  <a:pt x="187976" y="4632722"/>
+                  <a:pt x="280364" y="4632722"/>
+                  <a:pt x="397625" y="4632722"/>
+                </a:cubicBezTo>
+                <a:cubicBezTo>
+                  <a:pt x="298131" y="4496990"/>
+                  <a:pt x="116909" y="4539853"/>
+                  <a:pt x="31628" y="4396978"/>
+                </a:cubicBezTo>
+                <a:cubicBezTo>
+                  <a:pt x="138229" y="4371976"/>
+                  <a:pt x="219957" y="4421982"/>
+                  <a:pt x="305237" y="4432697"/>
+                </a:cubicBezTo>
+                <a:cubicBezTo>
+                  <a:pt x="383412" y="4443413"/>
+                  <a:pt x="401178" y="4418409"/>
+                  <a:pt x="383412" y="4339828"/>
+                </a:cubicBezTo>
+                <a:cubicBezTo>
+                  <a:pt x="354985" y="4218385"/>
+                  <a:pt x="397625" y="4157662"/>
+                  <a:pt x="511333" y="4189810"/>
+                </a:cubicBezTo>
+                <a:cubicBezTo>
+                  <a:pt x="617934" y="4221956"/>
+                  <a:pt x="628594" y="4175522"/>
+                  <a:pt x="600167" y="4107656"/>
+                </a:cubicBezTo>
+                <a:cubicBezTo>
+                  <a:pt x="557527" y="4007644"/>
+                  <a:pt x="603720" y="3929063"/>
+                  <a:pt x="635701" y="3843337"/>
+                </a:cubicBezTo>
+                <a:cubicBezTo>
+                  <a:pt x="685448" y="3714750"/>
+                  <a:pt x="664128" y="3650456"/>
+                  <a:pt x="561080" y="3554015"/>
+                </a:cubicBezTo>
+                <a:cubicBezTo>
+                  <a:pt x="500673" y="3500438"/>
+                  <a:pt x="440265" y="3454003"/>
+                  <a:pt x="354985" y="3407569"/>
+                </a:cubicBezTo>
+                <a:cubicBezTo>
+                  <a:pt x="550420" y="3382565"/>
+                  <a:pt x="347878" y="3296841"/>
+                  <a:pt x="415392" y="3243263"/>
+                </a:cubicBezTo>
+                <a:cubicBezTo>
+                  <a:pt x="553973" y="3221831"/>
+                  <a:pt x="664128" y="3393282"/>
+                  <a:pt x="852456" y="3343275"/>
+                </a:cubicBezTo>
+                <a:cubicBezTo>
+                  <a:pt x="625041" y="3196828"/>
+                  <a:pt x="369198" y="3150393"/>
+                  <a:pt x="202190" y="2953940"/>
+                </a:cubicBezTo>
+                <a:cubicBezTo>
+                  <a:pt x="241277" y="2911078"/>
+                  <a:pt x="280364" y="2953940"/>
+                  <a:pt x="312344" y="2936081"/>
+                </a:cubicBezTo>
+                <a:cubicBezTo>
+                  <a:pt x="312344" y="2925365"/>
+                  <a:pt x="685448" y="2993232"/>
+                  <a:pt x="706768" y="2714625"/>
+                </a:cubicBezTo>
+                <a:cubicBezTo>
+                  <a:pt x="713875" y="2714625"/>
+                  <a:pt x="720982" y="2714625"/>
+                  <a:pt x="728088" y="2703909"/>
+                </a:cubicBezTo>
+                <a:cubicBezTo>
+                  <a:pt x="767175" y="2664619"/>
+                  <a:pt x="731642" y="2571750"/>
+                  <a:pt x="795602" y="2564606"/>
+                </a:cubicBezTo>
+                <a:cubicBezTo>
+                  <a:pt x="866670" y="2557462"/>
+                  <a:pt x="934184" y="2525315"/>
+                  <a:pt x="1008804" y="2543175"/>
+                </a:cubicBezTo>
+                <a:cubicBezTo>
+                  <a:pt x="1065658" y="2557462"/>
+                  <a:pt x="1126065" y="2575322"/>
+                  <a:pt x="1186473" y="2575322"/>
+                </a:cubicBezTo>
+                <a:cubicBezTo>
+                  <a:pt x="1250433" y="2575322"/>
+                  <a:pt x="1339267" y="2696766"/>
+                  <a:pt x="1378355" y="2536031"/>
+                </a:cubicBezTo>
+                <a:cubicBezTo>
+                  <a:pt x="1378355" y="2528888"/>
+                  <a:pt x="1488509" y="2546747"/>
+                  <a:pt x="1548916" y="2553891"/>
+                </a:cubicBezTo>
+                <a:cubicBezTo>
+                  <a:pt x="1598663" y="2561035"/>
+                  <a:pt x="1659071" y="2593181"/>
+                  <a:pt x="1694604" y="2528888"/>
+                </a:cubicBezTo>
+                <a:cubicBezTo>
+                  <a:pt x="1712371" y="2489596"/>
+                  <a:pt x="1627090" y="2418159"/>
+                  <a:pt x="1552469" y="2411015"/>
+                </a:cubicBezTo>
+                <a:cubicBezTo>
+                  <a:pt x="1484956" y="2403872"/>
+                  <a:pt x="1417442" y="2396728"/>
+                  <a:pt x="1353481" y="2411015"/>
+                </a:cubicBezTo>
+                <a:cubicBezTo>
+                  <a:pt x="1275307" y="2428875"/>
+                  <a:pt x="1232666" y="2400300"/>
+                  <a:pt x="1211346" y="2336007"/>
+                </a:cubicBezTo>
+                <a:cubicBezTo>
+                  <a:pt x="1186473" y="2268141"/>
+                  <a:pt x="1140279" y="2232422"/>
+                  <a:pt x="1076318" y="2200275"/>
+                </a:cubicBezTo>
+                <a:cubicBezTo>
+                  <a:pt x="919970" y="2121694"/>
+                  <a:pt x="770729" y="2028825"/>
+                  <a:pt x="600167" y="1982390"/>
+                </a:cubicBezTo>
+                <a:cubicBezTo>
+                  <a:pt x="568187" y="1975246"/>
+                  <a:pt x="529100" y="1960959"/>
+                  <a:pt x="514886" y="1900238"/>
+                </a:cubicBezTo>
+                <a:cubicBezTo>
+                  <a:pt x="976824" y="1993106"/>
+                  <a:pt x="1396121" y="2232422"/>
+                  <a:pt x="1872273" y="2218135"/>
+                </a:cubicBezTo>
+                <a:cubicBezTo>
+                  <a:pt x="1744351" y="2143125"/>
+                  <a:pt x="1591557" y="2139554"/>
+                  <a:pt x="1452975" y="2085975"/>
+                </a:cubicBezTo>
+                <a:cubicBezTo>
+                  <a:pt x="1552469" y="2046685"/>
+                  <a:pt x="1644857" y="2089547"/>
+                  <a:pt x="1737245" y="2110978"/>
+                </a:cubicBezTo>
+                <a:cubicBezTo>
+                  <a:pt x="1815419" y="2128837"/>
+                  <a:pt x="1886486" y="2132410"/>
+                  <a:pt x="1893593" y="2021681"/>
+                </a:cubicBezTo>
+                <a:cubicBezTo>
+                  <a:pt x="1893593" y="2010965"/>
+                  <a:pt x="1893593" y="2003821"/>
+                  <a:pt x="1893593" y="1993106"/>
+                </a:cubicBezTo>
+                <a:cubicBezTo>
+                  <a:pt x="1865166" y="1946672"/>
+                  <a:pt x="1826079" y="1925240"/>
+                  <a:pt x="1776332" y="1910953"/>
+                </a:cubicBezTo>
+                <a:cubicBezTo>
+                  <a:pt x="1747905" y="1903809"/>
+                  <a:pt x="1708818" y="1889522"/>
+                  <a:pt x="1708818" y="1857375"/>
+                </a:cubicBezTo>
+                <a:cubicBezTo>
+                  <a:pt x="1712371" y="1735931"/>
+                  <a:pt x="1616430" y="1700212"/>
+                  <a:pt x="1524043" y="1664493"/>
+                </a:cubicBezTo>
+                <a:cubicBezTo>
+                  <a:pt x="1573790" y="1603772"/>
+                  <a:pt x="1616430" y="1646635"/>
+                  <a:pt x="1655517" y="1643062"/>
+                </a:cubicBezTo>
+                <a:cubicBezTo>
+                  <a:pt x="1680391" y="1639491"/>
+                  <a:pt x="1705264" y="1635919"/>
+                  <a:pt x="1705264" y="1603772"/>
+                </a:cubicBezTo>
+                <a:cubicBezTo>
+                  <a:pt x="1705264" y="1578769"/>
+                  <a:pt x="1694604" y="1546622"/>
+                  <a:pt x="1669731" y="1546622"/>
+                </a:cubicBezTo>
+                <a:cubicBezTo>
+                  <a:pt x="1513383" y="1543050"/>
+                  <a:pt x="1424548" y="1371600"/>
+                  <a:pt x="1261093" y="1371600"/>
+                </a:cubicBezTo>
+                <a:cubicBezTo>
+                  <a:pt x="1161599" y="1371600"/>
+                  <a:pt x="1310841" y="1275159"/>
+                  <a:pt x="1229113" y="1235869"/>
+                </a:cubicBezTo>
+                <a:cubicBezTo>
+                  <a:pt x="1211346" y="1225153"/>
+                  <a:pt x="1278860" y="1210866"/>
+                  <a:pt x="1307287" y="1214437"/>
+                </a:cubicBezTo>
+                <a:cubicBezTo>
+                  <a:pt x="1335714" y="1218009"/>
+                  <a:pt x="1360588" y="1243013"/>
+                  <a:pt x="1396121" y="1225153"/>
+                </a:cubicBezTo>
+                <a:cubicBezTo>
+                  <a:pt x="1413888" y="1160860"/>
+                  <a:pt x="1367694" y="1135856"/>
+                  <a:pt x="1325054" y="1117997"/>
+                </a:cubicBezTo>
+                <a:cubicBezTo>
+                  <a:pt x="1232666" y="1075135"/>
+                  <a:pt x="1140279" y="1025129"/>
+                  <a:pt x="1037231" y="1010841"/>
+                </a:cubicBezTo>
+                <a:cubicBezTo>
+                  <a:pt x="1001698" y="1007269"/>
+                  <a:pt x="980377" y="989409"/>
+                  <a:pt x="983931" y="953690"/>
+                </a:cubicBezTo>
+                <a:cubicBezTo>
+                  <a:pt x="991037" y="907256"/>
+                  <a:pt x="1026571" y="921544"/>
+                  <a:pt x="1054998" y="925115"/>
+                </a:cubicBezTo>
+                <a:cubicBezTo>
+                  <a:pt x="1072765" y="928688"/>
+                  <a:pt x="1090532" y="939403"/>
+                  <a:pt x="1108299" y="914400"/>
+                </a:cubicBezTo>
+                <a:cubicBezTo>
+                  <a:pt x="692555" y="660797"/>
+                  <a:pt x="472246" y="675085"/>
+                  <a:pt x="6755" y="467915"/>
+                </a:cubicBezTo>
+                <a:cubicBezTo>
+                  <a:pt x="109802" y="428625"/>
+                  <a:pt x="184423" y="457200"/>
+                  <a:pt x="255490" y="464344"/>
+                </a:cubicBezTo>
+                <a:cubicBezTo>
+                  <a:pt x="433159" y="482203"/>
+                  <a:pt x="323004" y="514350"/>
+                  <a:pt x="500673" y="535781"/>
+                </a:cubicBezTo>
+                <a:cubicBezTo>
+                  <a:pt x="585954" y="546497"/>
+                  <a:pt x="664128" y="582216"/>
+                  <a:pt x="760069" y="525066"/>
+                </a:cubicBezTo>
+                <a:cubicBezTo>
+                  <a:pt x="824029" y="485775"/>
+                  <a:pt x="927077" y="528637"/>
+                  <a:pt x="1005251" y="560785"/>
+                </a:cubicBezTo>
+                <a:cubicBezTo>
+                  <a:pt x="1069212" y="589360"/>
+                  <a:pt x="1133172" y="596503"/>
+                  <a:pt x="1218453" y="560785"/>
+                </a:cubicBezTo>
+                <a:cubicBezTo>
+                  <a:pt x="1140279" y="539354"/>
+                  <a:pt x="1079872" y="521494"/>
+                  <a:pt x="1019464" y="507206"/>
+                </a:cubicBezTo>
+                <a:cubicBezTo>
+                  <a:pt x="969717" y="496491"/>
+                  <a:pt x="941290" y="471488"/>
+                  <a:pt x="944844" y="417909"/>
+                </a:cubicBezTo>
+                <a:cubicBezTo>
+                  <a:pt x="944844" y="389334"/>
+                  <a:pt x="934184" y="350044"/>
+                  <a:pt x="969717" y="335757"/>
+                </a:cubicBezTo>
+                <a:cubicBezTo>
+                  <a:pt x="998144" y="321469"/>
+                  <a:pt x="1037231" y="335757"/>
+                  <a:pt x="1051445" y="360759"/>
+                </a:cubicBezTo>
+                <a:cubicBezTo>
+                  <a:pt x="1069212" y="407194"/>
+                  <a:pt x="1086978" y="450056"/>
+                  <a:pt x="1147386" y="453629"/>
+                </a:cubicBezTo>
+                <a:cubicBezTo>
+                  <a:pt x="1229113" y="460771"/>
+                  <a:pt x="1182919" y="432197"/>
+                  <a:pt x="1168706" y="396478"/>
+                </a:cubicBezTo>
+                <a:cubicBezTo>
+                  <a:pt x="1154492" y="357188"/>
+                  <a:pt x="1197133" y="346472"/>
+                  <a:pt x="1225560" y="353615"/>
+                </a:cubicBezTo>
+                <a:cubicBezTo>
+                  <a:pt x="1332161" y="385763"/>
+                  <a:pt x="1442315" y="328613"/>
+                  <a:pt x="1552469" y="375047"/>
+                </a:cubicBezTo>
+                <a:cubicBezTo>
+                  <a:pt x="1524043" y="260747"/>
+                  <a:pt x="1463635" y="210741"/>
+                  <a:pt x="1335714" y="192881"/>
+                </a:cubicBezTo>
+                <a:cubicBezTo>
+                  <a:pt x="1289520" y="189310"/>
+                  <a:pt x="1239773" y="196453"/>
+                  <a:pt x="1197133" y="164306"/>
+                </a:cubicBezTo>
+                <a:cubicBezTo>
+                  <a:pt x="1172259" y="146447"/>
+                  <a:pt x="1147386" y="125016"/>
+                  <a:pt x="1165153" y="89297"/>
+                </a:cubicBezTo>
+                <a:cubicBezTo>
+                  <a:pt x="1175813" y="64294"/>
+                  <a:pt x="1204239" y="64294"/>
+                  <a:pt x="1229113" y="71437"/>
+                </a:cubicBezTo>
+                <a:cubicBezTo>
+                  <a:pt x="1332161" y="110728"/>
+                  <a:pt x="1442315" y="121444"/>
+                  <a:pt x="1548916" y="135731"/>
+                </a:cubicBezTo>
+                <a:cubicBezTo>
+                  <a:pt x="1566683" y="139303"/>
+                  <a:pt x="1584450" y="146447"/>
+                  <a:pt x="1602217" y="110728"/>
+                </a:cubicBezTo>
+                <a:cubicBezTo>
+                  <a:pt x="1477849" y="78581"/>
+                  <a:pt x="1357034" y="35719"/>
+                  <a:pt x="1232666" y="0"/>
+                </a:cubicBezTo>
+                <a:close/>
+              </a:path>
+            </a:pathLst>
+          </a:custGeom>
+          <a:solidFill>
+            <a:schemeClr val="bg2">
+              <a:alpha val="50000"/>
+            </a:schemeClr>
+          </a:solidFill>
+          <a:ln w="32707" cap="flat">
+            <a:noFill/>
+            <a:prstDash val="solid"/>
+            <a:miter/>
+          </a:ln>
+        </p:spPr>
+        <p:txBody>
+          <a:bodyPr wrap="square" rtlCol="0" anchor="ctr">
+            <a:noAutofit/>
+          </a:bodyPr>
+          <a:lstStyle/>
+          <a:p>
+            <a:endParaRPr lang="en-US">
+              <a:solidFill>
+                <a:schemeClr val="tx1"/>
+              </a:solidFill>
+            </a:endParaRPr>
+          </a:p>
+        </p:txBody>
+      </p:sp>
+      <p:sp>
+        <p:nvSpPr>
+          <p:cNvPr id="2" name="Titel 1">
+            <a:extLst>
+              <a:ext uri="{FF2B5EF4-FFF2-40B4-BE49-F238E27FC236}">
+                <a16:creationId xmlns:a16="http://schemas.microsoft.com/office/drawing/2014/main" id="{F40C8D1A-F8F2-38D1-EFFC-71B50E226963}"/>
+              </a:ext>
+            </a:extLst>
+          </p:cNvPr>
+          <p:cNvSpPr>
+            <a:spLocks noGrp="1"/>
+          </p:cNvSpPr>
+          <p:nvPr>
+            <p:ph type="title"/>
+          </p:nvPr>
+        </p:nvSpPr>
+        <p:spPr>
+          <a:xfrm>
+            <a:off x="838201" y="643467"/>
+            <a:ext cx="3888526" cy="1800526"/>
+          </a:xfrm>
+        </p:spPr>
+        <p:txBody>
+          <a:bodyPr>
+            <a:normAutofit/>
+          </a:bodyPr>
+          <a:lstStyle/>
+          <a:p>
+            <a:r>
+              <a:rPr lang="de-DE" sz="4100" b="0" i="0">
+                <a:effectLst/>
+                <a:latin typeface="Lato Extended"/>
+              </a:rPr>
+              <a:t>Eingesetzte Software und Hardware</a:t>
+            </a:r>
+            <a:endParaRPr lang="de-DE" sz="4100"/>
+          </a:p>
+        </p:txBody>
+      </p:sp>
+      <p:sp>
+        <p:nvSpPr>
+          <p:cNvPr id="3" name="Inhaltsplatzhalter 2">
+            <a:extLst>
+              <a:ext uri="{FF2B5EF4-FFF2-40B4-BE49-F238E27FC236}">
+                <a16:creationId xmlns:a16="http://schemas.microsoft.com/office/drawing/2014/main" id="{27E449D0-8194-7EB9-39AE-293D56A417AB}"/>
+              </a:ext>
+            </a:extLst>
+          </p:cNvPr>
+          <p:cNvSpPr>
+            <a:spLocks noGrp="1"/>
+          </p:cNvSpPr>
+          <p:nvPr>
+            <p:ph idx="1"/>
+          </p:nvPr>
+        </p:nvSpPr>
+        <p:spPr>
+          <a:xfrm>
+            <a:off x="838201" y="2623381"/>
+            <a:ext cx="3888528" cy="3553581"/>
+          </a:xfrm>
+        </p:spPr>
+        <p:txBody>
+          <a:bodyPr>
+            <a:normAutofit/>
+          </a:bodyPr>
+          <a:lstStyle/>
+          <a:p>
+            <a:pPr marL="0" indent="0">
+              <a:buNone/>
+            </a:pPr>
+            <a:r>
+              <a:rPr lang="de-DE" sz="2000" u="sng" dirty="0"/>
+              <a:t>Software</a:t>
+            </a:r>
+          </a:p>
+          <a:p>
+            <a:r>
+              <a:rPr lang="de-DE" sz="2000" dirty="0"/>
+              <a:t>Unity</a:t>
+            </a:r>
+          </a:p>
+          <a:p>
+            <a:r>
+              <a:rPr lang="de-DE" sz="2000" dirty="0"/>
+              <a:t>C#</a:t>
+            </a:r>
+          </a:p>
+          <a:p>
+            <a:r>
+              <a:rPr lang="de-DE" sz="2000" dirty="0" err="1"/>
+              <a:t>Git</a:t>
+            </a:r>
+            <a:r>
+              <a:rPr lang="de-DE" sz="2000" dirty="0"/>
+              <a:t> (Host GitHub)</a:t>
+            </a:r>
+          </a:p>
+          <a:p>
+            <a:r>
+              <a:rPr lang="de-DE" sz="2000" dirty="0"/>
+              <a:t>Notion</a:t>
+            </a:r>
+          </a:p>
+          <a:p>
+            <a:r>
+              <a:rPr lang="de-DE" sz="2000" dirty="0" err="1"/>
+              <a:t>Discord</a:t>
+            </a:r>
+            <a:endParaRPr lang="de-DE" sz="2000" dirty="0"/>
+          </a:p>
+          <a:p>
+            <a:pPr marL="0" indent="0">
+              <a:buNone/>
+            </a:pPr>
+            <a:r>
+              <a:rPr lang="de-DE" sz="2000" u="sng" dirty="0"/>
+              <a:t>Hardware</a:t>
+            </a:r>
+          </a:p>
+          <a:p>
+            <a:r>
+              <a:rPr lang="de-DE" sz="2000" dirty="0"/>
+              <a:t>Index Valve VR-Brille</a:t>
+            </a:r>
+          </a:p>
+        </p:txBody>
+      </p:sp>
+      <p:pic>
+        <p:nvPicPr>
+          <p:cNvPr id="5" name="Grafik 4">
+            <a:extLst>
+              <a:ext uri="{FF2B5EF4-FFF2-40B4-BE49-F238E27FC236}">
+                <a16:creationId xmlns:a16="http://schemas.microsoft.com/office/drawing/2014/main" id="{0FAF14BE-2507-5F9B-5488-2919E3C058E4}"/>
+              </a:ext>
+            </a:extLst>
+          </p:cNvPr>
+          <p:cNvPicPr>
+            <a:picLocks noChangeAspect="1"/>
+          </p:cNvPicPr>
+          <p:nvPr/>
+        </p:nvPicPr>
+        <p:blipFill>
+          <a:blip r:embed="rId2"/>
+          <a:stretch>
+            <a:fillRect/>
+          </a:stretch>
+        </p:blipFill>
+        <p:spPr>
+          <a:xfrm>
+            <a:off x="7202670" y="643234"/>
+            <a:ext cx="4199839" cy="2624899"/>
+          </a:xfrm>
+          <a:prstGeom prst="rect">
+            <a:avLst/>
+          </a:prstGeom>
+        </p:spPr>
+      </p:pic>
+      <p:pic>
+        <p:nvPicPr>
+          <p:cNvPr id="1026" name="Picture 2" descr="Valve Index Vr Kit - komplett &amp; originalverpackt : Amazon.de: Elektronik &amp;  Foto">
+            <a:extLst>
+              <a:ext uri="{FF2B5EF4-FFF2-40B4-BE49-F238E27FC236}">
+                <a16:creationId xmlns:a16="http://schemas.microsoft.com/office/drawing/2014/main" id="{814E4C18-BD80-E41D-8883-72C32C305DB4}"/>
+              </a:ext>
+            </a:extLst>
+          </p:cNvPr>
+          <p:cNvPicPr>
+            <a:picLocks noChangeAspect="1" noChangeArrowheads="1"/>
+          </p:cNvPicPr>
+          <p:nvPr/>
+        </p:nvPicPr>
+        <p:blipFill>
+          <a:blip r:embed="rId3">
+            <a:extLst>
+              <a:ext uri="{28A0092B-C50C-407E-A947-70E740481C1C}">
+                <a14:useLocalDpi xmlns:a14="http://schemas.microsoft.com/office/drawing/2010/main" val="0"/>
+              </a:ext>
+            </a:extLst>
+          </a:blip>
+          <a:stretch>
+            <a:fillRect/>
+          </a:stretch>
+        </p:blipFill>
+        <p:spPr bwMode="auto">
+          <a:xfrm>
+            <a:off x="7056646" y="3755051"/>
+            <a:ext cx="4491887" cy="2257173"/>
+          </a:xfrm>
+          <a:prstGeom prst="rect">
+            <a:avLst/>
+          </a:prstGeom>
+          <a:noFill/>
+          <a:extLst>
+            <a:ext uri="{909E8E84-426E-40DD-AFC4-6F175D3DCCD1}">
+              <a14:hiddenFill xmlns:a14="http://schemas.microsoft.com/office/drawing/2010/main">
+                <a:solidFill>
+                  <a:srgbClr val="FFFFFF"/>
+                </a:solidFill>
+              </a14:hiddenFill>
+            </a:ext>
+          </a:extLst>
+        </p:spPr>
+      </p:pic>
+    </p:spTree>
+    <p:extLst>
+      <p:ext uri="{BB962C8B-B14F-4D97-AF65-F5344CB8AC3E}">
+        <p14:creationId xmlns:p14="http://schemas.microsoft.com/office/powerpoint/2010/main" val="2333115140"/>
+      </p:ext>
+    </p:extLst>
+  </p:cSld>
+  <p:clrMapOvr>
+    <a:masterClrMapping/>
+  </p:clrMapOvr>
+</p:sld>
+</file>
+
+<file path=ppt/slides/slide11.xml><?xml version="1.0" encoding="utf-8"?>
+<p:sld xmlns:a="http://schemas.openxmlformats.org/drawingml/2006/main" xmlns:r="http://schemas.openxmlformats.org/officeDocument/2006/relationships" xmlns:p="http://schemas.openxmlformats.org/presentationml/2006/main">
+  <p:cSld>
+    <p:bg>
+      <p:bgPr>
+        <a:solidFill>
+          <a:schemeClr val="bg1"/>
+        </a:solidFill>
+        <a:effectLst/>
+      </p:bgPr>
+    </p:bg>
+    <p:spTree>
+      <p:nvGrpSpPr>
+        <p:cNvPr id="1" name=""/>
+        <p:cNvGrpSpPr/>
+        <p:nvPr/>
+      </p:nvGrpSpPr>
+      <p:grpSpPr>
+        <a:xfrm>
+          <a:off x="0" y="0"/>
+          <a:ext cx="0" cy="0"/>
+          <a:chOff x="0" y="0"/>
+          <a:chExt cx="0" cy="0"/>
+        </a:xfrm>
+      </p:grpSpPr>
+      <p:pic>
+        <p:nvPicPr>
+          <p:cNvPr id="5" name="Inhaltsplatzhalter 4" descr="Ein Bild, das Entwurf, Zeichnung, Darstellung, Design enthält.&#10;&#10;Automatisch generierte Beschreibung">
+            <a:extLst>
+              <a:ext uri="{FF2B5EF4-FFF2-40B4-BE49-F238E27FC236}">
+                <a16:creationId xmlns:a16="http://schemas.microsoft.com/office/drawing/2014/main" id="{41E5419E-0CEE-BD64-F88D-EC29B9AB8D04}"/>
+              </a:ext>
+            </a:extLst>
+          </p:cNvPr>
+          <p:cNvPicPr>
+            <a:picLocks noGrp="1" noChangeAspect="1"/>
+          </p:cNvPicPr>
+          <p:nvPr>
+            <p:ph idx="1"/>
+          </p:nvPr>
+        </p:nvPicPr>
+        <p:blipFill>
+          <a:blip r:embed="rId2">
+            <a:extLst>
+              <a:ext uri="{28A0092B-C50C-407E-A947-70E740481C1C}">
+                <a14:useLocalDpi xmlns:a14="http://schemas.microsoft.com/office/drawing/2010/main" val="0"/>
+              </a:ext>
+            </a:extLst>
+          </a:blip>
+          <a:stretch>
+            <a:fillRect/>
+          </a:stretch>
+        </p:blipFill>
+        <p:spPr>
+          <a:xfrm>
+            <a:off x="4038600" y="1147763"/>
+            <a:ext cx="3727450" cy="4557713"/>
+          </a:xfrm>
+        </p:spPr>
+      </p:pic>
+      <p:pic>
+        <p:nvPicPr>
+          <p:cNvPr id="4" name="Grafik 3" descr="Ein Bild, das Zeichnung, Entwurf, Text, Kinderkunst enthält.&#10;&#10;Automatisch generierte Beschreibung">
+            <a:extLst>
+              <a:ext uri="{FF2B5EF4-FFF2-40B4-BE49-F238E27FC236}">
+                <a16:creationId xmlns:a16="http://schemas.microsoft.com/office/drawing/2014/main" id="{49F39AC9-8D4C-A19D-8E03-770826BEB8BB}"/>
+              </a:ext>
+            </a:extLst>
+          </p:cNvPr>
+          <p:cNvPicPr>
+            <a:picLocks noChangeAspect="1"/>
+          </p:cNvPicPr>
+          <p:nvPr/>
+        </p:nvPicPr>
+        <p:blipFill>
+          <a:blip r:embed="rId3">
+            <a:extLst>
+              <a:ext uri="{28A0092B-C50C-407E-A947-70E740481C1C}">
+                <a14:useLocalDpi xmlns:a14="http://schemas.microsoft.com/office/drawing/2010/main" val="0"/>
+              </a:ext>
+            </a:extLst>
+          </a:blip>
+          <a:stretch>
+            <a:fillRect/>
+          </a:stretch>
+        </p:blipFill>
+        <p:spPr>
+          <a:xfrm>
+            <a:off x="7820025" y="1147763"/>
+            <a:ext cx="3403600" cy="4557713"/>
+          </a:xfrm>
+          <a:prstGeom prst="rect">
+            <a:avLst/>
+          </a:prstGeom>
+        </p:spPr>
+      </p:pic>
+      <p:sp>
+        <p:nvSpPr>
+          <p:cNvPr id="2" name="Titel 1">
+            <a:extLst>
+              <a:ext uri="{FF2B5EF4-FFF2-40B4-BE49-F238E27FC236}">
+                <a16:creationId xmlns:a16="http://schemas.microsoft.com/office/drawing/2014/main" id="{903E1106-F768-0B9E-CD46-BD19DAF1450B}"/>
+              </a:ext>
+            </a:extLst>
+          </p:cNvPr>
+          <p:cNvSpPr>
+            <a:spLocks noGrp="1"/>
+          </p:cNvSpPr>
+          <p:nvPr>
+            <p:ph type="title"/>
+          </p:nvPr>
+        </p:nvSpPr>
+        <p:spPr>
+          <a:xfrm>
+            <a:off x="640080" y="2074363"/>
+            <a:ext cx="2752354" cy="2709275"/>
+          </a:xfrm>
+          <a:prstGeom prst="ellipse">
+            <a:avLst/>
+          </a:prstGeom>
+          <a:solidFill>
+            <a:schemeClr val="tx1">
+              <a:lumMod val="85000"/>
+              <a:lumOff val="15000"/>
+            </a:schemeClr>
+          </a:solidFill>
+          <a:ln w="174625" cmpd="thinThick">
+            <a:solidFill>
+              <a:schemeClr val="tx1">
+                <a:lumMod val="85000"/>
+                <a:lumOff val="15000"/>
+              </a:schemeClr>
+            </a:solidFill>
+          </a:ln>
+        </p:spPr>
+        <p:txBody>
+          <a:bodyPr vert="horz" lIns="91440" tIns="45720" rIns="91440" bIns="45720" rtlCol="0" anchor="ctr">
+            <a:normAutofit/>
+          </a:bodyPr>
+          <a:lstStyle/>
+          <a:p>
+            <a:pPr algn="ctr"/>
+            <a:r>
+              <a:rPr lang="en-US" sz="2600" b="0" i="0" kern="1200">
+                <a:solidFill>
+                  <a:schemeClr val="bg1"/>
+                </a:solidFill>
+                <a:effectLst/>
+                <a:latin typeface="+mj-lt"/>
+                <a:ea typeface="+mj-ea"/>
+                <a:cs typeface="+mj-cs"/>
+              </a:rPr>
+              <a:t>Skizzen/ Prototypen</a:t>
+            </a:r>
+            <a:endParaRPr lang="en-US" sz="2600" kern="1200">
+              <a:solidFill>
+                <a:schemeClr val="bg1"/>
+              </a:solidFill>
+              <a:latin typeface="+mj-lt"/>
+              <a:ea typeface="+mj-ea"/>
+              <a:cs typeface="+mj-cs"/>
+            </a:endParaRPr>
+          </a:p>
+        </p:txBody>
+      </p:sp>
+    </p:spTree>
+    <p:extLst>
+      <p:ext uri="{BB962C8B-B14F-4D97-AF65-F5344CB8AC3E}">
+        <p14:creationId xmlns:p14="http://schemas.microsoft.com/office/powerpoint/2010/main" val="586853906"/>
+      </p:ext>
+    </p:extLst>
+  </p:cSld>
+  <p:clrMapOvr>
+    <a:masterClrMapping/>
+  </p:clrMapOvr>
+</p:sld>
+</file>
+
+<file path=ppt/slides/slide12.xml><?xml version="1.0" encoding="utf-8"?>
+<p:sld xmlns:a="http://schemas.openxmlformats.org/drawingml/2006/main" xmlns:r="http://schemas.openxmlformats.org/officeDocument/2006/relationships" xmlns:p="http://schemas.openxmlformats.org/presentationml/2006/main">
+  <p:cSld>
+    <p:bg>
+      <p:bgPr>
+        <a:solidFill>
+          <a:schemeClr val="bg1"/>
+        </a:solidFill>
+        <a:effectLst/>
+      </p:bgPr>
+    </p:bg>
+    <p:spTree>
+      <p:nvGrpSpPr>
+        <p:cNvPr id="1" name=""/>
+        <p:cNvGrpSpPr/>
+        <p:nvPr/>
+      </p:nvGrpSpPr>
+      <p:grpSpPr>
+        <a:xfrm>
+          <a:off x="0" y="0"/>
+          <a:ext cx="0" cy="0"/>
+          <a:chOff x="0" y="0"/>
+          <a:chExt cx="0" cy="0"/>
+        </a:xfrm>
+      </p:grpSpPr>
+      <p:sp useBgFill="1">
+        <p:nvSpPr>
+          <p:cNvPr id="2064" name="Rectangle 2063">
+            <a:extLst>
+              <a:ext uri="{FF2B5EF4-FFF2-40B4-BE49-F238E27FC236}">
+                <a16:creationId xmlns:a16="http://schemas.microsoft.com/office/drawing/2014/main" id="{0E3596DD-156A-473E-9BB3-C6A29F7574E9}"/>
+              </a:ext>
+              <a:ext uri="{C183D7F6-B498-43B3-948B-1728B52AA6E4}">
+                <adec:decorative xmlns:adec="http://schemas.microsoft.com/office/drawing/2017/decorative" val="1"/>
+              </a:ext>
+            </a:extLst>
+          </p:cNvPr>
+          <p:cNvSpPr>
+            <a:spLocks noGrp="1" noRot="1" noChangeAspect="1" noMove="1" noResize="1" noEditPoints="1" noAdjustHandles="1" noChangeArrowheads="1" noChangeShapeType="1" noTextEdit="1"/>
+          </p:cNvSpPr>
+          <p:nvPr>
+            <p:extLst>
+              <p:ext uri="{386F3935-93C4-4BCD-93E2-E3B085C9AB24}">
+                <p16:designElem xmlns:p16="http://schemas.microsoft.com/office/powerpoint/2015/main" val="1"/>
+              </p:ext>
+            </p:extLst>
+          </p:nvPr>
+        </p:nvSpPr>
+        <p:spPr>
+          <a:xfrm>
+            <a:off x="0" y="0"/>
+            <a:ext cx="12188952" cy="6858000"/>
+          </a:xfrm>
+          <a:prstGeom prst="rect">
+            <a:avLst/>
+          </a:prstGeom>
+          <a:ln>
+            <a:noFill/>
+          </a:ln>
+        </p:spPr>
+        <p:style>
+          <a:lnRef idx="2">
+            <a:schemeClr val="accent1">
+              <a:shade val="50000"/>
+            </a:schemeClr>
+          </a:lnRef>
+          <a:fillRef idx="1">
+            <a:schemeClr val="accent1"/>
+          </a:fillRef>
+          <a:effectRef idx="0">
+            <a:schemeClr val="accent1"/>
+          </a:effectRef>
+          <a:fontRef idx="minor">
+            <a:schemeClr val="lt1"/>
+          </a:fontRef>
+        </p:style>
+        <p:txBody>
+          <a:bodyPr rtlCol="0" anchor="ctr"/>
+          <a:lstStyle/>
+          <a:p>
+            <a:pPr algn="ctr"/>
+            <a:endParaRPr lang="en-US"/>
+          </a:p>
+        </p:txBody>
+      </p:sp>
+      <p:sp>
+        <p:nvSpPr>
+          <p:cNvPr id="2066" name="Freeform: Shape 2065">
+            <a:extLst>
+              <a:ext uri="{FF2B5EF4-FFF2-40B4-BE49-F238E27FC236}">
+                <a16:creationId xmlns:a16="http://schemas.microsoft.com/office/drawing/2014/main" id="{2C46C4D6-C474-4E92-B52E-944C1118F7B6}"/>
+              </a:ext>
+              <a:ext uri="{C183D7F6-B498-43B3-948B-1728B52AA6E4}">
+                <adec:decorative xmlns:adec="http://schemas.microsoft.com/office/drawing/2017/decorative" val="1"/>
+              </a:ext>
+            </a:extLst>
+          </p:cNvPr>
+          <p:cNvSpPr>
+            <a:spLocks noGrp="1" noRot="1" noChangeAspect="1" noMove="1" noResize="1" noEditPoints="1" noAdjustHandles="1" noChangeArrowheads="1" noChangeShapeType="1" noTextEdit="1"/>
+          </p:cNvSpPr>
+          <p:nvPr>
+            <p:extLst>
+              <p:ext uri="{386F3935-93C4-4BCD-93E2-E3B085C9AB24}">
+                <p16:designElem xmlns:p16="http://schemas.microsoft.com/office/powerpoint/2015/main" val="1"/>
+              </p:ext>
+            </p:extLst>
+          </p:nvPr>
+        </p:nvSpPr>
+        <p:spPr>
+          <a:xfrm flipH="1">
+            <a:off x="0" y="0"/>
+            <a:ext cx="5962785" cy="6858000"/>
+          </a:xfrm>
+          <a:custGeom>
+            <a:avLst/>
+            <a:gdLst>
+              <a:gd name="connsiteX0" fmla="*/ 1044839 w 5962785"/>
+              <a:gd name="connsiteY0" fmla="*/ 0 h 6858000"/>
+              <a:gd name="connsiteX1" fmla="*/ 5962785 w 5962785"/>
+              <a:gd name="connsiteY1" fmla="*/ 0 h 6858000"/>
+              <a:gd name="connsiteX2" fmla="*/ 5962785 w 5962785"/>
+              <a:gd name="connsiteY2" fmla="*/ 6858000 h 6858000"/>
+              <a:gd name="connsiteX3" fmla="*/ 1469886 w 5962785"/>
+              <a:gd name="connsiteY3" fmla="*/ 6858000 h 6858000"/>
+              <a:gd name="connsiteX4" fmla="*/ 1416006 w 5962785"/>
+              <a:gd name="connsiteY4" fmla="*/ 6823984 h 6858000"/>
+              <a:gd name="connsiteX5" fmla="*/ 1232473 w 5962785"/>
+              <a:gd name="connsiteY5" fmla="*/ 6733873 h 6858000"/>
+              <a:gd name="connsiteX6" fmla="*/ 1075471 w 5962785"/>
+              <a:gd name="connsiteY6" fmla="*/ 6503186 h 6858000"/>
+              <a:gd name="connsiteX7" fmla="*/ 1020229 w 5962785"/>
+              <a:gd name="connsiteY7" fmla="*/ 6438306 h 6858000"/>
+              <a:gd name="connsiteX8" fmla="*/ 883579 w 5962785"/>
+              <a:gd name="connsiteY8" fmla="*/ 6351798 h 6858000"/>
+              <a:gd name="connsiteX9" fmla="*/ 645167 w 5962785"/>
+              <a:gd name="connsiteY9" fmla="*/ 6167969 h 6858000"/>
+              <a:gd name="connsiteX10" fmla="*/ 732391 w 5962785"/>
+              <a:gd name="connsiteY10" fmla="*/ 6124716 h 6858000"/>
+              <a:gd name="connsiteX11" fmla="*/ 985339 w 5962785"/>
+              <a:gd name="connsiteY11" fmla="*/ 6236455 h 6858000"/>
+              <a:gd name="connsiteX12" fmla="*/ 1168509 w 5962785"/>
+              <a:gd name="connsiteY12" fmla="*/ 6265291 h 6858000"/>
+              <a:gd name="connsiteX13" fmla="*/ 909746 w 5962785"/>
+              <a:gd name="connsiteY13" fmla="*/ 6070649 h 6858000"/>
+              <a:gd name="connsiteX14" fmla="*/ 659704 w 5962785"/>
+              <a:gd name="connsiteY14" fmla="*/ 5818335 h 6858000"/>
+              <a:gd name="connsiteX15" fmla="*/ 851597 w 5962785"/>
+              <a:gd name="connsiteY15" fmla="*/ 5865193 h 6858000"/>
+              <a:gd name="connsiteX16" fmla="*/ 860319 w 5962785"/>
+              <a:gd name="connsiteY16" fmla="*/ 5832753 h 6858000"/>
+              <a:gd name="connsiteX17" fmla="*/ 691686 w 5962785"/>
+              <a:gd name="connsiteY17" fmla="*/ 5533581 h 6858000"/>
+              <a:gd name="connsiteX18" fmla="*/ 610278 w 5962785"/>
+              <a:gd name="connsiteY18" fmla="*/ 5411029 h 6858000"/>
+              <a:gd name="connsiteX19" fmla="*/ 238123 w 5962785"/>
+              <a:gd name="connsiteY19" fmla="*/ 5046976 h 6858000"/>
+              <a:gd name="connsiteX20" fmla="*/ 592833 w 5962785"/>
+              <a:gd name="connsiteY20" fmla="*/ 5209177 h 6858000"/>
+              <a:gd name="connsiteX21" fmla="*/ 226494 w 5962785"/>
+              <a:gd name="connsiteY21" fmla="*/ 4855939 h 6858000"/>
+              <a:gd name="connsiteX22" fmla="*/ 49139 w 5962785"/>
+              <a:gd name="connsiteY22" fmla="*/ 4726177 h 6858000"/>
+              <a:gd name="connsiteX23" fmla="*/ 5527 w 5962785"/>
+              <a:gd name="connsiteY23" fmla="*/ 4650483 h 6858000"/>
+              <a:gd name="connsiteX24" fmla="*/ 84029 w 5962785"/>
+              <a:gd name="connsiteY24" fmla="*/ 4632460 h 6858000"/>
+              <a:gd name="connsiteX25" fmla="*/ 325347 w 5962785"/>
+              <a:gd name="connsiteY25" fmla="*/ 4661296 h 6858000"/>
+              <a:gd name="connsiteX26" fmla="*/ 25879 w 5962785"/>
+              <a:gd name="connsiteY26" fmla="*/ 4423401 h 6858000"/>
+              <a:gd name="connsiteX27" fmla="*/ 249753 w 5962785"/>
+              <a:gd name="connsiteY27" fmla="*/ 4459446 h 6858000"/>
+              <a:gd name="connsiteX28" fmla="*/ 313718 w 5962785"/>
+              <a:gd name="connsiteY28" fmla="*/ 4365729 h 6858000"/>
+              <a:gd name="connsiteX29" fmla="*/ 418386 w 5962785"/>
+              <a:gd name="connsiteY29" fmla="*/ 4214341 h 6858000"/>
+              <a:gd name="connsiteX30" fmla="*/ 491072 w 5962785"/>
+              <a:gd name="connsiteY30" fmla="*/ 4131438 h 6858000"/>
+              <a:gd name="connsiteX31" fmla="*/ 520147 w 5962785"/>
+              <a:gd name="connsiteY31" fmla="*/ 3864706 h 6858000"/>
+              <a:gd name="connsiteX32" fmla="*/ 459090 w 5962785"/>
+              <a:gd name="connsiteY32" fmla="*/ 3572743 h 6858000"/>
+              <a:gd name="connsiteX33" fmla="*/ 290458 w 5962785"/>
+              <a:gd name="connsiteY33" fmla="*/ 3424959 h 6858000"/>
+              <a:gd name="connsiteX34" fmla="*/ 339884 w 5962785"/>
+              <a:gd name="connsiteY34" fmla="*/ 3259153 h 6858000"/>
+              <a:gd name="connsiteX35" fmla="*/ 697501 w 5962785"/>
+              <a:gd name="connsiteY35" fmla="*/ 3360078 h 6858000"/>
+              <a:gd name="connsiteX36" fmla="*/ 165437 w 5962785"/>
+              <a:gd name="connsiteY36" fmla="*/ 2967190 h 6858000"/>
+              <a:gd name="connsiteX37" fmla="*/ 255568 w 5962785"/>
+              <a:gd name="connsiteY37" fmla="*/ 2949167 h 6858000"/>
+              <a:gd name="connsiteX38" fmla="*/ 578296 w 5962785"/>
+              <a:gd name="connsiteY38" fmla="*/ 2725691 h 6858000"/>
+              <a:gd name="connsiteX39" fmla="*/ 595740 w 5962785"/>
+              <a:gd name="connsiteY39" fmla="*/ 2714876 h 6858000"/>
+              <a:gd name="connsiteX40" fmla="*/ 650982 w 5962785"/>
+              <a:gd name="connsiteY40" fmla="*/ 2574301 h 6858000"/>
+              <a:gd name="connsiteX41" fmla="*/ 825429 w 5962785"/>
+              <a:gd name="connsiteY41" fmla="*/ 2552674 h 6858000"/>
+              <a:gd name="connsiteX42" fmla="*/ 970802 w 5962785"/>
+              <a:gd name="connsiteY42" fmla="*/ 2585115 h 6858000"/>
+              <a:gd name="connsiteX43" fmla="*/ 1127805 w 5962785"/>
+              <a:gd name="connsiteY43" fmla="*/ 2545465 h 6858000"/>
+              <a:gd name="connsiteX44" fmla="*/ 1267362 w 5962785"/>
+              <a:gd name="connsiteY44" fmla="*/ 2563488 h 6858000"/>
+              <a:gd name="connsiteX45" fmla="*/ 1386568 w 5962785"/>
+              <a:gd name="connsiteY45" fmla="*/ 2538257 h 6858000"/>
+              <a:gd name="connsiteX46" fmla="*/ 1270270 w 5962785"/>
+              <a:gd name="connsiteY46" fmla="*/ 2419309 h 6858000"/>
+              <a:gd name="connsiteX47" fmla="*/ 1107453 w 5962785"/>
+              <a:gd name="connsiteY47" fmla="*/ 2419309 h 6858000"/>
+              <a:gd name="connsiteX48" fmla="*/ 991154 w 5962785"/>
+              <a:gd name="connsiteY48" fmla="*/ 2343615 h 6858000"/>
+              <a:gd name="connsiteX49" fmla="*/ 880671 w 5962785"/>
+              <a:gd name="connsiteY49" fmla="*/ 2206645 h 6858000"/>
+              <a:gd name="connsiteX50" fmla="*/ 491072 w 5962785"/>
+              <a:gd name="connsiteY50" fmla="*/ 1986771 h 6858000"/>
+              <a:gd name="connsiteX51" fmla="*/ 421293 w 5962785"/>
+              <a:gd name="connsiteY51" fmla="*/ 1903868 h 6858000"/>
+              <a:gd name="connsiteX52" fmla="*/ 1531941 w 5962785"/>
+              <a:gd name="connsiteY52" fmla="*/ 2224667 h 6858000"/>
+              <a:gd name="connsiteX53" fmla="*/ 1188861 w 5962785"/>
+              <a:gd name="connsiteY53" fmla="*/ 2091301 h 6858000"/>
+              <a:gd name="connsiteX54" fmla="*/ 1421458 w 5962785"/>
+              <a:gd name="connsiteY54" fmla="*/ 2116532 h 6858000"/>
+              <a:gd name="connsiteX55" fmla="*/ 1549386 w 5962785"/>
+              <a:gd name="connsiteY55" fmla="*/ 2026420 h 6858000"/>
+              <a:gd name="connsiteX56" fmla="*/ 1549386 w 5962785"/>
+              <a:gd name="connsiteY56" fmla="*/ 1997584 h 6858000"/>
+              <a:gd name="connsiteX57" fmla="*/ 1453440 w 5962785"/>
+              <a:gd name="connsiteY57" fmla="*/ 1914682 h 6858000"/>
+              <a:gd name="connsiteX58" fmla="*/ 1398198 w 5962785"/>
+              <a:gd name="connsiteY58" fmla="*/ 1860614 h 6858000"/>
+              <a:gd name="connsiteX59" fmla="*/ 1247011 w 5962785"/>
+              <a:gd name="connsiteY59" fmla="*/ 1665972 h 6858000"/>
+              <a:gd name="connsiteX60" fmla="*/ 1354586 w 5962785"/>
+              <a:gd name="connsiteY60" fmla="*/ 1644345 h 6858000"/>
+              <a:gd name="connsiteX61" fmla="*/ 1395290 w 5962785"/>
+              <a:gd name="connsiteY61" fmla="*/ 1604696 h 6858000"/>
+              <a:gd name="connsiteX62" fmla="*/ 1366216 w 5962785"/>
+              <a:gd name="connsiteY62" fmla="*/ 1547025 h 6858000"/>
+              <a:gd name="connsiteX63" fmla="*/ 1031858 w 5962785"/>
+              <a:gd name="connsiteY63" fmla="*/ 1370405 h 6858000"/>
+              <a:gd name="connsiteX64" fmla="*/ 1005692 w 5962785"/>
+              <a:gd name="connsiteY64" fmla="*/ 1233435 h 6858000"/>
+              <a:gd name="connsiteX65" fmla="*/ 1069655 w 5962785"/>
+              <a:gd name="connsiteY65" fmla="*/ 1211808 h 6858000"/>
+              <a:gd name="connsiteX66" fmla="*/ 1142342 w 5962785"/>
+              <a:gd name="connsiteY66" fmla="*/ 1222621 h 6858000"/>
+              <a:gd name="connsiteX67" fmla="*/ 1084193 w 5962785"/>
+              <a:gd name="connsiteY67" fmla="*/ 1114487 h 6858000"/>
+              <a:gd name="connsiteX68" fmla="*/ 848689 w 5962785"/>
+              <a:gd name="connsiteY68" fmla="*/ 1006353 h 6858000"/>
+              <a:gd name="connsiteX69" fmla="*/ 805077 w 5962785"/>
+              <a:gd name="connsiteY69" fmla="*/ 948681 h 6858000"/>
+              <a:gd name="connsiteX70" fmla="*/ 863226 w 5962785"/>
+              <a:gd name="connsiteY70" fmla="*/ 919844 h 6858000"/>
+              <a:gd name="connsiteX71" fmla="*/ 906838 w 5962785"/>
+              <a:gd name="connsiteY71" fmla="*/ 909031 h 6858000"/>
+              <a:gd name="connsiteX72" fmla="*/ 5527 w 5962785"/>
+              <a:gd name="connsiteY72" fmla="*/ 458471 h 6858000"/>
+              <a:gd name="connsiteX73" fmla="*/ 209049 w 5962785"/>
+              <a:gd name="connsiteY73" fmla="*/ 454867 h 6858000"/>
+              <a:gd name="connsiteX74" fmla="*/ 409664 w 5962785"/>
+              <a:gd name="connsiteY74" fmla="*/ 526956 h 6858000"/>
+              <a:gd name="connsiteX75" fmla="*/ 621908 w 5962785"/>
+              <a:gd name="connsiteY75" fmla="*/ 516143 h 6858000"/>
+              <a:gd name="connsiteX76" fmla="*/ 822522 w 5962785"/>
+              <a:gd name="connsiteY76" fmla="*/ 552188 h 6858000"/>
+              <a:gd name="connsiteX77" fmla="*/ 996969 w 5962785"/>
+              <a:gd name="connsiteY77" fmla="*/ 552188 h 6858000"/>
+              <a:gd name="connsiteX78" fmla="*/ 834151 w 5962785"/>
+              <a:gd name="connsiteY78" fmla="*/ 498120 h 6858000"/>
+              <a:gd name="connsiteX79" fmla="*/ 773095 w 5962785"/>
+              <a:gd name="connsiteY79" fmla="*/ 408008 h 6858000"/>
+              <a:gd name="connsiteX80" fmla="*/ 793447 w 5962785"/>
+              <a:gd name="connsiteY80" fmla="*/ 325106 h 6858000"/>
+              <a:gd name="connsiteX81" fmla="*/ 860319 w 5962785"/>
+              <a:gd name="connsiteY81" fmla="*/ 350336 h 6858000"/>
+              <a:gd name="connsiteX82" fmla="*/ 938820 w 5962785"/>
+              <a:gd name="connsiteY82" fmla="*/ 444054 h 6858000"/>
+              <a:gd name="connsiteX83" fmla="*/ 956265 w 5962785"/>
+              <a:gd name="connsiteY83" fmla="*/ 386381 h 6858000"/>
+              <a:gd name="connsiteX84" fmla="*/ 1002784 w 5962785"/>
+              <a:gd name="connsiteY84" fmla="*/ 343127 h 6858000"/>
+              <a:gd name="connsiteX85" fmla="*/ 1270270 w 5962785"/>
+              <a:gd name="connsiteY85" fmla="*/ 364755 h 6858000"/>
+              <a:gd name="connsiteX86" fmla="*/ 1092915 w 5962785"/>
+              <a:gd name="connsiteY86" fmla="*/ 180926 h 6858000"/>
+              <a:gd name="connsiteX87" fmla="*/ 979525 w 5962785"/>
+              <a:gd name="connsiteY87" fmla="*/ 152090 h 6858000"/>
+              <a:gd name="connsiteX88" fmla="*/ 953358 w 5962785"/>
+              <a:gd name="connsiteY88" fmla="*/ 76396 h 6858000"/>
+              <a:gd name="connsiteX89" fmla="*/ 1005692 w 5962785"/>
+              <a:gd name="connsiteY89" fmla="*/ 58373 h 6858000"/>
+              <a:gd name="connsiteX90" fmla="*/ 1267362 w 5962785"/>
+              <a:gd name="connsiteY90" fmla="*/ 123254 h 6858000"/>
+              <a:gd name="connsiteX91" fmla="*/ 1310975 w 5962785"/>
+              <a:gd name="connsiteY91" fmla="*/ 98023 h 6858000"/>
+              <a:gd name="connsiteX92" fmla="*/ 1159787 w 5962785"/>
+              <a:gd name="connsiteY92" fmla="*/ 43505 h 6858000"/>
+            </a:gdLst>
+            <a:ahLst/>
+            <a:cxnLst>
+              <a:cxn ang="0">
+                <a:pos x="connsiteX0" y="connsiteY0"/>
+              </a:cxn>
+              <a:cxn ang="0">
+                <a:pos x="connsiteX1" y="connsiteY1"/>
+              </a:cxn>
+              <a:cxn ang="0">
+                <a:pos x="connsiteX2" y="connsiteY2"/>
+              </a:cxn>
+              <a:cxn ang="0">
+                <a:pos x="connsiteX3" y="connsiteY3"/>
+              </a:cxn>
+              <a:cxn ang="0">
+                <a:pos x="connsiteX4" y="connsiteY4"/>
+              </a:cxn>
+              <a:cxn ang="0">
+                <a:pos x="connsiteX5" y="connsiteY5"/>
+              </a:cxn>
+              <a:cxn ang="0">
+                <a:pos x="connsiteX6" y="connsiteY6"/>
+              </a:cxn>
+              <a:cxn ang="0">
+                <a:pos x="connsiteX7" y="connsiteY7"/>
+              </a:cxn>
+              <a:cxn ang="0">
+                <a:pos x="connsiteX8" y="connsiteY8"/>
+              </a:cxn>
+              <a:cxn ang="0">
+                <a:pos x="connsiteX9" y="connsiteY9"/>
+              </a:cxn>
+              <a:cxn ang="0">
+                <a:pos x="connsiteX10" y="connsiteY10"/>
+              </a:cxn>
+              <a:cxn ang="0">
+                <a:pos x="connsiteX11" y="connsiteY11"/>
+              </a:cxn>
+              <a:cxn ang="0">
+                <a:pos x="connsiteX12" y="connsiteY12"/>
+              </a:cxn>
+              <a:cxn ang="0">
+                <a:pos x="connsiteX13" y="connsiteY13"/>
+              </a:cxn>
+              <a:cxn ang="0">
+                <a:pos x="connsiteX14" y="connsiteY14"/>
+              </a:cxn>
+              <a:cxn ang="0">
+                <a:pos x="connsiteX15" y="connsiteY15"/>
+              </a:cxn>
+              <a:cxn ang="0">
+                <a:pos x="connsiteX16" y="connsiteY16"/>
+              </a:cxn>
+              <a:cxn ang="0">
+                <a:pos x="connsiteX17" y="connsiteY17"/>
+              </a:cxn>
+              <a:cxn ang="0">
+                <a:pos x="connsiteX18" y="connsiteY18"/>
+              </a:cxn>
+              <a:cxn ang="0">
+                <a:pos x="connsiteX19" y="connsiteY19"/>
+              </a:cxn>
+              <a:cxn ang="0">
+                <a:pos x="connsiteX20" y="connsiteY20"/>
+              </a:cxn>
+              <a:cxn ang="0">
+                <a:pos x="connsiteX21" y="connsiteY21"/>
+              </a:cxn>
+              <a:cxn ang="0">
+                <a:pos x="connsiteX22" y="connsiteY22"/>
+              </a:cxn>
+              <a:cxn ang="0">
+                <a:pos x="connsiteX23" y="connsiteY23"/>
+              </a:cxn>
+              <a:cxn ang="0">
+                <a:pos x="connsiteX24" y="connsiteY24"/>
+              </a:cxn>
+              <a:cxn ang="0">
+                <a:pos x="connsiteX25" y="connsiteY25"/>
+              </a:cxn>
+              <a:cxn ang="0">
+                <a:pos x="connsiteX26" y="connsiteY26"/>
+              </a:cxn>
+              <a:cxn ang="0">
+                <a:pos x="connsiteX27" y="connsiteY27"/>
+              </a:cxn>
+              <a:cxn ang="0">
+                <a:pos x="connsiteX28" y="connsiteY28"/>
+              </a:cxn>
+              <a:cxn ang="0">
+                <a:pos x="connsiteX29" y="connsiteY29"/>
+              </a:cxn>
+              <a:cxn ang="0">
+                <a:pos x="connsiteX30" y="connsiteY30"/>
+              </a:cxn>
+              <a:cxn ang="0">
+                <a:pos x="connsiteX31" y="connsiteY31"/>
+              </a:cxn>
+              <a:cxn ang="0">
+                <a:pos x="connsiteX32" y="connsiteY32"/>
+              </a:cxn>
+              <a:cxn ang="0">
+                <a:pos x="connsiteX33" y="connsiteY33"/>
+              </a:cxn>
+              <a:cxn ang="0">
+                <a:pos x="connsiteX34" y="connsiteY34"/>
+              </a:cxn>
+              <a:cxn ang="0">
+                <a:pos x="connsiteX35" y="connsiteY35"/>
+              </a:cxn>
+              <a:cxn ang="0">
+                <a:pos x="connsiteX36" y="connsiteY36"/>
+              </a:cxn>
+              <a:cxn ang="0">
+                <a:pos x="connsiteX37" y="connsiteY37"/>
+              </a:cxn>
+              <a:cxn ang="0">
+                <a:pos x="connsiteX38" y="connsiteY38"/>
+              </a:cxn>
+              <a:cxn ang="0">
+                <a:pos x="connsiteX39" y="connsiteY39"/>
+              </a:cxn>
+              <a:cxn ang="0">
+                <a:pos x="connsiteX40" y="connsiteY40"/>
+              </a:cxn>
+              <a:cxn ang="0">
+                <a:pos x="connsiteX41" y="connsiteY41"/>
+              </a:cxn>
+              <a:cxn ang="0">
+                <a:pos x="connsiteX42" y="connsiteY42"/>
+              </a:cxn>
+              <a:cxn ang="0">
+                <a:pos x="connsiteX43" y="connsiteY43"/>
+              </a:cxn>
+              <a:cxn ang="0">
+                <a:pos x="connsiteX44" y="connsiteY44"/>
+              </a:cxn>
+              <a:cxn ang="0">
+                <a:pos x="connsiteX45" y="connsiteY45"/>
+              </a:cxn>
+              <a:cxn ang="0">
+                <a:pos x="connsiteX46" y="connsiteY46"/>
+              </a:cxn>
+              <a:cxn ang="0">
+                <a:pos x="connsiteX47" y="connsiteY47"/>
+              </a:cxn>
+              <a:cxn ang="0">
+                <a:pos x="connsiteX48" y="connsiteY48"/>
+              </a:cxn>
+              <a:cxn ang="0">
+                <a:pos x="connsiteX49" y="connsiteY49"/>
+              </a:cxn>
+              <a:cxn ang="0">
+                <a:pos x="connsiteX50" y="connsiteY50"/>
+              </a:cxn>
+              <a:cxn ang="0">
+                <a:pos x="connsiteX51" y="connsiteY51"/>
+              </a:cxn>
+              <a:cxn ang="0">
+                <a:pos x="connsiteX52" y="connsiteY52"/>
+              </a:cxn>
+              <a:cxn ang="0">
+                <a:pos x="connsiteX53" y="connsiteY53"/>
+              </a:cxn>
+              <a:cxn ang="0">
+                <a:pos x="connsiteX54" y="connsiteY54"/>
+              </a:cxn>
+              <a:cxn ang="0">
+                <a:pos x="connsiteX55" y="connsiteY55"/>
+              </a:cxn>
+              <a:cxn ang="0">
+                <a:pos x="connsiteX56" y="connsiteY56"/>
+              </a:cxn>
+              <a:cxn ang="0">
+                <a:pos x="connsiteX57" y="connsiteY57"/>
+              </a:cxn>
+              <a:cxn ang="0">
+                <a:pos x="connsiteX58" y="connsiteY58"/>
+              </a:cxn>
+              <a:cxn ang="0">
+                <a:pos x="connsiteX59" y="connsiteY59"/>
+              </a:cxn>
+              <a:cxn ang="0">
+                <a:pos x="connsiteX60" y="connsiteY60"/>
+              </a:cxn>
+              <a:cxn ang="0">
+                <a:pos x="connsiteX61" y="connsiteY61"/>
+              </a:cxn>
+              <a:cxn ang="0">
+                <a:pos x="connsiteX62" y="connsiteY62"/>
+              </a:cxn>
+              <a:cxn ang="0">
+                <a:pos x="connsiteX63" y="connsiteY63"/>
+              </a:cxn>
+              <a:cxn ang="0">
+                <a:pos x="connsiteX64" y="connsiteY64"/>
+              </a:cxn>
+              <a:cxn ang="0">
+                <a:pos x="connsiteX65" y="connsiteY65"/>
+              </a:cxn>
+              <a:cxn ang="0">
+                <a:pos x="connsiteX66" y="connsiteY66"/>
+              </a:cxn>
+              <a:cxn ang="0">
+                <a:pos x="connsiteX67" y="connsiteY67"/>
+              </a:cxn>
+              <a:cxn ang="0">
+                <a:pos x="connsiteX68" y="connsiteY68"/>
+              </a:cxn>
+              <a:cxn ang="0">
+                <a:pos x="connsiteX69" y="connsiteY69"/>
+              </a:cxn>
+              <a:cxn ang="0">
+                <a:pos x="connsiteX70" y="connsiteY70"/>
+              </a:cxn>
+              <a:cxn ang="0">
+                <a:pos x="connsiteX71" y="connsiteY71"/>
+              </a:cxn>
+              <a:cxn ang="0">
+                <a:pos x="connsiteX72" y="connsiteY72"/>
+              </a:cxn>
+              <a:cxn ang="0">
+                <a:pos x="connsiteX73" y="connsiteY73"/>
+              </a:cxn>
+              <a:cxn ang="0">
+                <a:pos x="connsiteX74" y="connsiteY74"/>
+              </a:cxn>
+              <a:cxn ang="0">
+                <a:pos x="connsiteX75" y="connsiteY75"/>
+              </a:cxn>
+              <a:cxn ang="0">
+                <a:pos x="connsiteX76" y="connsiteY76"/>
+              </a:cxn>
+              <a:cxn ang="0">
+                <a:pos x="connsiteX77" y="connsiteY77"/>
+              </a:cxn>
+              <a:cxn ang="0">
+                <a:pos x="connsiteX78" y="connsiteY78"/>
+              </a:cxn>
+              <a:cxn ang="0">
+                <a:pos x="connsiteX79" y="connsiteY79"/>
+              </a:cxn>
+              <a:cxn ang="0">
+                <a:pos x="connsiteX80" y="connsiteY80"/>
+              </a:cxn>
+              <a:cxn ang="0">
+                <a:pos x="connsiteX81" y="connsiteY81"/>
+              </a:cxn>
+              <a:cxn ang="0">
+                <a:pos x="connsiteX82" y="connsiteY82"/>
+              </a:cxn>
+              <a:cxn ang="0">
+                <a:pos x="connsiteX83" y="connsiteY83"/>
+              </a:cxn>
+              <a:cxn ang="0">
+                <a:pos x="connsiteX84" y="connsiteY84"/>
+              </a:cxn>
+              <a:cxn ang="0">
+                <a:pos x="connsiteX85" y="connsiteY85"/>
+              </a:cxn>
+              <a:cxn ang="0">
+                <a:pos x="connsiteX86" y="connsiteY86"/>
+              </a:cxn>
+              <a:cxn ang="0">
+                <a:pos x="connsiteX87" y="connsiteY87"/>
+              </a:cxn>
+              <a:cxn ang="0">
+                <a:pos x="connsiteX88" y="connsiteY88"/>
+              </a:cxn>
+              <a:cxn ang="0">
+                <a:pos x="connsiteX89" y="connsiteY89"/>
+              </a:cxn>
+              <a:cxn ang="0">
+                <a:pos x="connsiteX90" y="connsiteY90"/>
+              </a:cxn>
+              <a:cxn ang="0">
+                <a:pos x="connsiteX91" y="connsiteY91"/>
+              </a:cxn>
+              <a:cxn ang="0">
+                <a:pos x="connsiteX92" y="connsiteY92"/>
+              </a:cxn>
+            </a:cxnLst>
+            <a:rect l="l" t="t" r="r" b="b"/>
+            <a:pathLst>
+              <a:path w="5962785" h="6858000">
+                <a:moveTo>
+                  <a:pt x="1044839" y="0"/>
+                </a:moveTo>
+                <a:lnTo>
+                  <a:pt x="5962785" y="0"/>
+                </a:lnTo>
+                <a:lnTo>
+                  <a:pt x="5962785" y="6858000"/>
+                </a:lnTo>
+                <a:lnTo>
+                  <a:pt x="1469886" y="6858000"/>
+                </a:lnTo>
+                <a:lnTo>
+                  <a:pt x="1416006" y="6823984"/>
+                </a:lnTo>
+                <a:cubicBezTo>
+                  <a:pt x="1356767" y="6787940"/>
+                  <a:pt x="1296437" y="6755500"/>
+                  <a:pt x="1232473" y="6733873"/>
+                </a:cubicBezTo>
+                <a:cubicBezTo>
+                  <a:pt x="1145250" y="6705037"/>
+                  <a:pt x="1060933" y="6654575"/>
+                  <a:pt x="1075471" y="6503186"/>
+                </a:cubicBezTo>
+                <a:cubicBezTo>
+                  <a:pt x="1078378" y="6459932"/>
+                  <a:pt x="1055118" y="6427493"/>
+                  <a:pt x="1020229" y="6438306"/>
+                </a:cubicBezTo>
+                <a:cubicBezTo>
+                  <a:pt x="953358" y="6459932"/>
+                  <a:pt x="921375" y="6398656"/>
+                  <a:pt x="883579" y="6351798"/>
+                </a:cubicBezTo>
+                <a:cubicBezTo>
+                  <a:pt x="816707" y="6268895"/>
+                  <a:pt x="752743" y="6182387"/>
+                  <a:pt x="645167" y="6167969"/>
+                </a:cubicBezTo>
+                <a:cubicBezTo>
+                  <a:pt x="665519" y="6103088"/>
+                  <a:pt x="700408" y="6110298"/>
+                  <a:pt x="732391" y="6124716"/>
+                </a:cubicBezTo>
+                <a:cubicBezTo>
+                  <a:pt x="816707" y="6160761"/>
+                  <a:pt x="901023" y="6200410"/>
+                  <a:pt x="985339" y="6236455"/>
+                </a:cubicBezTo>
+                <a:cubicBezTo>
+                  <a:pt x="1040581" y="6258081"/>
+                  <a:pt x="1095822" y="6290522"/>
+                  <a:pt x="1168509" y="6265291"/>
+                </a:cubicBezTo>
+                <a:cubicBezTo>
+                  <a:pt x="1104545" y="6135530"/>
+                  <a:pt x="996969" y="6110298"/>
+                  <a:pt x="909746" y="6070649"/>
+                </a:cubicBezTo>
+                <a:cubicBezTo>
+                  <a:pt x="802169" y="6020185"/>
+                  <a:pt x="738206" y="5926470"/>
+                  <a:pt x="659704" y="5818335"/>
+                </a:cubicBezTo>
+                <a:cubicBezTo>
+                  <a:pt x="738206" y="5789500"/>
+                  <a:pt x="787632" y="5868798"/>
+                  <a:pt x="851597" y="5865193"/>
+                </a:cubicBezTo>
+                <a:cubicBezTo>
+                  <a:pt x="854504" y="5854380"/>
+                  <a:pt x="860319" y="5832753"/>
+                  <a:pt x="860319" y="5832753"/>
+                </a:cubicBezTo>
+                <a:cubicBezTo>
+                  <a:pt x="755650" y="5775081"/>
+                  <a:pt x="709132" y="5666947"/>
+                  <a:pt x="691686" y="5533581"/>
+                </a:cubicBezTo>
+                <a:cubicBezTo>
+                  <a:pt x="685872" y="5465095"/>
+                  <a:pt x="648075" y="5443468"/>
+                  <a:pt x="610278" y="5411029"/>
+                </a:cubicBezTo>
+                <a:cubicBezTo>
+                  <a:pt x="482350" y="5299289"/>
+                  <a:pt x="345700" y="5198364"/>
+                  <a:pt x="238123" y="5046976"/>
+                </a:cubicBezTo>
+                <a:cubicBezTo>
+                  <a:pt x="363144" y="5064998"/>
+                  <a:pt x="461997" y="5165924"/>
+                  <a:pt x="592833" y="5209177"/>
+                </a:cubicBezTo>
+                <a:cubicBezTo>
+                  <a:pt x="488165" y="5043371"/>
+                  <a:pt x="351514" y="4956864"/>
+                  <a:pt x="226494" y="4855939"/>
+                </a:cubicBezTo>
+                <a:cubicBezTo>
+                  <a:pt x="168344" y="4809081"/>
+                  <a:pt x="116011" y="4751408"/>
+                  <a:pt x="49139" y="4726177"/>
+                </a:cubicBezTo>
+                <a:cubicBezTo>
+                  <a:pt x="25879" y="4718968"/>
+                  <a:pt x="-14825" y="4700947"/>
+                  <a:pt x="5527" y="4650483"/>
+                </a:cubicBezTo>
+                <a:cubicBezTo>
+                  <a:pt x="22972" y="4607230"/>
+                  <a:pt x="54954" y="4621648"/>
+                  <a:pt x="84029" y="4632460"/>
+                </a:cubicBezTo>
+                <a:cubicBezTo>
+                  <a:pt x="153807" y="4661296"/>
+                  <a:pt x="229401" y="4661296"/>
+                  <a:pt x="325347" y="4661296"/>
+                </a:cubicBezTo>
+                <a:cubicBezTo>
+                  <a:pt x="243939" y="4524326"/>
+                  <a:pt x="95658" y="4567580"/>
+                  <a:pt x="25879" y="4423401"/>
+                </a:cubicBezTo>
+                <a:cubicBezTo>
+                  <a:pt x="113103" y="4398170"/>
+                  <a:pt x="179975" y="4448632"/>
+                  <a:pt x="249753" y="4459446"/>
+                </a:cubicBezTo>
+                <a:cubicBezTo>
+                  <a:pt x="313718" y="4470259"/>
+                  <a:pt x="328254" y="4445028"/>
+                  <a:pt x="313718" y="4365729"/>
+                </a:cubicBezTo>
+                <a:cubicBezTo>
+                  <a:pt x="290458" y="4243177"/>
+                  <a:pt x="325347" y="4181900"/>
+                  <a:pt x="418386" y="4214341"/>
+                </a:cubicBezTo>
+                <a:cubicBezTo>
+                  <a:pt x="505609" y="4246781"/>
+                  <a:pt x="514332" y="4199922"/>
+                  <a:pt x="491072" y="4131438"/>
+                </a:cubicBezTo>
+                <a:cubicBezTo>
+                  <a:pt x="456183" y="4030512"/>
+                  <a:pt x="493979" y="3951214"/>
+                  <a:pt x="520147" y="3864706"/>
+                </a:cubicBezTo>
+                <a:cubicBezTo>
+                  <a:pt x="560851" y="3734945"/>
+                  <a:pt x="543407" y="3670064"/>
+                  <a:pt x="459090" y="3572743"/>
+                </a:cubicBezTo>
+                <a:cubicBezTo>
+                  <a:pt x="409664" y="3518676"/>
+                  <a:pt x="360236" y="3471818"/>
+                  <a:pt x="290458" y="3424959"/>
+                </a:cubicBezTo>
+                <a:cubicBezTo>
+                  <a:pt x="450368" y="3399728"/>
+                  <a:pt x="284643" y="3313221"/>
+                  <a:pt x="339884" y="3259153"/>
+                </a:cubicBezTo>
+                <a:cubicBezTo>
+                  <a:pt x="453275" y="3237527"/>
+                  <a:pt x="543407" y="3410542"/>
+                  <a:pt x="697501" y="3360078"/>
+                </a:cubicBezTo>
+                <a:cubicBezTo>
+                  <a:pt x="511425" y="3212294"/>
+                  <a:pt x="302087" y="3165436"/>
+                  <a:pt x="165437" y="2967190"/>
+                </a:cubicBezTo>
+                <a:cubicBezTo>
+                  <a:pt x="197419" y="2923937"/>
+                  <a:pt x="229401" y="2967190"/>
+                  <a:pt x="255568" y="2949167"/>
+                </a:cubicBezTo>
+                <a:cubicBezTo>
+                  <a:pt x="255568" y="2938354"/>
+                  <a:pt x="560851" y="3006840"/>
+                  <a:pt x="578296" y="2725691"/>
+                </a:cubicBezTo>
+                <a:cubicBezTo>
+                  <a:pt x="584111" y="2725691"/>
+                  <a:pt x="589926" y="2725691"/>
+                  <a:pt x="595740" y="2714876"/>
+                </a:cubicBezTo>
+                <a:cubicBezTo>
+                  <a:pt x="627722" y="2675228"/>
+                  <a:pt x="598648" y="2581510"/>
+                  <a:pt x="650982" y="2574301"/>
+                </a:cubicBezTo>
+                <a:cubicBezTo>
+                  <a:pt x="709132" y="2567092"/>
+                  <a:pt x="764373" y="2534653"/>
+                  <a:pt x="825429" y="2552674"/>
+                </a:cubicBezTo>
+                <a:cubicBezTo>
+                  <a:pt x="871949" y="2567092"/>
+                  <a:pt x="921375" y="2585115"/>
+                  <a:pt x="970802" y="2585115"/>
+                </a:cubicBezTo>
+                <a:cubicBezTo>
+                  <a:pt x="1023136" y="2585115"/>
+                  <a:pt x="1095822" y="2707668"/>
+                  <a:pt x="1127805" y="2545465"/>
+                </a:cubicBezTo>
+                <a:cubicBezTo>
+                  <a:pt x="1127805" y="2538257"/>
+                  <a:pt x="1217936" y="2556280"/>
+                  <a:pt x="1267362" y="2563488"/>
+                </a:cubicBezTo>
+                <a:cubicBezTo>
+                  <a:pt x="1308067" y="2570698"/>
+                  <a:pt x="1357494" y="2603137"/>
+                  <a:pt x="1386568" y="2538257"/>
+                </a:cubicBezTo>
+                <a:cubicBezTo>
+                  <a:pt x="1401105" y="2498607"/>
+                  <a:pt x="1331326" y="2426518"/>
+                  <a:pt x="1270270" y="2419309"/>
+                </a:cubicBezTo>
+                <a:cubicBezTo>
+                  <a:pt x="1215029" y="2412101"/>
+                  <a:pt x="1159787" y="2404892"/>
+                  <a:pt x="1107453" y="2419309"/>
+                </a:cubicBezTo>
+                <a:cubicBezTo>
+                  <a:pt x="1043489" y="2437331"/>
+                  <a:pt x="1008599" y="2408495"/>
+                  <a:pt x="991154" y="2343615"/>
+                </a:cubicBezTo>
+                <a:cubicBezTo>
+                  <a:pt x="970802" y="2275131"/>
+                  <a:pt x="933005" y="2239085"/>
+                  <a:pt x="880671" y="2206645"/>
+                </a:cubicBezTo>
+                <a:cubicBezTo>
+                  <a:pt x="752743" y="2127346"/>
+                  <a:pt x="630630" y="2033629"/>
+                  <a:pt x="491072" y="1986771"/>
+                </a:cubicBezTo>
+                <a:cubicBezTo>
+                  <a:pt x="464905" y="1979562"/>
+                  <a:pt x="432923" y="1965145"/>
+                  <a:pt x="421293" y="1903868"/>
+                </a:cubicBezTo>
+                <a:cubicBezTo>
+                  <a:pt x="799262" y="1997584"/>
+                  <a:pt x="1142342" y="2239085"/>
+                  <a:pt x="1531941" y="2224667"/>
+                </a:cubicBezTo>
+                <a:cubicBezTo>
+                  <a:pt x="1427272" y="2148974"/>
+                  <a:pt x="1302252" y="2145369"/>
+                  <a:pt x="1188861" y="2091301"/>
+                </a:cubicBezTo>
+                <a:cubicBezTo>
+                  <a:pt x="1270270" y="2051652"/>
+                  <a:pt x="1345864" y="2094906"/>
+                  <a:pt x="1421458" y="2116532"/>
+                </a:cubicBezTo>
+                <a:cubicBezTo>
+                  <a:pt x="1485422" y="2134554"/>
+                  <a:pt x="1543571" y="2138160"/>
+                  <a:pt x="1549386" y="2026420"/>
+                </a:cubicBezTo>
+                <a:cubicBezTo>
+                  <a:pt x="1549386" y="2015607"/>
+                  <a:pt x="1549386" y="2008398"/>
+                  <a:pt x="1549386" y="1997584"/>
+                </a:cubicBezTo>
+                <a:cubicBezTo>
+                  <a:pt x="1526126" y="1950727"/>
+                  <a:pt x="1494144" y="1929099"/>
+                  <a:pt x="1453440" y="1914682"/>
+                </a:cubicBezTo>
+                <a:cubicBezTo>
+                  <a:pt x="1430180" y="1907473"/>
+                  <a:pt x="1398198" y="1893056"/>
+                  <a:pt x="1398198" y="1860614"/>
+                </a:cubicBezTo>
+                <a:cubicBezTo>
+                  <a:pt x="1401105" y="1738063"/>
+                  <a:pt x="1322604" y="1702018"/>
+                  <a:pt x="1247011" y="1665972"/>
+                </a:cubicBezTo>
+                <a:cubicBezTo>
+                  <a:pt x="1287715" y="1604696"/>
+                  <a:pt x="1322604" y="1647950"/>
+                  <a:pt x="1354586" y="1644345"/>
+                </a:cubicBezTo>
+                <a:cubicBezTo>
+                  <a:pt x="1374939" y="1640741"/>
+                  <a:pt x="1395290" y="1637138"/>
+                  <a:pt x="1395290" y="1604696"/>
+                </a:cubicBezTo>
+                <a:cubicBezTo>
+                  <a:pt x="1395290" y="1579465"/>
+                  <a:pt x="1386568" y="1547025"/>
+                  <a:pt x="1366216" y="1547025"/>
+                </a:cubicBezTo>
+                <a:cubicBezTo>
+                  <a:pt x="1238288" y="1543420"/>
+                  <a:pt x="1165601" y="1370405"/>
+                  <a:pt x="1031858" y="1370405"/>
+                </a:cubicBezTo>
+                <a:cubicBezTo>
+                  <a:pt x="950450" y="1370405"/>
+                  <a:pt x="1072563" y="1273083"/>
+                  <a:pt x="1005692" y="1233435"/>
+                </a:cubicBezTo>
+                <a:cubicBezTo>
+                  <a:pt x="991154" y="1222621"/>
+                  <a:pt x="1046396" y="1208203"/>
+                  <a:pt x="1069655" y="1211808"/>
+                </a:cubicBezTo>
+                <a:cubicBezTo>
+                  <a:pt x="1092915" y="1215412"/>
+                  <a:pt x="1113268" y="1240644"/>
+                  <a:pt x="1142342" y="1222621"/>
+                </a:cubicBezTo>
+                <a:cubicBezTo>
+                  <a:pt x="1156879" y="1157741"/>
+                  <a:pt x="1119082" y="1132510"/>
+                  <a:pt x="1084193" y="1114487"/>
+                </a:cubicBezTo>
+                <a:cubicBezTo>
+                  <a:pt x="1008599" y="1071234"/>
+                  <a:pt x="933005" y="1020771"/>
+                  <a:pt x="848689" y="1006353"/>
+                </a:cubicBezTo>
+                <a:cubicBezTo>
+                  <a:pt x="819615" y="1002748"/>
+                  <a:pt x="802169" y="984726"/>
+                  <a:pt x="805077" y="948681"/>
+                </a:cubicBezTo>
+                <a:cubicBezTo>
+                  <a:pt x="810892" y="901822"/>
+                  <a:pt x="839967" y="916240"/>
+                  <a:pt x="863226" y="919844"/>
+                </a:cubicBezTo>
+                <a:cubicBezTo>
+                  <a:pt x="877764" y="923450"/>
+                  <a:pt x="892301" y="934263"/>
+                  <a:pt x="906838" y="909031"/>
+                </a:cubicBezTo>
+                <a:cubicBezTo>
+                  <a:pt x="566666" y="653113"/>
+                  <a:pt x="386404" y="667532"/>
+                  <a:pt x="5527" y="458471"/>
+                </a:cubicBezTo>
+                <a:cubicBezTo>
+                  <a:pt x="89843" y="418822"/>
+                  <a:pt x="150900" y="447658"/>
+                  <a:pt x="209049" y="454867"/>
+                </a:cubicBezTo>
+                <a:cubicBezTo>
+                  <a:pt x="354422" y="472890"/>
+                  <a:pt x="264290" y="505329"/>
+                  <a:pt x="409664" y="526956"/>
+                </a:cubicBezTo>
+                <a:cubicBezTo>
+                  <a:pt x="479443" y="537770"/>
+                  <a:pt x="543407" y="573815"/>
+                  <a:pt x="621908" y="516143"/>
+                </a:cubicBezTo>
+                <a:cubicBezTo>
+                  <a:pt x="674242" y="476494"/>
+                  <a:pt x="758558" y="519747"/>
+                  <a:pt x="822522" y="552188"/>
+                </a:cubicBezTo>
+                <a:cubicBezTo>
+                  <a:pt x="874856" y="581024"/>
+                  <a:pt x="927190" y="588232"/>
+                  <a:pt x="996969" y="552188"/>
+                </a:cubicBezTo>
+                <a:cubicBezTo>
+                  <a:pt x="933005" y="530562"/>
+                  <a:pt x="883579" y="512539"/>
+                  <a:pt x="834151" y="498120"/>
+                </a:cubicBezTo>
+                <a:cubicBezTo>
+                  <a:pt x="793447" y="487307"/>
+                  <a:pt x="770187" y="462076"/>
+                  <a:pt x="773095" y="408008"/>
+                </a:cubicBezTo>
+                <a:cubicBezTo>
+                  <a:pt x="773095" y="379172"/>
+                  <a:pt x="764373" y="339523"/>
+                  <a:pt x="793447" y="325106"/>
+                </a:cubicBezTo>
+                <a:cubicBezTo>
+                  <a:pt x="816707" y="310688"/>
+                  <a:pt x="848689" y="325106"/>
+                  <a:pt x="860319" y="350336"/>
+                </a:cubicBezTo>
+                <a:cubicBezTo>
+                  <a:pt x="874856" y="397195"/>
+                  <a:pt x="889393" y="440449"/>
+                  <a:pt x="938820" y="444054"/>
+                </a:cubicBezTo>
+                <a:cubicBezTo>
+                  <a:pt x="1005692" y="451262"/>
+                  <a:pt x="967894" y="422426"/>
+                  <a:pt x="956265" y="386381"/>
+                </a:cubicBezTo>
+                <a:cubicBezTo>
+                  <a:pt x="944635" y="346733"/>
+                  <a:pt x="979525" y="335919"/>
+                  <a:pt x="1002784" y="343127"/>
+                </a:cubicBezTo>
+                <a:cubicBezTo>
+                  <a:pt x="1090008" y="375569"/>
+                  <a:pt x="1180139" y="317897"/>
+                  <a:pt x="1270270" y="364755"/>
+                </a:cubicBezTo>
+                <a:cubicBezTo>
+                  <a:pt x="1247011" y="249411"/>
+                  <a:pt x="1197583" y="198949"/>
+                  <a:pt x="1092915" y="180926"/>
+                </a:cubicBezTo>
+                <a:cubicBezTo>
+                  <a:pt x="1055118" y="177322"/>
+                  <a:pt x="1014414" y="184530"/>
+                  <a:pt x="979525" y="152090"/>
+                </a:cubicBezTo>
+                <a:cubicBezTo>
+                  <a:pt x="959172" y="134068"/>
+                  <a:pt x="938820" y="112441"/>
+                  <a:pt x="953358" y="76396"/>
+                </a:cubicBezTo>
+                <a:cubicBezTo>
+                  <a:pt x="962080" y="51165"/>
+                  <a:pt x="985339" y="51165"/>
+                  <a:pt x="1005692" y="58373"/>
+                </a:cubicBezTo>
+                <a:cubicBezTo>
+                  <a:pt x="1090008" y="98023"/>
+                  <a:pt x="1180139" y="108837"/>
+                  <a:pt x="1267362" y="123254"/>
+                </a:cubicBezTo>
+                <a:cubicBezTo>
+                  <a:pt x="1281900" y="126859"/>
+                  <a:pt x="1296437" y="134068"/>
+                  <a:pt x="1310975" y="98023"/>
+                </a:cubicBezTo>
+                <a:cubicBezTo>
+                  <a:pt x="1260095" y="81803"/>
+                  <a:pt x="1209941" y="62879"/>
+                  <a:pt x="1159787" y="43505"/>
+                </a:cubicBezTo>
+                <a:close/>
+              </a:path>
+            </a:pathLst>
+          </a:custGeom>
+          <a:solidFill>
+            <a:schemeClr val="bg2">
+              <a:alpha val="50000"/>
+            </a:schemeClr>
+          </a:solidFill>
+          <a:ln w="32707" cap="flat">
+            <a:noFill/>
+            <a:prstDash val="solid"/>
+            <a:miter/>
+          </a:ln>
+        </p:spPr>
+        <p:txBody>
+          <a:bodyPr wrap="square" rtlCol="0" anchor="ctr">
+            <a:noAutofit/>
+          </a:bodyPr>
+          <a:lstStyle/>
+          <a:p>
+            <a:pPr algn="ctr"/>
+            <a:endParaRPr lang="en-US"/>
+          </a:p>
+        </p:txBody>
+      </p:sp>
+      <p:sp>
+        <p:nvSpPr>
+          <p:cNvPr id="2" name="Titel 1">
+            <a:extLst>
+              <a:ext uri="{FF2B5EF4-FFF2-40B4-BE49-F238E27FC236}">
+                <a16:creationId xmlns:a16="http://schemas.microsoft.com/office/drawing/2014/main" id="{69395A81-2E34-781E-5448-2552C031DBA9}"/>
+              </a:ext>
+            </a:extLst>
+          </p:cNvPr>
+          <p:cNvSpPr>
+            <a:spLocks noGrp="1"/>
+          </p:cNvSpPr>
+          <p:nvPr>
+            <p:ph type="title"/>
+          </p:nvPr>
+        </p:nvSpPr>
+        <p:spPr>
+          <a:xfrm>
+            <a:off x="838201" y="643467"/>
+            <a:ext cx="3888526" cy="1800526"/>
+          </a:xfrm>
+        </p:spPr>
+        <p:txBody>
+          <a:bodyPr>
+            <a:normAutofit/>
+          </a:bodyPr>
+          <a:lstStyle/>
+          <a:p>
+            <a:r>
+              <a:rPr lang="de-DE" sz="3700" b="1"/>
+              <a:t>Herausforderungen</a:t>
+            </a:r>
+          </a:p>
+        </p:txBody>
+      </p:sp>
+      <p:sp>
+        <p:nvSpPr>
+          <p:cNvPr id="3" name="Inhaltsplatzhalter 2">
+            <a:extLst>
+              <a:ext uri="{FF2B5EF4-FFF2-40B4-BE49-F238E27FC236}">
+                <a16:creationId xmlns:a16="http://schemas.microsoft.com/office/drawing/2014/main" id="{2FDC63ED-AF81-7F82-6BEF-FDDEA3F59F51}"/>
+              </a:ext>
+            </a:extLst>
+          </p:cNvPr>
+          <p:cNvSpPr>
+            <a:spLocks noGrp="1"/>
+          </p:cNvSpPr>
+          <p:nvPr>
+            <p:ph idx="1"/>
+          </p:nvPr>
+        </p:nvSpPr>
+        <p:spPr>
+          <a:xfrm>
+            <a:off x="838201" y="2623381"/>
+            <a:ext cx="3888528" cy="3553581"/>
+          </a:xfrm>
+        </p:spPr>
+        <p:txBody>
+          <a:bodyPr>
+            <a:normAutofit/>
+          </a:bodyPr>
+          <a:lstStyle/>
+          <a:p>
+            <a:r>
+              <a:rPr lang="de-DE" sz="2000"/>
+              <a:t>Richtige Verwendung von Git</a:t>
+            </a:r>
+          </a:p>
+          <a:p>
+            <a:r>
+              <a:rPr lang="de-DE" sz="2000"/>
+              <a:t>Werfen der Darts schwieriger als erwartet</a:t>
+            </a:r>
+          </a:p>
+          <a:p>
+            <a:r>
+              <a:rPr lang="de-DE" sz="2000"/>
+              <a:t>VR-Brille funktioniert nicht</a:t>
+            </a:r>
+          </a:p>
+          <a:p>
+            <a:r>
+              <a:rPr lang="de-DE" sz="2000"/>
+              <a:t>Keine Pfad Plug-in verfügbar</a:t>
+            </a:r>
+          </a:p>
+        </p:txBody>
+      </p:sp>
+      <p:pic>
+        <p:nvPicPr>
+          <p:cNvPr id="2050" name="Picture 2" descr="Figur mit drei Fragezeichen am nachdenken und grübeln Stock Vector | Adobe  Stock">
+            <a:extLst>
+              <a:ext uri="{FF2B5EF4-FFF2-40B4-BE49-F238E27FC236}">
+                <a16:creationId xmlns:a16="http://schemas.microsoft.com/office/drawing/2014/main" id="{878DE1F8-6DFE-2D96-2B78-3ED43DB756A1}"/>
+              </a:ext>
+            </a:extLst>
+          </p:cNvPr>
+          <p:cNvPicPr>
+            <a:picLocks noChangeAspect="1" noChangeArrowheads="1"/>
+          </p:cNvPicPr>
+          <p:nvPr/>
+        </p:nvPicPr>
+        <p:blipFill>
+          <a:blip r:embed="rId2">
+            <a:extLst>
+              <a:ext uri="{28A0092B-C50C-407E-A947-70E740481C1C}">
+                <a14:useLocalDpi xmlns:a14="http://schemas.microsoft.com/office/drawing/2010/main" val="0"/>
+              </a:ext>
+            </a:extLst>
+          </a:blip>
+          <a:stretch>
+            <a:fillRect/>
+          </a:stretch>
+        </p:blipFill>
+        <p:spPr bwMode="auto">
+          <a:xfrm>
+            <a:off x="7809790" y="643234"/>
+            <a:ext cx="2729939" cy="5599876"/>
+          </a:xfrm>
+          <a:prstGeom prst="rect">
+            <a:avLst/>
+          </a:prstGeom>
+          <a:noFill/>
+          <a:extLst>
+            <a:ext uri="{909E8E84-426E-40DD-AFC4-6F175D3DCCD1}">
+              <a14:hiddenFill xmlns:a14="http://schemas.microsoft.com/office/drawing/2010/main">
+                <a:solidFill>
+                  <a:srgbClr val="FFFFFF"/>
+                </a:solidFill>
+              </a14:hiddenFill>
+            </a:ext>
+          </a:extLst>
+        </p:spPr>
+      </p:pic>
+    </p:spTree>
+    <p:extLst>
+      <p:ext uri="{BB962C8B-B14F-4D97-AF65-F5344CB8AC3E}">
+        <p14:creationId xmlns:p14="http://schemas.microsoft.com/office/powerpoint/2010/main" val="3407297634"/>
+      </p:ext>
+    </p:extLst>
+  </p:cSld>
+  <p:clrMapOvr>
+    <a:masterClrMapping/>
+  </p:clrMapOvr>
+</p:sld>
+</file>
+
+<file path=ppt/slides/slide13.xml><?xml version="1.0" encoding="utf-8"?>
+<p:sld xmlns:a="http://schemas.openxmlformats.org/drawingml/2006/main" xmlns:r="http://schemas.openxmlformats.org/officeDocument/2006/relationships" xmlns:p="http://schemas.openxmlformats.org/presentationml/2006/main">
+  <p:cSld>
+    <p:bg>
+      <p:bgPr>
+        <a:solidFill>
+          <a:schemeClr val="bg1"/>
+        </a:solidFill>
+        <a:effectLst/>
+      </p:bgPr>
+    </p:bg>
+    <p:spTree>
+      <p:nvGrpSpPr>
+        <p:cNvPr id="1" name=""/>
+        <p:cNvGrpSpPr/>
+        <p:nvPr/>
+      </p:nvGrpSpPr>
+      <p:grpSpPr>
+        <a:xfrm>
+          <a:off x="0" y="0"/>
+          <a:ext cx="0" cy="0"/>
+          <a:chOff x="0" y="0"/>
+          <a:chExt cx="0" cy="0"/>
+        </a:xfrm>
+      </p:grpSpPr>
+      <p:sp useBgFill="1">
+        <p:nvSpPr>
+          <p:cNvPr id="7" name="Rectangle 6">
+            <a:extLst>
+              <a:ext uri="{FF2B5EF4-FFF2-40B4-BE49-F238E27FC236}">
+                <a16:creationId xmlns:a16="http://schemas.microsoft.com/office/drawing/2014/main" id="{FFD48BC7-DC40-47DE-87EE-9F4B6ECB9ABB}"/>
+              </a:ext>
+              <a:ext uri="{C183D7F6-B498-43B3-948B-1728B52AA6E4}">
+                <adec:decorative xmlns:adec="http://schemas.microsoft.com/office/drawing/2017/decorative" val="1"/>
+              </a:ext>
+            </a:extLst>
+          </p:cNvPr>
+          <p:cNvSpPr>
+            <a:spLocks noGrp="1" noRot="1" noChangeAspect="1" noMove="1" noResize="1" noEditPoints="1" noAdjustHandles="1" noChangeArrowheads="1" noChangeShapeType="1" noTextEdit="1"/>
+          </p:cNvSpPr>
+          <p:nvPr>
+            <p:extLst>
+              <p:ext uri="{386F3935-93C4-4BCD-93E2-E3B085C9AB24}">
+                <p16:designElem xmlns:p16="http://schemas.microsoft.com/office/powerpoint/2015/main" val="1"/>
+              </p:ext>
+            </p:extLst>
+          </p:nvPr>
+        </p:nvSpPr>
+        <p:spPr>
+          <a:xfrm>
+            <a:off x="0" y="0"/>
+            <a:ext cx="12192000" cy="6858000"/>
+          </a:xfrm>
+          <a:prstGeom prst="rect">
+            <a:avLst/>
+          </a:prstGeom>
+          <a:ln>
+            <a:noFill/>
+          </a:ln>
+        </p:spPr>
+        <p:style>
+          <a:lnRef idx="2">
+            <a:schemeClr val="accent1">
+              <a:shade val="50000"/>
+            </a:schemeClr>
+          </a:lnRef>
+          <a:fillRef idx="1">
+            <a:schemeClr val="accent1"/>
+          </a:fillRef>
+          <a:effectRef idx="0">
+            <a:schemeClr val="accent1"/>
+          </a:effectRef>
+          <a:fontRef idx="minor">
+            <a:schemeClr val="lt1"/>
+          </a:fontRef>
+        </p:style>
+        <p:txBody>
+          <a:bodyPr rtlCol="0" anchor="ctr"/>
+          <a:lstStyle/>
+          <a:p>
+            <a:pPr algn="ctr"/>
+            <a:endParaRPr lang="en-US"/>
+          </a:p>
+        </p:txBody>
+      </p:sp>
+      <p:sp useBgFill="1">
+        <p:nvSpPr>
+          <p:cNvPr id="9" name="Freeform: Shape 8">
+            <a:extLst>
+              <a:ext uri="{FF2B5EF4-FFF2-40B4-BE49-F238E27FC236}">
+                <a16:creationId xmlns:a16="http://schemas.microsoft.com/office/drawing/2014/main" id="{E502BBC7-2C76-46F3-BC24-5985BC13DB88}"/>
+              </a:ext>
+              <a:ext uri="{C183D7F6-B498-43B3-948B-1728B52AA6E4}">
+                <adec:decorative xmlns:adec="http://schemas.microsoft.com/office/drawing/2017/decorative" val="1"/>
+              </a:ext>
+            </a:extLst>
+          </p:cNvPr>
+          <p:cNvSpPr>
+            <a:spLocks noGrp="1" noRot="1" noChangeAspect="1" noMove="1" noResize="1" noEditPoints="1" noAdjustHandles="1" noChangeArrowheads="1" noChangeShapeType="1" noTextEdit="1"/>
+          </p:cNvSpPr>
+          <p:nvPr>
+            <p:extLst>
+              <p:ext uri="{386F3935-93C4-4BCD-93E2-E3B085C9AB24}">
+                <p16:designElem xmlns:p16="http://schemas.microsoft.com/office/powerpoint/2015/main" val="1"/>
+              </p:ext>
+            </p:extLst>
+          </p:nvPr>
+        </p:nvSpPr>
+        <p:spPr>
+          <a:xfrm>
+            <a:off x="1114425" y="0"/>
+            <a:ext cx="9963150" cy="6858000"/>
+          </a:xfrm>
+          <a:custGeom>
+            <a:avLst/>
+            <a:gdLst>
+              <a:gd name="connsiteX0" fmla="*/ 1595771 w 9963150"/>
+              <a:gd name="connsiteY0" fmla="*/ 0 h 6858000"/>
+              <a:gd name="connsiteX1" fmla="*/ 8367379 w 9963150"/>
+              <a:gd name="connsiteY1" fmla="*/ 0 h 6858000"/>
+              <a:gd name="connsiteX2" fmla="*/ 8504080 w 9963150"/>
+              <a:gd name="connsiteY2" fmla="*/ 130333 h 6858000"/>
+              <a:gd name="connsiteX3" fmla="*/ 9963150 w 9963150"/>
+              <a:gd name="connsiteY3" fmla="*/ 3652838 h 6858000"/>
+              <a:gd name="connsiteX4" fmla="*/ 8825600 w 9963150"/>
+              <a:gd name="connsiteY4" fmla="*/ 6821583 h 6858000"/>
+              <a:gd name="connsiteX5" fmla="*/ 8794055 w 9963150"/>
+              <a:gd name="connsiteY5" fmla="*/ 6858000 h 6858000"/>
+              <a:gd name="connsiteX6" fmla="*/ 1169096 w 9963150"/>
+              <a:gd name="connsiteY6" fmla="*/ 6858000 h 6858000"/>
+              <a:gd name="connsiteX7" fmla="*/ 1137550 w 9963150"/>
+              <a:gd name="connsiteY7" fmla="*/ 6821583 h 6858000"/>
+              <a:gd name="connsiteX8" fmla="*/ 0 w 9963150"/>
+              <a:gd name="connsiteY8" fmla="*/ 3652838 h 6858000"/>
+              <a:gd name="connsiteX9" fmla="*/ 1459070 w 9963150"/>
+              <a:gd name="connsiteY9" fmla="*/ 130333 h 6858000"/>
+            </a:gdLst>
+            <a:ahLst/>
+            <a:cxnLst>
+              <a:cxn ang="0">
+                <a:pos x="connsiteX0" y="connsiteY0"/>
+              </a:cxn>
+              <a:cxn ang="0">
+                <a:pos x="connsiteX1" y="connsiteY1"/>
+              </a:cxn>
+              <a:cxn ang="0">
+                <a:pos x="connsiteX2" y="connsiteY2"/>
+              </a:cxn>
+              <a:cxn ang="0">
+                <a:pos x="connsiteX3" y="connsiteY3"/>
+              </a:cxn>
+              <a:cxn ang="0">
+                <a:pos x="connsiteX4" y="connsiteY4"/>
+              </a:cxn>
+              <a:cxn ang="0">
+                <a:pos x="connsiteX5" y="connsiteY5"/>
+              </a:cxn>
+              <a:cxn ang="0">
+                <a:pos x="connsiteX6" y="connsiteY6"/>
+              </a:cxn>
+              <a:cxn ang="0">
+                <a:pos x="connsiteX7" y="connsiteY7"/>
+              </a:cxn>
+              <a:cxn ang="0">
+                <a:pos x="connsiteX8" y="connsiteY8"/>
+              </a:cxn>
+              <a:cxn ang="0">
+                <a:pos x="connsiteX9" y="connsiteY9"/>
+              </a:cxn>
+            </a:cxnLst>
+            <a:rect l="l" t="t" r="r" b="b"/>
+            <a:pathLst>
+              <a:path w="9963150" h="6858000">
+                <a:moveTo>
+                  <a:pt x="1595771" y="0"/>
+                </a:moveTo>
+                <a:lnTo>
+                  <a:pt x="8367379" y="0"/>
+                </a:lnTo>
+                <a:lnTo>
+                  <a:pt x="8504080" y="130333"/>
+                </a:lnTo>
+                <a:cubicBezTo>
+                  <a:pt x="9405568" y="1031820"/>
+                  <a:pt x="9963150" y="2277214"/>
+                  <a:pt x="9963150" y="3652838"/>
+                </a:cubicBezTo>
+                <a:cubicBezTo>
+                  <a:pt x="9963150" y="4856509"/>
+                  <a:pt x="9536251" y="5960473"/>
+                  <a:pt x="8825600" y="6821583"/>
+                </a:cubicBezTo>
+                <a:lnTo>
+                  <a:pt x="8794055" y="6858000"/>
+                </a:lnTo>
+                <a:lnTo>
+                  <a:pt x="1169096" y="6858000"/>
+                </a:lnTo>
+                <a:lnTo>
+                  <a:pt x="1137550" y="6821583"/>
+                </a:lnTo>
+                <a:cubicBezTo>
+                  <a:pt x="426899" y="5960473"/>
+                  <a:pt x="0" y="4856509"/>
+                  <a:pt x="0" y="3652838"/>
+                </a:cubicBezTo>
+                <a:cubicBezTo>
+                  <a:pt x="0" y="2277214"/>
+                  <a:pt x="557582" y="1031820"/>
+                  <a:pt x="1459070" y="130333"/>
+                </a:cubicBezTo>
+                <a:close/>
+              </a:path>
+            </a:pathLst>
+          </a:custGeom>
+          <a:ln w="9525">
+            <a:solidFill>
+              <a:srgbClr val="EFEFEF"/>
+            </a:solidFill>
+          </a:ln>
+          <a:effectLst>
+            <a:outerShdw blurRad="139700" sx="102000" sy="102000" algn="ctr" rotWithShape="0">
+              <a:schemeClr val="bg1">
+                <a:lumMod val="85000"/>
+                <a:alpha val="38000"/>
+              </a:schemeClr>
+            </a:outerShdw>
+          </a:effectLst>
+        </p:spPr>
+        <p:style>
+          <a:lnRef idx="2">
+            <a:schemeClr val="accent1">
+              <a:shade val="50000"/>
+            </a:schemeClr>
+          </a:lnRef>
+          <a:fillRef idx="1">
+            <a:schemeClr val="accent1"/>
+          </a:fillRef>
+          <a:effectRef idx="0">
+            <a:schemeClr val="accent1"/>
+          </a:effectRef>
+          <a:fontRef idx="minor">
+            <a:schemeClr val="lt1"/>
+          </a:fontRef>
+        </p:style>
+        <p:txBody>
+          <a:bodyPr wrap="square" rtlCol="0" anchor="ctr">
+            <a:noAutofit/>
+          </a:bodyPr>
+          <a:lstStyle/>
+          <a:p>
+            <a:pPr marL="0" marR="0" lvl="0" indent="0" algn="ctr" defTabSz="914400" rtl="0" eaLnBrk="1" fontAlgn="auto" latinLnBrk="0" hangingPunct="1">
+              <a:lnSpc>
+                <a:spcPct val="100000"/>
+              </a:lnSpc>
+              <a:spcBef>
+                <a:spcPts val="0"/>
+              </a:spcBef>
+              <a:spcAft>
+                <a:spcPts val="0"/>
+              </a:spcAft>
+              <a:buClrTx/>
+              <a:buSzTx/>
+              <a:buFontTx/>
+              <a:buNone/>
+              <a:tabLst/>
+              <a:defRPr/>
+            </a:pPr>
+            <a:endParaRPr kumimoji="0" lang="en-US" sz="1800" b="0" i="0" u="none" strike="noStrike" kern="1200" cap="none" spc="0" normalizeH="0" baseline="0" noProof="0">
+              <a:ln>
+                <a:noFill/>
+              </a:ln>
+              <a:solidFill>
+                <a:prstClr val="white"/>
+              </a:solidFill>
+              <a:effectLst/>
+              <a:uLnTx/>
+              <a:uFillTx/>
+              <a:latin typeface="Calibri" panose="020F0502020204030204"/>
+              <a:ea typeface="+mn-ea"/>
+              <a:cs typeface="+mn-cs"/>
+            </a:endParaRPr>
+          </a:p>
+        </p:txBody>
+      </p:sp>
+      <p:sp useBgFill="1">
+        <p:nvSpPr>
+          <p:cNvPr id="18" name="Freeform: Shape 10">
+            <a:extLst>
+              <a:ext uri="{FF2B5EF4-FFF2-40B4-BE49-F238E27FC236}">
+                <a16:creationId xmlns:a16="http://schemas.microsoft.com/office/drawing/2014/main" id="{C7F28D52-2A5F-4D23-81AE-7CB8B591C7AF}"/>
+              </a:ext>
+              <a:ext uri="{C183D7F6-B498-43B3-948B-1728B52AA6E4}">
+                <adec:decorative xmlns:adec="http://schemas.microsoft.com/office/drawing/2017/decorative" val="1"/>
+              </a:ext>
+            </a:extLst>
+          </p:cNvPr>
+          <p:cNvSpPr>
+            <a:spLocks noGrp="1" noRot="1" noChangeAspect="1" noMove="1" noResize="1" noEditPoints="1" noAdjustHandles="1" noChangeArrowheads="1" noChangeShapeType="1" noTextEdit="1"/>
+          </p:cNvSpPr>
+          <p:nvPr>
+            <p:extLst>
+              <p:ext uri="{386F3935-93C4-4BCD-93E2-E3B085C9AB24}">
+                <p16:designElem xmlns:p16="http://schemas.microsoft.com/office/powerpoint/2015/main" val="1"/>
+              </p:ext>
+            </p:extLst>
+          </p:nvPr>
+        </p:nvSpPr>
+        <p:spPr>
+          <a:xfrm>
+            <a:off x="1121664" y="0"/>
+            <a:ext cx="9948672" cy="6858000"/>
+          </a:xfrm>
+          <a:custGeom>
+            <a:avLst/>
+            <a:gdLst>
+              <a:gd name="connsiteX0" fmla="*/ 1595771 w 9963150"/>
+              <a:gd name="connsiteY0" fmla="*/ 0 h 6858000"/>
+              <a:gd name="connsiteX1" fmla="*/ 8367379 w 9963150"/>
+              <a:gd name="connsiteY1" fmla="*/ 0 h 6858000"/>
+              <a:gd name="connsiteX2" fmla="*/ 8504080 w 9963150"/>
+              <a:gd name="connsiteY2" fmla="*/ 130333 h 6858000"/>
+              <a:gd name="connsiteX3" fmla="*/ 9963150 w 9963150"/>
+              <a:gd name="connsiteY3" fmla="*/ 3652838 h 6858000"/>
+              <a:gd name="connsiteX4" fmla="*/ 8825600 w 9963150"/>
+              <a:gd name="connsiteY4" fmla="*/ 6821583 h 6858000"/>
+              <a:gd name="connsiteX5" fmla="*/ 8794055 w 9963150"/>
+              <a:gd name="connsiteY5" fmla="*/ 6858000 h 6858000"/>
+              <a:gd name="connsiteX6" fmla="*/ 1169096 w 9963150"/>
+              <a:gd name="connsiteY6" fmla="*/ 6858000 h 6858000"/>
+              <a:gd name="connsiteX7" fmla="*/ 1137550 w 9963150"/>
+              <a:gd name="connsiteY7" fmla="*/ 6821583 h 6858000"/>
+              <a:gd name="connsiteX8" fmla="*/ 0 w 9963150"/>
+              <a:gd name="connsiteY8" fmla="*/ 3652838 h 6858000"/>
+              <a:gd name="connsiteX9" fmla="*/ 1459070 w 9963150"/>
+              <a:gd name="connsiteY9" fmla="*/ 130333 h 6858000"/>
+            </a:gdLst>
+            <a:ahLst/>
+            <a:cxnLst>
+              <a:cxn ang="0">
+                <a:pos x="connsiteX0" y="connsiteY0"/>
+              </a:cxn>
+              <a:cxn ang="0">
+                <a:pos x="connsiteX1" y="connsiteY1"/>
+              </a:cxn>
+              <a:cxn ang="0">
+                <a:pos x="connsiteX2" y="connsiteY2"/>
+              </a:cxn>
+              <a:cxn ang="0">
+                <a:pos x="connsiteX3" y="connsiteY3"/>
+              </a:cxn>
+              <a:cxn ang="0">
+                <a:pos x="connsiteX4" y="connsiteY4"/>
+              </a:cxn>
+              <a:cxn ang="0">
+                <a:pos x="connsiteX5" y="connsiteY5"/>
+              </a:cxn>
+              <a:cxn ang="0">
+                <a:pos x="connsiteX6" y="connsiteY6"/>
+              </a:cxn>
+              <a:cxn ang="0">
+                <a:pos x="connsiteX7" y="connsiteY7"/>
+              </a:cxn>
+              <a:cxn ang="0">
+                <a:pos x="connsiteX8" y="connsiteY8"/>
+              </a:cxn>
+              <a:cxn ang="0">
+                <a:pos x="connsiteX9" y="connsiteY9"/>
+              </a:cxn>
+            </a:cxnLst>
+            <a:rect l="l" t="t" r="r" b="b"/>
+            <a:pathLst>
+              <a:path w="9963150" h="6858000">
+                <a:moveTo>
+                  <a:pt x="1595771" y="0"/>
+                </a:moveTo>
+                <a:lnTo>
+                  <a:pt x="8367379" y="0"/>
+                </a:lnTo>
+                <a:lnTo>
+                  <a:pt x="8504080" y="130333"/>
+                </a:lnTo>
+                <a:cubicBezTo>
+                  <a:pt x="9405568" y="1031820"/>
+                  <a:pt x="9963150" y="2277214"/>
+                  <a:pt x="9963150" y="3652838"/>
+                </a:cubicBezTo>
+                <a:cubicBezTo>
+                  <a:pt x="9963150" y="4856509"/>
+                  <a:pt x="9536251" y="5960473"/>
+                  <a:pt x="8825600" y="6821583"/>
+                </a:cubicBezTo>
+                <a:lnTo>
+                  <a:pt x="8794055" y="6858000"/>
+                </a:lnTo>
+                <a:lnTo>
+                  <a:pt x="1169096" y="6858000"/>
+                </a:lnTo>
+                <a:lnTo>
+                  <a:pt x="1137550" y="6821583"/>
+                </a:lnTo>
+                <a:cubicBezTo>
+                  <a:pt x="426899" y="5960473"/>
+                  <a:pt x="0" y="4856509"/>
+                  <a:pt x="0" y="3652838"/>
+                </a:cubicBezTo>
+                <a:cubicBezTo>
+                  <a:pt x="0" y="2277214"/>
+                  <a:pt x="557582" y="1031820"/>
+                  <a:pt x="1459070" y="130333"/>
+                </a:cubicBezTo>
+                <a:close/>
+              </a:path>
+            </a:pathLst>
+          </a:custGeom>
+          <a:ln w="9525">
+            <a:noFill/>
+          </a:ln>
+          <a:effectLst/>
+        </p:spPr>
+        <p:style>
+          <a:lnRef idx="2">
+            <a:schemeClr val="accent1">
+              <a:shade val="50000"/>
+            </a:schemeClr>
+          </a:lnRef>
+          <a:fillRef idx="1">
+            <a:schemeClr val="accent1"/>
+          </a:fillRef>
+          <a:effectRef idx="0">
+            <a:schemeClr val="accent1"/>
+          </a:effectRef>
+          <a:fontRef idx="minor">
+            <a:schemeClr val="lt1"/>
+          </a:fontRef>
+        </p:style>
+        <p:txBody>
+          <a:bodyPr wrap="square" rtlCol="0" anchor="ctr">
+            <a:noAutofit/>
+          </a:bodyPr>
+          <a:lstStyle/>
+          <a:p>
+            <a:pPr marL="0" marR="0" lvl="0" indent="0" algn="ctr" defTabSz="914400" rtl="0" eaLnBrk="1" fontAlgn="auto" latinLnBrk="0" hangingPunct="1">
+              <a:lnSpc>
+                <a:spcPct val="100000"/>
+              </a:lnSpc>
+              <a:spcBef>
+                <a:spcPts val="0"/>
+              </a:spcBef>
+              <a:spcAft>
+                <a:spcPts val="0"/>
+              </a:spcAft>
+              <a:buClrTx/>
+              <a:buSzTx/>
+              <a:buFontTx/>
+              <a:buNone/>
+              <a:tabLst/>
+              <a:defRPr/>
+            </a:pPr>
+            <a:endParaRPr kumimoji="0" lang="en-US" sz="1800" b="0" i="0" u="none" strike="noStrike" kern="1200" cap="none" spc="0" normalizeH="0" baseline="0" noProof="0">
+              <a:ln>
+                <a:noFill/>
+              </a:ln>
+              <a:solidFill>
+                <a:prstClr val="white"/>
+              </a:solidFill>
+              <a:effectLst/>
+              <a:uLnTx/>
+              <a:uFillTx/>
+              <a:latin typeface="Calibri" panose="020F0502020204030204"/>
+              <a:ea typeface="+mn-ea"/>
+              <a:cs typeface="+mn-cs"/>
+            </a:endParaRPr>
+          </a:p>
+        </p:txBody>
+      </p:sp>
+      <p:sp>
+        <p:nvSpPr>
+          <p:cNvPr id="2" name="Titel 1">
+            <a:extLst>
+              <a:ext uri="{FF2B5EF4-FFF2-40B4-BE49-F238E27FC236}">
+                <a16:creationId xmlns:a16="http://schemas.microsoft.com/office/drawing/2014/main" id="{9326AE7C-3B88-FA21-E1BD-6F3EE697F543}"/>
+              </a:ext>
+            </a:extLst>
+          </p:cNvPr>
+          <p:cNvSpPr>
+            <a:spLocks noGrp="1"/>
+          </p:cNvSpPr>
+          <p:nvPr>
+            <p:ph type="title"/>
+          </p:nvPr>
+        </p:nvSpPr>
+        <p:spPr>
+          <a:xfrm>
+            <a:off x="1524003" y="1999615"/>
+            <a:ext cx="9144000" cy="2764028"/>
+          </a:xfrm>
+        </p:spPr>
+        <p:txBody>
+          <a:bodyPr vert="horz" lIns="91440" tIns="45720" rIns="91440" bIns="45720" rtlCol="0" anchor="ctr">
+            <a:normAutofit/>
+          </a:bodyPr>
+          <a:lstStyle/>
+          <a:p>
+            <a:pPr algn="ctr"/>
+            <a:r>
+              <a:rPr lang="en-US" sz="7200" kern="1200">
+                <a:solidFill>
+                  <a:schemeClr val="tx1"/>
+                </a:solidFill>
+                <a:latin typeface="+mj-lt"/>
+                <a:ea typeface="+mj-ea"/>
+                <a:cs typeface="+mj-cs"/>
+              </a:rPr>
+              <a:t>Vielen Dank für Eure Aufmerksamkeit</a:t>
+            </a:r>
+          </a:p>
+        </p:txBody>
+      </p:sp>
+      <p:sp>
+        <p:nvSpPr>
+          <p:cNvPr id="19" name="Rectangle 12">
+            <a:extLst>
+              <a:ext uri="{FF2B5EF4-FFF2-40B4-BE49-F238E27FC236}">
+                <a16:creationId xmlns:a16="http://schemas.microsoft.com/office/drawing/2014/main" id="{3629484E-3792-4B3D-89AD-7C8A1ED0E0D4}"/>
+              </a:ext>
+              <a:ext uri="{C183D7F6-B498-43B3-948B-1728B52AA6E4}">
+                <adec:decorative xmlns:adec="http://schemas.microsoft.com/office/drawing/2017/decorative" val="1"/>
+              </a:ext>
+            </a:extLst>
+          </p:cNvPr>
+          <p:cNvSpPr>
+            <a:spLocks noGrp="1" noRot="1" noChangeAspect="1" noMove="1" noResize="1" noEditPoints="1" noAdjustHandles="1" noChangeArrowheads="1" noChangeShapeType="1" noTextEdit="1"/>
+          </p:cNvSpPr>
+          <p:nvPr>
+            <p:extLst>
+              <p:ext uri="{386F3935-93C4-4BCD-93E2-E3B085C9AB24}">
+                <p16:designElem xmlns:p16="http://schemas.microsoft.com/office/powerpoint/2015/main" val="1"/>
+              </p:ext>
+            </p:extLst>
+          </p:nvPr>
+        </p:nvSpPr>
+        <p:spPr>
+          <a:xfrm>
+            <a:off x="3718560" y="5524786"/>
+            <a:ext cx="4754880" cy="27432"/>
+          </a:xfrm>
+          <a:prstGeom prst="rect">
+            <a:avLst/>
+          </a:prstGeom>
+          <a:solidFill>
+            <a:schemeClr val="accent2"/>
+          </a:solidFill>
+          <a:ln>
+            <a:noFill/>
+          </a:ln>
+        </p:spPr>
+        <p:style>
+          <a:lnRef idx="2">
+            <a:schemeClr val="accent1">
+              <a:shade val="50000"/>
+            </a:schemeClr>
+          </a:lnRef>
+          <a:fillRef idx="1">
+            <a:schemeClr val="accent1"/>
+          </a:fillRef>
+          <a:effectRef idx="0">
+            <a:schemeClr val="accent1"/>
+          </a:effectRef>
+          <a:fontRef idx="minor">
+            <a:schemeClr val="lt1"/>
+          </a:fontRef>
+        </p:style>
+        <p:txBody>
+          <a:bodyPr rtlCol="0" anchor="ctr"/>
+          <a:lstStyle/>
+          <a:p>
+            <a:pPr marL="0" marR="0" lvl="0" indent="0" algn="ctr" defTabSz="914400" rtl="0" eaLnBrk="1" fontAlgn="auto" latinLnBrk="0" hangingPunct="1">
+              <a:lnSpc>
+                <a:spcPct val="100000"/>
+              </a:lnSpc>
+              <a:spcBef>
+                <a:spcPts val="0"/>
+              </a:spcBef>
+              <a:spcAft>
+                <a:spcPts val="0"/>
+              </a:spcAft>
+              <a:buClrTx/>
+              <a:buSzTx/>
+              <a:buFontTx/>
+              <a:buNone/>
+              <a:tabLst/>
+              <a:defRPr/>
+            </a:pPr>
+            <a:endParaRPr kumimoji="0" lang="en-US" sz="1800" b="0" i="0" u="none" strike="noStrike" kern="1200" cap="none" spc="0" normalizeH="0" baseline="0" noProof="0">
+              <a:ln>
+                <a:noFill/>
+              </a:ln>
+              <a:solidFill>
+                <a:prstClr val="white"/>
+              </a:solidFill>
+              <a:effectLst/>
+              <a:uLnTx/>
+              <a:uFillTx/>
+              <a:latin typeface="Calibri" panose="020F0502020204030204"/>
+              <a:ea typeface="+mn-ea"/>
+              <a:cs typeface="+mn-cs"/>
+            </a:endParaRPr>
+          </a:p>
+        </p:txBody>
+      </p:sp>
+    </p:spTree>
+    <p:extLst>
+      <p:ext uri="{BB962C8B-B14F-4D97-AF65-F5344CB8AC3E}">
+        <p14:creationId xmlns:p14="http://schemas.microsoft.com/office/powerpoint/2010/main" val="2574587760"/>
+      </p:ext>
+    </p:extLst>
+  </p:cSld>
+  <p:clrMapOvr>
+    <a:masterClrMapping/>
+  </p:clrMapOvr>
+</p:sld>
+</file>
+
 <file path=ppt/slides/slide2.xml><?xml version="1.0" encoding="utf-8"?>
 <p:sld xmlns:a="http://schemas.openxmlformats.org/drawingml/2006/main" xmlns:r="http://schemas.openxmlformats.org/officeDocument/2006/relationships" xmlns:p="http://schemas.openxmlformats.org/presentationml/2006/main">
   <p:cSld>
@@ -9832,33 +13164,13 @@
           <a:p>
             <a:r>
               <a:rPr lang="de-DE" dirty="0"/>
-              <a:t>Titel:</a:t>
+              <a:t>Titel: </a:t>
             </a:r>
-          </a:p>
-        </p:txBody>
-      </p:sp>
-      <p:sp>
-        <p:nvSpPr>
-          <p:cNvPr id="3" name="Inhaltsplatzhalter 2">
-            <a:extLst>
-              <a:ext uri="{FF2B5EF4-FFF2-40B4-BE49-F238E27FC236}">
-                <a16:creationId xmlns:a16="http://schemas.microsoft.com/office/drawing/2014/main" id="{FA1A5D5B-8384-93AC-7EE0-CEB65A4C3C06}"/>
-              </a:ext>
-            </a:extLst>
-          </p:cNvPr>
-          <p:cNvSpPr>
-            <a:spLocks noGrp="1"/>
-          </p:cNvSpPr>
-          <p:nvPr>
-            <p:ph idx="1"/>
-          </p:nvPr>
-        </p:nvSpPr>
-        <p:spPr/>
-        <p:txBody>
-          <a:bodyPr/>
-          <a:lstStyle/>
-          <a:p>
-            <a:endParaRPr lang="de-DE"/>
+            <a:r>
+              <a:rPr lang="de-DE" dirty="0" err="1"/>
+              <a:t>Bloons</a:t>
+            </a:r>
+            <a:endParaRPr lang="de-DE" dirty="0"/>
           </a:p>
         </p:txBody>
       </p:sp>
@@ -10385,7 +13697,7 @@
             <p:ph idx="1"/>
             <p:extLst>
               <p:ext uri="{D42A27DB-BD31-4B8C-83A1-F6EECF244321}">
-                <p14:modId xmlns:p14="http://schemas.microsoft.com/office/powerpoint/2010/main" val="2515751575"/>
+                <p14:modId xmlns:p14="http://schemas.microsoft.com/office/powerpoint/2010/main" val="3419063373"/>
               </p:ext>
             </p:extLst>
           </p:nvPr>
@@ -10440,10 +13752,10 @@
       </p:grpSpPr>
       <p:sp useBgFill="1">
         <p:nvSpPr>
-          <p:cNvPr id="2090" name="Rectangle 2089">
+          <p:cNvPr id="9" name="Rectangle 8">
             <a:extLst>
               <a:ext uri="{FF2B5EF4-FFF2-40B4-BE49-F238E27FC236}">
-                <a16:creationId xmlns:a16="http://schemas.microsoft.com/office/drawing/2014/main" id="{394842B0-684D-44CC-B4BC-D13331CFD290}"/>
+                <a16:creationId xmlns:a16="http://schemas.microsoft.com/office/drawing/2014/main" id="{2E442304-DDBD-4F7B-8017-36BCC863FB40}"/>
               </a:ext>
               <a:ext uri="{C183D7F6-B498-43B3-948B-1728B52AA6E4}">
                 <adec:decorative xmlns:adec="http://schemas.microsoft.com/office/drawing/2017/decorative" val="1"/>
@@ -10503,7 +13815,7 @@
           <p:cNvPr id="2" name="Titel 1">
             <a:extLst>
               <a:ext uri="{FF2B5EF4-FFF2-40B4-BE49-F238E27FC236}">
-                <a16:creationId xmlns:a16="http://schemas.microsoft.com/office/drawing/2014/main" id="{F12ED977-B570-A78A-607E-EDBB231FD65C}"/>
+                <a16:creationId xmlns:a16="http://schemas.microsoft.com/office/drawing/2014/main" id="{A6FA6946-44E6-FF98-DE25-366D301B1406}"/>
               </a:ext>
             </a:extLst>
           </p:cNvPr>
@@ -10516,33 +13828,30 @@
         </p:nvSpPr>
         <p:spPr>
           <a:xfrm>
-            <a:off x="640080" y="329184"/>
-            <a:ext cx="6894576" cy="1783080"/>
+            <a:off x="635000" y="640823"/>
+            <a:ext cx="3418659" cy="5583148"/>
           </a:xfrm>
         </p:spPr>
         <p:txBody>
-          <a:bodyPr anchor="b">
+          <a:bodyPr anchor="ctr">
             <a:normAutofit/>
           </a:bodyPr>
           <a:lstStyle/>
           <a:p>
             <a:r>
-              <a:rPr lang="de-DE" sz="6600" b="0" i="0">
-                <a:effectLst/>
-                <a:latin typeface="Lato Extended"/>
-              </a:rPr>
-              <a:t>Idee</a:t>
+              <a:rPr lang="de-DE" sz="6000" b="1"/>
+              <a:t>Alexander Hinz</a:t>
             </a:r>
-            <a:endParaRPr lang="de-DE" sz="6600"/>
+            <a:endParaRPr lang="de-DE" b="1" dirty="0"/>
           </a:p>
         </p:txBody>
       </p:sp>
       <p:sp>
         <p:nvSpPr>
-          <p:cNvPr id="2092" name="sketch line">
+          <p:cNvPr id="11" name="sketch line">
             <a:extLst>
               <a:ext uri="{FF2B5EF4-FFF2-40B4-BE49-F238E27FC236}">
-                <a16:creationId xmlns:a16="http://schemas.microsoft.com/office/drawing/2014/main" id="{4C2A3DC3-F495-4B99-9FF3-3FB30D63235E}"/>
+                <a16:creationId xmlns:a16="http://schemas.microsoft.com/office/drawing/2014/main" id="{5E107275-3853-46FD-A241-DE4355A42675}"/>
               </a:ext>
               <a:ext uri="{C183D7F6-B498-43B3-948B-1728B52AA6E4}">
                 <adec:decorative xmlns:adec="http://schemas.microsoft.com/office/drawing/2017/decorative" val="1"/>
@@ -10561,47 +13870,51 @@
           </p:nvPr>
         </p:nvSpPr>
         <p:spPr>
-          <a:xfrm>
-            <a:off x="758952" y="2395728"/>
-            <a:ext cx="4243589" cy="18288"/>
+          <a:xfrm rot="5400000">
+            <a:off x="1627450" y="3462719"/>
+            <a:ext cx="5410200" cy="18288"/>
           </a:xfrm>
           <a:custGeom>
             <a:avLst/>
             <a:gdLst>
-              <a:gd name="connsiteX0" fmla="*/ 0 w 4243589"/>
+              <a:gd name="connsiteX0" fmla="*/ 0 w 5410200"/>
               <a:gd name="connsiteY0" fmla="*/ 0 h 18288"/>
-              <a:gd name="connsiteX1" fmla="*/ 478919 w 4243589"/>
+              <a:gd name="connsiteX1" fmla="*/ 568071 w 5410200"/>
               <a:gd name="connsiteY1" fmla="*/ 0 h 18288"/>
-              <a:gd name="connsiteX2" fmla="*/ 957839 w 4243589"/>
+              <a:gd name="connsiteX2" fmla="*/ 1298448 w 5410200"/>
               <a:gd name="connsiteY2" fmla="*/ 0 h 18288"/>
-              <a:gd name="connsiteX3" fmla="*/ 1521630 w 4243589"/>
+              <a:gd name="connsiteX3" fmla="*/ 1920621 w 5410200"/>
               <a:gd name="connsiteY3" fmla="*/ 0 h 18288"/>
-              <a:gd name="connsiteX4" fmla="*/ 2212729 w 4243589"/>
+              <a:gd name="connsiteX4" fmla="*/ 2488692 w 5410200"/>
               <a:gd name="connsiteY4" fmla="*/ 0 h 18288"/>
-              <a:gd name="connsiteX5" fmla="*/ 2734084 w 4243589"/>
+              <a:gd name="connsiteX5" fmla="*/ 3219069 w 5410200"/>
               <a:gd name="connsiteY5" fmla="*/ 0 h 18288"/>
-              <a:gd name="connsiteX6" fmla="*/ 3255439 w 4243589"/>
+              <a:gd name="connsiteX6" fmla="*/ 3895344 w 5410200"/>
               <a:gd name="connsiteY6" fmla="*/ 0 h 18288"/>
-              <a:gd name="connsiteX7" fmla="*/ 4243589 w 4243589"/>
+              <a:gd name="connsiteX7" fmla="*/ 4571619 w 5410200"/>
               <a:gd name="connsiteY7" fmla="*/ 0 h 18288"/>
-              <a:gd name="connsiteX8" fmla="*/ 4243589 w 4243589"/>
-              <a:gd name="connsiteY8" fmla="*/ 18288 h 18288"/>
-              <a:gd name="connsiteX9" fmla="*/ 3594926 w 4243589"/>
+              <a:gd name="connsiteX8" fmla="*/ 5410200 w 5410200"/>
+              <a:gd name="connsiteY8" fmla="*/ 0 h 18288"/>
+              <a:gd name="connsiteX9" fmla="*/ 5410200 w 5410200"/>
               <a:gd name="connsiteY9" fmla="*/ 18288 h 18288"/>
-              <a:gd name="connsiteX10" fmla="*/ 3073571 w 4243589"/>
+              <a:gd name="connsiteX10" fmla="*/ 4842129 w 5410200"/>
               <a:gd name="connsiteY10" fmla="*/ 18288 h 18288"/>
-              <a:gd name="connsiteX11" fmla="*/ 2552216 w 4243589"/>
+              <a:gd name="connsiteX11" fmla="*/ 4328160 w 5410200"/>
               <a:gd name="connsiteY11" fmla="*/ 18288 h 18288"/>
-              <a:gd name="connsiteX12" fmla="*/ 1903553 w 4243589"/>
+              <a:gd name="connsiteX12" fmla="*/ 3597783 w 5410200"/>
               <a:gd name="connsiteY12" fmla="*/ 18288 h 18288"/>
-              <a:gd name="connsiteX13" fmla="*/ 1212454 w 4243589"/>
+              <a:gd name="connsiteX13" fmla="*/ 3029712 w 5410200"/>
               <a:gd name="connsiteY13" fmla="*/ 18288 h 18288"/>
-              <a:gd name="connsiteX14" fmla="*/ 733535 w 4243589"/>
+              <a:gd name="connsiteX14" fmla="*/ 2299335 w 5410200"/>
               <a:gd name="connsiteY14" fmla="*/ 18288 h 18288"/>
-              <a:gd name="connsiteX15" fmla="*/ 0 w 4243589"/>
+              <a:gd name="connsiteX15" fmla="*/ 1514856 w 5410200"/>
               <a:gd name="connsiteY15" fmla="*/ 18288 h 18288"/>
-              <a:gd name="connsiteX16" fmla="*/ 0 w 4243589"/>
-              <a:gd name="connsiteY16" fmla="*/ 0 h 18288"/>
+              <a:gd name="connsiteX16" fmla="*/ 892683 w 5410200"/>
+              <a:gd name="connsiteY16" fmla="*/ 18288 h 18288"/>
+              <a:gd name="connsiteX17" fmla="*/ 0 w 5410200"/>
+              <a:gd name="connsiteY17" fmla="*/ 18288 h 18288"/>
+              <a:gd name="connsiteX18" fmla="*/ 0 w 5410200"/>
+              <a:gd name="connsiteY18" fmla="*/ 0 h 18288"/>
             </a:gdLst>
             <a:ahLst/>
             <a:cxnLst>
@@ -10656,177 +13969,203 @@
               <a:cxn ang="0">
                 <a:pos x="connsiteX16" y="connsiteY16"/>
               </a:cxn>
+              <a:cxn ang="0">
+                <a:pos x="connsiteX17" y="connsiteY17"/>
+              </a:cxn>
+              <a:cxn ang="0">
+                <a:pos x="connsiteX18" y="connsiteY18"/>
+              </a:cxn>
             </a:cxnLst>
             <a:rect l="l" t="t" r="r" b="b"/>
             <a:pathLst>
-              <a:path w="4243589" h="18288" fill="none" extrusionOk="0">
+              <a:path w="5410200" h="18288" fill="none" extrusionOk="0">
                 <a:moveTo>
                   <a:pt x="0" y="0"/>
                 </a:moveTo>
                 <a:cubicBezTo>
-                  <a:pt x="213395" y="-21006"/>
-                  <a:pt x="307421" y="-18116"/>
-                  <a:pt x="478919" y="0"/>
-                </a:cubicBezTo>
-                <a:cubicBezTo>
-                  <a:pt x="650417" y="18116"/>
-                  <a:pt x="831092" y="-21237"/>
-                  <a:pt x="957839" y="0"/>
-                </a:cubicBezTo>
-                <a:cubicBezTo>
-                  <a:pt x="1084586" y="21237"/>
-                  <a:pt x="1301682" y="25124"/>
-                  <a:pt x="1521630" y="0"/>
-                </a:cubicBezTo>
-                <a:cubicBezTo>
-                  <a:pt x="1741578" y="-25124"/>
-                  <a:pt x="1970269" y="-29139"/>
-                  <a:pt x="2212729" y="0"/>
-                </a:cubicBezTo>
-                <a:cubicBezTo>
-                  <a:pt x="2455189" y="29139"/>
-                  <a:pt x="2558847" y="-4796"/>
-                  <a:pt x="2734084" y="0"/>
-                </a:cubicBezTo>
-                <a:cubicBezTo>
-                  <a:pt x="2909321" y="4796"/>
-                  <a:pt x="3097217" y="-13409"/>
-                  <a:pt x="3255439" y="0"/>
-                </a:cubicBezTo>
-                <a:cubicBezTo>
-                  <a:pt x="3413662" y="13409"/>
-                  <a:pt x="3979999" y="-10121"/>
-                  <a:pt x="4243589" y="0"/>
-                </a:cubicBezTo>
-                <a:cubicBezTo>
-                  <a:pt x="4244484" y="8974"/>
-                  <a:pt x="4243043" y="9359"/>
-                  <a:pt x="4243589" y="18288"/>
-                </a:cubicBezTo>
-                <a:cubicBezTo>
-                  <a:pt x="4058777" y="31246"/>
-                  <a:pt x="3910348" y="3158"/>
-                  <a:pt x="3594926" y="18288"/>
-                </a:cubicBezTo>
-                <a:cubicBezTo>
-                  <a:pt x="3279504" y="33418"/>
-                  <a:pt x="3319955" y="-3977"/>
-                  <a:pt x="3073571" y="18288"/>
-                </a:cubicBezTo>
-                <a:cubicBezTo>
-                  <a:pt x="2827187" y="40553"/>
-                  <a:pt x="2767387" y="1863"/>
-                  <a:pt x="2552216" y="18288"/>
-                </a:cubicBezTo>
-                <a:cubicBezTo>
-                  <a:pt x="2337046" y="34713"/>
-                  <a:pt x="2181871" y="19527"/>
-                  <a:pt x="1903553" y="18288"/>
-                </a:cubicBezTo>
-                <a:cubicBezTo>
-                  <a:pt x="1625235" y="17049"/>
-                  <a:pt x="1557672" y="24174"/>
-                  <a:pt x="1212454" y="18288"/>
-                </a:cubicBezTo>
-                <a:cubicBezTo>
-                  <a:pt x="867236" y="12402"/>
-                  <a:pt x="874382" y="15627"/>
-                  <a:pt x="733535" y="18288"/>
-                </a:cubicBezTo>
-                <a:cubicBezTo>
-                  <a:pt x="592688" y="20949"/>
-                  <a:pt x="183477" y="14753"/>
+                  <a:pt x="163050" y="-18707"/>
+                  <a:pt x="319321" y="-16364"/>
+                  <a:pt x="568071" y="0"/>
+                </a:cubicBezTo>
+                <a:cubicBezTo>
+                  <a:pt x="816821" y="16364"/>
+                  <a:pt x="1013224" y="-7268"/>
+                  <a:pt x="1298448" y="0"/>
+                </a:cubicBezTo>
+                <a:cubicBezTo>
+                  <a:pt x="1583672" y="7268"/>
+                  <a:pt x="1631711" y="-3367"/>
+                  <a:pt x="1920621" y="0"/>
+                </a:cubicBezTo>
+                <a:cubicBezTo>
+                  <a:pt x="2209531" y="3367"/>
+                  <a:pt x="2364420" y="-19184"/>
+                  <a:pt x="2488692" y="0"/>
+                </a:cubicBezTo>
+                <a:cubicBezTo>
+                  <a:pt x="2612964" y="19184"/>
+                  <a:pt x="3023298" y="-34627"/>
+                  <a:pt x="3219069" y="0"/>
+                </a:cubicBezTo>
+                <a:cubicBezTo>
+                  <a:pt x="3414840" y="34627"/>
+                  <a:pt x="3656810" y="24043"/>
+                  <a:pt x="3895344" y="0"/>
+                </a:cubicBezTo>
+                <a:cubicBezTo>
+                  <a:pt x="4133879" y="-24043"/>
+                  <a:pt x="4393984" y="-19577"/>
+                  <a:pt x="4571619" y="0"/>
+                </a:cubicBezTo>
+                <a:cubicBezTo>
+                  <a:pt x="4749255" y="19577"/>
+                  <a:pt x="5179928" y="-6281"/>
+                  <a:pt x="5410200" y="0"/>
+                </a:cubicBezTo>
+                <a:cubicBezTo>
+                  <a:pt x="5410730" y="6954"/>
+                  <a:pt x="5410934" y="12839"/>
+                  <a:pt x="5410200" y="18288"/>
+                </a:cubicBezTo>
+                <a:cubicBezTo>
+                  <a:pt x="5139060" y="6751"/>
+                  <a:pt x="5121593" y="31035"/>
+                  <a:pt x="4842129" y="18288"/>
+                </a:cubicBezTo>
+                <a:cubicBezTo>
+                  <a:pt x="4562665" y="5541"/>
+                  <a:pt x="4448273" y="9487"/>
+                  <a:pt x="4328160" y="18288"/>
+                </a:cubicBezTo>
+                <a:cubicBezTo>
+                  <a:pt x="4208047" y="27089"/>
+                  <a:pt x="3760936" y="22567"/>
+                  <a:pt x="3597783" y="18288"/>
+                </a:cubicBezTo>
+                <a:cubicBezTo>
+                  <a:pt x="3434630" y="14009"/>
+                  <a:pt x="3299718" y="33213"/>
+                  <a:pt x="3029712" y="18288"/>
+                </a:cubicBezTo>
+                <a:cubicBezTo>
+                  <a:pt x="2759706" y="3363"/>
+                  <a:pt x="2640159" y="27394"/>
+                  <a:pt x="2299335" y="18288"/>
+                </a:cubicBezTo>
+                <a:cubicBezTo>
+                  <a:pt x="1958511" y="9182"/>
+                  <a:pt x="1801186" y="28985"/>
+                  <a:pt x="1514856" y="18288"/>
+                </a:cubicBezTo>
+                <a:cubicBezTo>
+                  <a:pt x="1228526" y="7591"/>
+                  <a:pt x="1063509" y="-5305"/>
+                  <a:pt x="892683" y="18288"/>
+                </a:cubicBezTo>
+                <a:cubicBezTo>
+                  <a:pt x="721857" y="41881"/>
+                  <a:pt x="186945" y="-20897"/>
                   <a:pt x="0" y="18288"/>
                 </a:cubicBezTo>
                 <a:cubicBezTo>
-                  <a:pt x="-229" y="14222"/>
-                  <a:pt x="509" y="5816"/>
+                  <a:pt x="-570" y="9279"/>
+                  <a:pt x="132" y="5100"/>
                   <a:pt x="0" y="0"/>
                 </a:cubicBezTo>
                 <a:close/>
               </a:path>
-              <a:path w="4243589" h="18288" stroke="0" extrusionOk="0">
+              <a:path w="5410200" h="18288" stroke="0" extrusionOk="0">
                 <a:moveTo>
                   <a:pt x="0" y="0"/>
                 </a:moveTo>
                 <a:cubicBezTo>
-                  <a:pt x="143690" y="16630"/>
-                  <a:pt x="266667" y="14847"/>
-                  <a:pt x="521355" y="0"/>
-                </a:cubicBezTo>
-                <a:cubicBezTo>
-                  <a:pt x="776043" y="-14847"/>
-                  <a:pt x="814491" y="-17363"/>
-                  <a:pt x="1000275" y="0"/>
-                </a:cubicBezTo>
-                <a:cubicBezTo>
-                  <a:pt x="1186059" y="17363"/>
-                  <a:pt x="1352504" y="-23507"/>
-                  <a:pt x="1521630" y="0"/>
-                </a:cubicBezTo>
-                <a:cubicBezTo>
-                  <a:pt x="1690756" y="23507"/>
-                  <a:pt x="1889525" y="5871"/>
-                  <a:pt x="2127857" y="0"/>
-                </a:cubicBezTo>
-                <a:cubicBezTo>
-                  <a:pt x="2366189" y="-5871"/>
-                  <a:pt x="2620628" y="-27997"/>
-                  <a:pt x="2776520" y="0"/>
-                </a:cubicBezTo>
-                <a:cubicBezTo>
-                  <a:pt x="2932412" y="27997"/>
-                  <a:pt x="3131683" y="-25073"/>
-                  <a:pt x="3467618" y="0"/>
-                </a:cubicBezTo>
-                <a:cubicBezTo>
-                  <a:pt x="3803553" y="25073"/>
-                  <a:pt x="4017371" y="3071"/>
-                  <a:pt x="4243589" y="0"/>
-                </a:cubicBezTo>
-                <a:cubicBezTo>
-                  <a:pt x="4243134" y="6162"/>
-                  <a:pt x="4243492" y="11775"/>
-                  <a:pt x="4243589" y="18288"/>
-                </a:cubicBezTo>
-                <a:cubicBezTo>
-                  <a:pt x="4017834" y="-5779"/>
-                  <a:pt x="3834586" y="13376"/>
-                  <a:pt x="3594926" y="18288"/>
-                </a:cubicBezTo>
-                <a:cubicBezTo>
-                  <a:pt x="3355266" y="23200"/>
-                  <a:pt x="3204179" y="2869"/>
-                  <a:pt x="2903827" y="18288"/>
-                </a:cubicBezTo>
-                <a:cubicBezTo>
-                  <a:pt x="2603475" y="33707"/>
-                  <a:pt x="2526187" y="46187"/>
-                  <a:pt x="2212729" y="18288"/>
-                </a:cubicBezTo>
-                <a:cubicBezTo>
-                  <a:pt x="1899271" y="-9611"/>
-                  <a:pt x="1966289" y="29692"/>
-                  <a:pt x="1733809" y="18288"/>
-                </a:cubicBezTo>
-                <a:cubicBezTo>
-                  <a:pt x="1501329" y="6884"/>
-                  <a:pt x="1343612" y="12492"/>
-                  <a:pt x="1085146" y="18288"/>
-                </a:cubicBezTo>
-                <a:cubicBezTo>
-                  <a:pt x="826680" y="24084"/>
-                  <a:pt x="778184" y="35607"/>
-                  <a:pt x="521355" y="18288"/>
-                </a:cubicBezTo>
-                <a:cubicBezTo>
-                  <a:pt x="264526" y="969"/>
-                  <a:pt x="120277" y="4268"/>
+                  <a:pt x="285096" y="-4925"/>
+                  <a:pt x="376456" y="22268"/>
+                  <a:pt x="622173" y="0"/>
+                </a:cubicBezTo>
+                <a:cubicBezTo>
+                  <a:pt x="867890" y="-22268"/>
+                  <a:pt x="1031392" y="7228"/>
+                  <a:pt x="1136142" y="0"/>
+                </a:cubicBezTo>
+                <a:cubicBezTo>
+                  <a:pt x="1240892" y="-7228"/>
+                  <a:pt x="1561853" y="9877"/>
+                  <a:pt x="1920621" y="0"/>
+                </a:cubicBezTo>
+                <a:cubicBezTo>
+                  <a:pt x="2279389" y="-9877"/>
+                  <a:pt x="2367255" y="19546"/>
+                  <a:pt x="2542794" y="0"/>
+                </a:cubicBezTo>
+                <a:cubicBezTo>
+                  <a:pt x="2718333" y="-19546"/>
+                  <a:pt x="2866732" y="-22226"/>
+                  <a:pt x="3164967" y="0"/>
+                </a:cubicBezTo>
+                <a:cubicBezTo>
+                  <a:pt x="3463202" y="22226"/>
+                  <a:pt x="3568055" y="-2765"/>
+                  <a:pt x="3949446" y="0"/>
+                </a:cubicBezTo>
+                <a:cubicBezTo>
+                  <a:pt x="4330837" y="2765"/>
+                  <a:pt x="4287895" y="10557"/>
+                  <a:pt x="4517517" y="0"/>
+                </a:cubicBezTo>
+                <a:cubicBezTo>
+                  <a:pt x="4747139" y="-10557"/>
+                  <a:pt x="5149588" y="8716"/>
+                  <a:pt x="5410200" y="0"/>
+                </a:cubicBezTo>
+                <a:cubicBezTo>
+                  <a:pt x="5409517" y="5414"/>
+                  <a:pt x="5409480" y="12510"/>
+                  <a:pt x="5410200" y="18288"/>
+                </a:cubicBezTo>
+                <a:cubicBezTo>
+                  <a:pt x="5163327" y="41494"/>
+                  <a:pt x="5008749" y="10693"/>
+                  <a:pt x="4842129" y="18288"/>
+                </a:cubicBezTo>
+                <a:cubicBezTo>
+                  <a:pt x="4675509" y="25883"/>
+                  <a:pt x="4433401" y="-615"/>
+                  <a:pt x="4165854" y="18288"/>
+                </a:cubicBezTo>
+                <a:cubicBezTo>
+                  <a:pt x="3898308" y="37191"/>
+                  <a:pt x="3809032" y="-8710"/>
+                  <a:pt x="3543681" y="18288"/>
+                </a:cubicBezTo>
+                <a:cubicBezTo>
+                  <a:pt x="3278330" y="45286"/>
+                  <a:pt x="3073876" y="-15917"/>
+                  <a:pt x="2759202" y="18288"/>
+                </a:cubicBezTo>
+                <a:cubicBezTo>
+                  <a:pt x="2444528" y="52493"/>
+                  <a:pt x="2204144" y="3372"/>
+                  <a:pt x="1974723" y="18288"/>
+                </a:cubicBezTo>
+                <a:cubicBezTo>
+                  <a:pt x="1745302" y="33204"/>
+                  <a:pt x="1602335" y="31490"/>
+                  <a:pt x="1406652" y="18288"/>
+                </a:cubicBezTo>
+                <a:cubicBezTo>
+                  <a:pt x="1210969" y="5086"/>
+                  <a:pt x="923948" y="3161"/>
+                  <a:pt x="730377" y="18288"/>
+                </a:cubicBezTo>
+                <a:cubicBezTo>
+                  <a:pt x="536806" y="33415"/>
+                  <a:pt x="336496" y="-141"/>
                   <a:pt x="0" y="18288"/>
                 </a:cubicBezTo>
                 <a:cubicBezTo>
-                  <a:pt x="766" y="10800"/>
-                  <a:pt x="-457" y="8180"/>
+                  <a:pt x="-306" y="11061"/>
+                  <a:pt x="-655" y="7751"/>
                   <a:pt x="0" y="0"/>
                 </a:cubicBezTo>
                 <a:close/>
@@ -10843,7 +14182,7 @@
             <a:round/>
             <a:extLst>
               <a:ext uri="{C807C97D-BFC1-408E-A445-0C87EB9F89A2}">
-                <ask:lineSketchStyleProps xmlns:ask="http://schemas.microsoft.com/office/drawing/2018/sketchyshapes" sd="2727557108">
+                <ask:lineSketchStyleProps xmlns:ask="http://schemas.microsoft.com/office/drawing/2018/sketchyshapes" sd="1219033472">
                   <a:prstGeom prst="rect">
                     <a:avLst/>
                   </a:prstGeom>
@@ -10882,6 +14221,2565 @@
       </p:sp>
       <p:sp>
         <p:nvSpPr>
+          <p:cNvPr id="4" name="Inhaltsplatzhalter 3">
+            <a:extLst>
+              <a:ext uri="{FF2B5EF4-FFF2-40B4-BE49-F238E27FC236}">
+                <a16:creationId xmlns:a16="http://schemas.microsoft.com/office/drawing/2014/main" id="{B3142A5E-AEE0-ECD6-6A37-BCB9B1CE25B6}"/>
+              </a:ext>
+            </a:extLst>
+          </p:cNvPr>
+          <p:cNvSpPr>
+            <a:spLocks noGrp="1"/>
+          </p:cNvSpPr>
+          <p:nvPr>
+            <p:ph idx="1"/>
+          </p:nvPr>
+        </p:nvSpPr>
+        <p:spPr>
+          <a:xfrm>
+            <a:off x="5516979" y="1176337"/>
+            <a:ext cx="5496687" cy="4351338"/>
+          </a:xfrm>
+        </p:spPr>
+        <p:txBody>
+          <a:bodyPr/>
+          <a:lstStyle/>
+          <a:p>
+            <a:pPr marL="0" indent="0">
+              <a:buNone/>
+            </a:pPr>
+            <a:r>
+              <a:rPr lang="de-DE" b="1" dirty="0"/>
+              <a:t>Aufgaben</a:t>
+            </a:r>
+          </a:p>
+          <a:p>
+            <a:pPr marL="0" indent="0">
+              <a:buNone/>
+            </a:pPr>
+            <a:r>
+              <a:rPr lang="de-DE" dirty="0"/>
+              <a:t>Game </a:t>
+            </a:r>
+            <a:r>
+              <a:rPr lang="de-DE" dirty="0" err="1"/>
+              <a:t>Logic</a:t>
+            </a:r>
+            <a:r>
+              <a:rPr lang="de-DE" dirty="0"/>
+              <a:t>:</a:t>
+            </a:r>
+          </a:p>
+          <a:p>
+            <a:pPr lvl="1"/>
+            <a:r>
+              <a:rPr lang="de-DE" sz="2800" dirty="0"/>
+              <a:t>Dart </a:t>
+            </a:r>
+            <a:r>
+              <a:rPr lang="de-DE" sz="2800" dirty="0" err="1"/>
+              <a:t>logic</a:t>
+            </a:r>
+            <a:endParaRPr lang="de-DE" sz="2800" dirty="0"/>
+          </a:p>
+          <a:p>
+            <a:pPr lvl="2"/>
+            <a:r>
+              <a:rPr lang="de-DE" sz="2400" dirty="0"/>
+              <a:t>Wurf</a:t>
+            </a:r>
+          </a:p>
+          <a:p>
+            <a:pPr lvl="2"/>
+            <a:r>
+              <a:rPr lang="de-DE" sz="2400" dirty="0"/>
+              <a:t>Hit</a:t>
+            </a:r>
+          </a:p>
+          <a:p>
+            <a:pPr lvl="1"/>
+            <a:r>
+              <a:rPr lang="de-DE" sz="2800" dirty="0"/>
+              <a:t>Player </a:t>
+            </a:r>
+            <a:r>
+              <a:rPr lang="de-DE" sz="2800" dirty="0" err="1"/>
+              <a:t>interaction</a:t>
+            </a:r>
+            <a:endParaRPr lang="de-DE" sz="2800" dirty="0"/>
+          </a:p>
+          <a:p>
+            <a:pPr lvl="1"/>
+            <a:r>
+              <a:rPr lang="de-DE" sz="2800" dirty="0" err="1"/>
+              <a:t>Balloon</a:t>
+            </a:r>
+            <a:r>
+              <a:rPr lang="de-DE" sz="2800" dirty="0"/>
+              <a:t> </a:t>
+            </a:r>
+            <a:r>
+              <a:rPr lang="de-DE" sz="2800" dirty="0" err="1"/>
+              <a:t>logic</a:t>
+            </a:r>
+            <a:endParaRPr lang="de-DE" sz="2800" dirty="0"/>
+          </a:p>
+          <a:p>
+            <a:pPr lvl="2"/>
+            <a:r>
+              <a:rPr lang="de-DE" sz="2400" dirty="0"/>
+              <a:t>Movement</a:t>
+            </a:r>
+          </a:p>
+          <a:p>
+            <a:pPr lvl="2"/>
+            <a:r>
+              <a:rPr lang="de-DE" sz="2400" dirty="0" err="1"/>
+              <a:t>Layers</a:t>
+            </a:r>
+            <a:endParaRPr lang="de-DE" sz="2400" dirty="0"/>
+          </a:p>
+        </p:txBody>
+      </p:sp>
+    </p:spTree>
+    <p:extLst>
+      <p:ext uri="{BB962C8B-B14F-4D97-AF65-F5344CB8AC3E}">
+        <p14:creationId xmlns:p14="http://schemas.microsoft.com/office/powerpoint/2010/main" val="1459432416"/>
+      </p:ext>
+    </p:extLst>
+  </p:cSld>
+  <p:clrMapOvr>
+    <a:masterClrMapping/>
+  </p:clrMapOvr>
+</p:sld>
+</file>
+
+<file path=ppt/slides/slide6.xml><?xml version="1.0" encoding="utf-8"?>
+<p:sld xmlns:a="http://schemas.openxmlformats.org/drawingml/2006/main" xmlns:r="http://schemas.openxmlformats.org/officeDocument/2006/relationships" xmlns:p="http://schemas.openxmlformats.org/presentationml/2006/main">
+  <p:cSld>
+    <p:bg>
+      <p:bgPr>
+        <a:solidFill>
+          <a:schemeClr val="bg1"/>
+        </a:solidFill>
+        <a:effectLst/>
+      </p:bgPr>
+    </p:bg>
+    <p:spTree>
+      <p:nvGrpSpPr>
+        <p:cNvPr id="1" name=""/>
+        <p:cNvGrpSpPr/>
+        <p:nvPr/>
+      </p:nvGrpSpPr>
+      <p:grpSpPr>
+        <a:xfrm>
+          <a:off x="0" y="0"/>
+          <a:ext cx="0" cy="0"/>
+          <a:chOff x="0" y="0"/>
+          <a:chExt cx="0" cy="0"/>
+        </a:xfrm>
+      </p:grpSpPr>
+      <p:sp useBgFill="1">
+        <p:nvSpPr>
+          <p:cNvPr id="9" name="Rectangle 8">
+            <a:extLst>
+              <a:ext uri="{FF2B5EF4-FFF2-40B4-BE49-F238E27FC236}">
+                <a16:creationId xmlns:a16="http://schemas.microsoft.com/office/drawing/2014/main" id="{2E442304-DDBD-4F7B-8017-36BCC863FB40}"/>
+              </a:ext>
+              <a:ext uri="{C183D7F6-B498-43B3-948B-1728B52AA6E4}">
+                <adec:decorative xmlns:adec="http://schemas.microsoft.com/office/drawing/2017/decorative" val="1"/>
+              </a:ext>
+            </a:extLst>
+          </p:cNvPr>
+          <p:cNvSpPr>
+            <a:spLocks noGrp="1" noRot="1" noChangeAspect="1" noMove="1" noResize="1" noEditPoints="1" noAdjustHandles="1" noChangeArrowheads="1" noChangeShapeType="1" noTextEdit="1"/>
+          </p:cNvSpPr>
+          <p:nvPr>
+            <p:extLst>
+              <p:ext uri="{386F3935-93C4-4BCD-93E2-E3B085C9AB24}">
+                <p16:designElem xmlns:p16="http://schemas.microsoft.com/office/powerpoint/2015/main" val="1"/>
+              </p:ext>
+            </p:extLst>
+          </p:nvPr>
+        </p:nvSpPr>
+        <p:spPr>
+          <a:xfrm>
+            <a:off x="0" y="0"/>
+            <a:ext cx="12188952" cy="6858000"/>
+          </a:xfrm>
+          <a:prstGeom prst="rect">
+            <a:avLst/>
+          </a:prstGeom>
+          <a:ln>
+            <a:noFill/>
+          </a:ln>
+        </p:spPr>
+        <p:style>
+          <a:lnRef idx="2">
+            <a:schemeClr val="accent1">
+              <a:shade val="50000"/>
+            </a:schemeClr>
+          </a:lnRef>
+          <a:fillRef idx="1">
+            <a:schemeClr val="accent1"/>
+          </a:fillRef>
+          <a:effectRef idx="0">
+            <a:schemeClr val="accent1"/>
+          </a:effectRef>
+          <a:fontRef idx="minor">
+            <a:schemeClr val="lt1"/>
+          </a:fontRef>
+        </p:style>
+        <p:txBody>
+          <a:bodyPr rtlCol="0" anchor="ctr"/>
+          <a:lstStyle/>
+          <a:p>
+            <a:pPr algn="ctr"/>
+            <a:endParaRPr lang="en-US"/>
+          </a:p>
+        </p:txBody>
+      </p:sp>
+      <p:sp>
+        <p:nvSpPr>
+          <p:cNvPr id="2" name="Titel 1">
+            <a:extLst>
+              <a:ext uri="{FF2B5EF4-FFF2-40B4-BE49-F238E27FC236}">
+                <a16:creationId xmlns:a16="http://schemas.microsoft.com/office/drawing/2014/main" id="{A6FA6946-44E6-FF98-DE25-366D301B1406}"/>
+              </a:ext>
+            </a:extLst>
+          </p:cNvPr>
+          <p:cNvSpPr>
+            <a:spLocks noGrp="1"/>
+          </p:cNvSpPr>
+          <p:nvPr>
+            <p:ph type="title"/>
+          </p:nvPr>
+        </p:nvSpPr>
+        <p:spPr>
+          <a:xfrm>
+            <a:off x="635000" y="640823"/>
+            <a:ext cx="3418659" cy="5583148"/>
+          </a:xfrm>
+        </p:spPr>
+        <p:txBody>
+          <a:bodyPr anchor="ctr">
+            <a:normAutofit/>
+          </a:bodyPr>
+          <a:lstStyle/>
+          <a:p>
+            <a:r>
+              <a:rPr lang="de-DE" sz="6000" b="1" dirty="0"/>
+              <a:t>Eric Flottmann</a:t>
+            </a:r>
+            <a:endParaRPr lang="de-DE" b="1" dirty="0"/>
+          </a:p>
+        </p:txBody>
+      </p:sp>
+      <p:sp>
+        <p:nvSpPr>
+          <p:cNvPr id="11" name="sketch line">
+            <a:extLst>
+              <a:ext uri="{FF2B5EF4-FFF2-40B4-BE49-F238E27FC236}">
+                <a16:creationId xmlns:a16="http://schemas.microsoft.com/office/drawing/2014/main" id="{5E107275-3853-46FD-A241-DE4355A42675}"/>
+              </a:ext>
+              <a:ext uri="{C183D7F6-B498-43B3-948B-1728B52AA6E4}">
+                <adec:decorative xmlns:adec="http://schemas.microsoft.com/office/drawing/2017/decorative" val="1"/>
+              </a:ext>
+            </a:extLst>
+          </p:cNvPr>
+          <p:cNvSpPr>
+            <a:spLocks noGrp="1" noRot="1" noChangeAspect="1" noMove="1" noResize="1" noEditPoints="1" noAdjustHandles="1" noChangeArrowheads="1" noChangeShapeType="1" noTextEdit="1"/>
+          </p:cNvSpPr>
+          <p:nvPr>
+            <p:extLst>
+              <p:ext uri="{386F3935-93C4-4BCD-93E2-E3B085C9AB24}">
+                <p16:designElem xmlns:p16="http://schemas.microsoft.com/office/powerpoint/2015/main" val="1"/>
+              </p:ext>
+            </p:extLst>
+          </p:nvPr>
+        </p:nvSpPr>
+        <p:spPr>
+          <a:xfrm rot="5400000">
+            <a:off x="1627450" y="3462719"/>
+            <a:ext cx="5410200" cy="18288"/>
+          </a:xfrm>
+          <a:custGeom>
+            <a:avLst/>
+            <a:gdLst>
+              <a:gd name="connsiteX0" fmla="*/ 0 w 5410200"/>
+              <a:gd name="connsiteY0" fmla="*/ 0 h 18288"/>
+              <a:gd name="connsiteX1" fmla="*/ 568071 w 5410200"/>
+              <a:gd name="connsiteY1" fmla="*/ 0 h 18288"/>
+              <a:gd name="connsiteX2" fmla="*/ 1298448 w 5410200"/>
+              <a:gd name="connsiteY2" fmla="*/ 0 h 18288"/>
+              <a:gd name="connsiteX3" fmla="*/ 1920621 w 5410200"/>
+              <a:gd name="connsiteY3" fmla="*/ 0 h 18288"/>
+              <a:gd name="connsiteX4" fmla="*/ 2488692 w 5410200"/>
+              <a:gd name="connsiteY4" fmla="*/ 0 h 18288"/>
+              <a:gd name="connsiteX5" fmla="*/ 3219069 w 5410200"/>
+              <a:gd name="connsiteY5" fmla="*/ 0 h 18288"/>
+              <a:gd name="connsiteX6" fmla="*/ 3895344 w 5410200"/>
+              <a:gd name="connsiteY6" fmla="*/ 0 h 18288"/>
+              <a:gd name="connsiteX7" fmla="*/ 4571619 w 5410200"/>
+              <a:gd name="connsiteY7" fmla="*/ 0 h 18288"/>
+              <a:gd name="connsiteX8" fmla="*/ 5410200 w 5410200"/>
+              <a:gd name="connsiteY8" fmla="*/ 0 h 18288"/>
+              <a:gd name="connsiteX9" fmla="*/ 5410200 w 5410200"/>
+              <a:gd name="connsiteY9" fmla="*/ 18288 h 18288"/>
+              <a:gd name="connsiteX10" fmla="*/ 4842129 w 5410200"/>
+              <a:gd name="connsiteY10" fmla="*/ 18288 h 18288"/>
+              <a:gd name="connsiteX11" fmla="*/ 4328160 w 5410200"/>
+              <a:gd name="connsiteY11" fmla="*/ 18288 h 18288"/>
+              <a:gd name="connsiteX12" fmla="*/ 3597783 w 5410200"/>
+              <a:gd name="connsiteY12" fmla="*/ 18288 h 18288"/>
+              <a:gd name="connsiteX13" fmla="*/ 3029712 w 5410200"/>
+              <a:gd name="connsiteY13" fmla="*/ 18288 h 18288"/>
+              <a:gd name="connsiteX14" fmla="*/ 2299335 w 5410200"/>
+              <a:gd name="connsiteY14" fmla="*/ 18288 h 18288"/>
+              <a:gd name="connsiteX15" fmla="*/ 1514856 w 5410200"/>
+              <a:gd name="connsiteY15" fmla="*/ 18288 h 18288"/>
+              <a:gd name="connsiteX16" fmla="*/ 892683 w 5410200"/>
+              <a:gd name="connsiteY16" fmla="*/ 18288 h 18288"/>
+              <a:gd name="connsiteX17" fmla="*/ 0 w 5410200"/>
+              <a:gd name="connsiteY17" fmla="*/ 18288 h 18288"/>
+              <a:gd name="connsiteX18" fmla="*/ 0 w 5410200"/>
+              <a:gd name="connsiteY18" fmla="*/ 0 h 18288"/>
+            </a:gdLst>
+            <a:ahLst/>
+            <a:cxnLst>
+              <a:cxn ang="0">
+                <a:pos x="connsiteX0" y="connsiteY0"/>
+              </a:cxn>
+              <a:cxn ang="0">
+                <a:pos x="connsiteX1" y="connsiteY1"/>
+              </a:cxn>
+              <a:cxn ang="0">
+                <a:pos x="connsiteX2" y="connsiteY2"/>
+              </a:cxn>
+              <a:cxn ang="0">
+                <a:pos x="connsiteX3" y="connsiteY3"/>
+              </a:cxn>
+              <a:cxn ang="0">
+                <a:pos x="connsiteX4" y="connsiteY4"/>
+              </a:cxn>
+              <a:cxn ang="0">
+                <a:pos x="connsiteX5" y="connsiteY5"/>
+              </a:cxn>
+              <a:cxn ang="0">
+                <a:pos x="connsiteX6" y="connsiteY6"/>
+              </a:cxn>
+              <a:cxn ang="0">
+                <a:pos x="connsiteX7" y="connsiteY7"/>
+              </a:cxn>
+              <a:cxn ang="0">
+                <a:pos x="connsiteX8" y="connsiteY8"/>
+              </a:cxn>
+              <a:cxn ang="0">
+                <a:pos x="connsiteX9" y="connsiteY9"/>
+              </a:cxn>
+              <a:cxn ang="0">
+                <a:pos x="connsiteX10" y="connsiteY10"/>
+              </a:cxn>
+              <a:cxn ang="0">
+                <a:pos x="connsiteX11" y="connsiteY11"/>
+              </a:cxn>
+              <a:cxn ang="0">
+                <a:pos x="connsiteX12" y="connsiteY12"/>
+              </a:cxn>
+              <a:cxn ang="0">
+                <a:pos x="connsiteX13" y="connsiteY13"/>
+              </a:cxn>
+              <a:cxn ang="0">
+                <a:pos x="connsiteX14" y="connsiteY14"/>
+              </a:cxn>
+              <a:cxn ang="0">
+                <a:pos x="connsiteX15" y="connsiteY15"/>
+              </a:cxn>
+              <a:cxn ang="0">
+                <a:pos x="connsiteX16" y="connsiteY16"/>
+              </a:cxn>
+              <a:cxn ang="0">
+                <a:pos x="connsiteX17" y="connsiteY17"/>
+              </a:cxn>
+              <a:cxn ang="0">
+                <a:pos x="connsiteX18" y="connsiteY18"/>
+              </a:cxn>
+            </a:cxnLst>
+            <a:rect l="l" t="t" r="r" b="b"/>
+            <a:pathLst>
+              <a:path w="5410200" h="18288" fill="none" extrusionOk="0">
+                <a:moveTo>
+                  <a:pt x="0" y="0"/>
+                </a:moveTo>
+                <a:cubicBezTo>
+                  <a:pt x="163050" y="-18707"/>
+                  <a:pt x="319321" y="-16364"/>
+                  <a:pt x="568071" y="0"/>
+                </a:cubicBezTo>
+                <a:cubicBezTo>
+                  <a:pt x="816821" y="16364"/>
+                  <a:pt x="1013224" y="-7268"/>
+                  <a:pt x="1298448" y="0"/>
+                </a:cubicBezTo>
+                <a:cubicBezTo>
+                  <a:pt x="1583672" y="7268"/>
+                  <a:pt x="1631711" y="-3367"/>
+                  <a:pt x="1920621" y="0"/>
+                </a:cubicBezTo>
+                <a:cubicBezTo>
+                  <a:pt x="2209531" y="3367"/>
+                  <a:pt x="2364420" y="-19184"/>
+                  <a:pt x="2488692" y="0"/>
+                </a:cubicBezTo>
+                <a:cubicBezTo>
+                  <a:pt x="2612964" y="19184"/>
+                  <a:pt x="3023298" y="-34627"/>
+                  <a:pt x="3219069" y="0"/>
+                </a:cubicBezTo>
+                <a:cubicBezTo>
+                  <a:pt x="3414840" y="34627"/>
+                  <a:pt x="3656810" y="24043"/>
+                  <a:pt x="3895344" y="0"/>
+                </a:cubicBezTo>
+                <a:cubicBezTo>
+                  <a:pt x="4133879" y="-24043"/>
+                  <a:pt x="4393984" y="-19577"/>
+                  <a:pt x="4571619" y="0"/>
+                </a:cubicBezTo>
+                <a:cubicBezTo>
+                  <a:pt x="4749255" y="19577"/>
+                  <a:pt x="5179928" y="-6281"/>
+                  <a:pt x="5410200" y="0"/>
+                </a:cubicBezTo>
+                <a:cubicBezTo>
+                  <a:pt x="5410730" y="6954"/>
+                  <a:pt x="5410934" y="12839"/>
+                  <a:pt x="5410200" y="18288"/>
+                </a:cubicBezTo>
+                <a:cubicBezTo>
+                  <a:pt x="5139060" y="6751"/>
+                  <a:pt x="5121593" y="31035"/>
+                  <a:pt x="4842129" y="18288"/>
+                </a:cubicBezTo>
+                <a:cubicBezTo>
+                  <a:pt x="4562665" y="5541"/>
+                  <a:pt x="4448273" y="9487"/>
+                  <a:pt x="4328160" y="18288"/>
+                </a:cubicBezTo>
+                <a:cubicBezTo>
+                  <a:pt x="4208047" y="27089"/>
+                  <a:pt x="3760936" y="22567"/>
+                  <a:pt x="3597783" y="18288"/>
+                </a:cubicBezTo>
+                <a:cubicBezTo>
+                  <a:pt x="3434630" y="14009"/>
+                  <a:pt x="3299718" y="33213"/>
+                  <a:pt x="3029712" y="18288"/>
+                </a:cubicBezTo>
+                <a:cubicBezTo>
+                  <a:pt x="2759706" y="3363"/>
+                  <a:pt x="2640159" y="27394"/>
+                  <a:pt x="2299335" y="18288"/>
+                </a:cubicBezTo>
+                <a:cubicBezTo>
+                  <a:pt x="1958511" y="9182"/>
+                  <a:pt x="1801186" y="28985"/>
+                  <a:pt x="1514856" y="18288"/>
+                </a:cubicBezTo>
+                <a:cubicBezTo>
+                  <a:pt x="1228526" y="7591"/>
+                  <a:pt x="1063509" y="-5305"/>
+                  <a:pt x="892683" y="18288"/>
+                </a:cubicBezTo>
+                <a:cubicBezTo>
+                  <a:pt x="721857" y="41881"/>
+                  <a:pt x="186945" y="-20897"/>
+                  <a:pt x="0" y="18288"/>
+                </a:cubicBezTo>
+                <a:cubicBezTo>
+                  <a:pt x="-570" y="9279"/>
+                  <a:pt x="132" y="5100"/>
+                  <a:pt x="0" y="0"/>
+                </a:cubicBezTo>
+                <a:close/>
+              </a:path>
+              <a:path w="5410200" h="18288" stroke="0" extrusionOk="0">
+                <a:moveTo>
+                  <a:pt x="0" y="0"/>
+                </a:moveTo>
+                <a:cubicBezTo>
+                  <a:pt x="285096" y="-4925"/>
+                  <a:pt x="376456" y="22268"/>
+                  <a:pt x="622173" y="0"/>
+                </a:cubicBezTo>
+                <a:cubicBezTo>
+                  <a:pt x="867890" y="-22268"/>
+                  <a:pt x="1031392" y="7228"/>
+                  <a:pt x="1136142" y="0"/>
+                </a:cubicBezTo>
+                <a:cubicBezTo>
+                  <a:pt x="1240892" y="-7228"/>
+                  <a:pt x="1561853" y="9877"/>
+                  <a:pt x="1920621" y="0"/>
+                </a:cubicBezTo>
+                <a:cubicBezTo>
+                  <a:pt x="2279389" y="-9877"/>
+                  <a:pt x="2367255" y="19546"/>
+                  <a:pt x="2542794" y="0"/>
+                </a:cubicBezTo>
+                <a:cubicBezTo>
+                  <a:pt x="2718333" y="-19546"/>
+                  <a:pt x="2866732" y="-22226"/>
+                  <a:pt x="3164967" y="0"/>
+                </a:cubicBezTo>
+                <a:cubicBezTo>
+                  <a:pt x="3463202" y="22226"/>
+                  <a:pt x="3568055" y="-2765"/>
+                  <a:pt x="3949446" y="0"/>
+                </a:cubicBezTo>
+                <a:cubicBezTo>
+                  <a:pt x="4330837" y="2765"/>
+                  <a:pt x="4287895" y="10557"/>
+                  <a:pt x="4517517" y="0"/>
+                </a:cubicBezTo>
+                <a:cubicBezTo>
+                  <a:pt x="4747139" y="-10557"/>
+                  <a:pt x="5149588" y="8716"/>
+                  <a:pt x="5410200" y="0"/>
+                </a:cubicBezTo>
+                <a:cubicBezTo>
+                  <a:pt x="5409517" y="5414"/>
+                  <a:pt x="5409480" y="12510"/>
+                  <a:pt x="5410200" y="18288"/>
+                </a:cubicBezTo>
+                <a:cubicBezTo>
+                  <a:pt x="5163327" y="41494"/>
+                  <a:pt x="5008749" y="10693"/>
+                  <a:pt x="4842129" y="18288"/>
+                </a:cubicBezTo>
+                <a:cubicBezTo>
+                  <a:pt x="4675509" y="25883"/>
+                  <a:pt x="4433401" y="-615"/>
+                  <a:pt x="4165854" y="18288"/>
+                </a:cubicBezTo>
+                <a:cubicBezTo>
+                  <a:pt x="3898308" y="37191"/>
+                  <a:pt x="3809032" y="-8710"/>
+                  <a:pt x="3543681" y="18288"/>
+                </a:cubicBezTo>
+                <a:cubicBezTo>
+                  <a:pt x="3278330" y="45286"/>
+                  <a:pt x="3073876" y="-15917"/>
+                  <a:pt x="2759202" y="18288"/>
+                </a:cubicBezTo>
+                <a:cubicBezTo>
+                  <a:pt x="2444528" y="52493"/>
+                  <a:pt x="2204144" y="3372"/>
+                  <a:pt x="1974723" y="18288"/>
+                </a:cubicBezTo>
+                <a:cubicBezTo>
+                  <a:pt x="1745302" y="33204"/>
+                  <a:pt x="1602335" y="31490"/>
+                  <a:pt x="1406652" y="18288"/>
+                </a:cubicBezTo>
+                <a:cubicBezTo>
+                  <a:pt x="1210969" y="5086"/>
+                  <a:pt x="923948" y="3161"/>
+                  <a:pt x="730377" y="18288"/>
+                </a:cubicBezTo>
+                <a:cubicBezTo>
+                  <a:pt x="536806" y="33415"/>
+                  <a:pt x="336496" y="-141"/>
+                  <a:pt x="0" y="18288"/>
+                </a:cubicBezTo>
+                <a:cubicBezTo>
+                  <a:pt x="-306" y="11061"/>
+                  <a:pt x="-655" y="7751"/>
+                  <a:pt x="0" y="0"/>
+                </a:cubicBezTo>
+                <a:close/>
+              </a:path>
+            </a:pathLst>
+          </a:custGeom>
+          <a:solidFill>
+            <a:schemeClr val="accent2"/>
+          </a:solidFill>
+          <a:ln w="41275" cap="rnd">
+            <a:solidFill>
+              <a:schemeClr val="accent2"/>
+            </a:solidFill>
+            <a:round/>
+            <a:extLst>
+              <a:ext uri="{C807C97D-BFC1-408E-A445-0C87EB9F89A2}">
+                <ask:lineSketchStyleProps xmlns:ask="http://schemas.microsoft.com/office/drawing/2018/sketchyshapes" sd="1219033472">
+                  <a:prstGeom prst="rect">
+                    <a:avLst/>
+                  </a:prstGeom>
+                  <ask:type>
+                    <ask:lineSketchFreehand/>
+                  </ask:type>
+                </ask:lineSketchStyleProps>
+              </a:ext>
+            </a:extLst>
+          </a:ln>
+        </p:spPr>
+        <p:style>
+          <a:lnRef idx="2">
+            <a:schemeClr val="accent1">
+              <a:shade val="50000"/>
+            </a:schemeClr>
+          </a:lnRef>
+          <a:fillRef idx="1">
+            <a:schemeClr val="accent1"/>
+          </a:fillRef>
+          <a:effectRef idx="0">
+            <a:schemeClr val="accent1"/>
+          </a:effectRef>
+          <a:fontRef idx="minor">
+            <a:schemeClr val="lt1"/>
+          </a:fontRef>
+        </p:style>
+        <p:txBody>
+          <a:bodyPr rtlCol="0" anchor="ctr"/>
+          <a:lstStyle/>
+          <a:p>
+            <a:pPr algn="ctr"/>
+            <a:endParaRPr lang="en-US"/>
+          </a:p>
+        </p:txBody>
+      </p:sp>
+      <p:sp>
+        <p:nvSpPr>
+          <p:cNvPr id="4" name="Inhaltsplatzhalter 3">
+            <a:extLst>
+              <a:ext uri="{FF2B5EF4-FFF2-40B4-BE49-F238E27FC236}">
+                <a16:creationId xmlns:a16="http://schemas.microsoft.com/office/drawing/2014/main" id="{B3142A5E-AEE0-ECD6-6A37-BCB9B1CE25B6}"/>
+              </a:ext>
+            </a:extLst>
+          </p:cNvPr>
+          <p:cNvSpPr>
+            <a:spLocks noGrp="1"/>
+          </p:cNvSpPr>
+          <p:nvPr>
+            <p:ph idx="1"/>
+          </p:nvPr>
+        </p:nvSpPr>
+        <p:spPr>
+          <a:xfrm>
+            <a:off x="5516979" y="1176336"/>
+            <a:ext cx="5496687" cy="4900613"/>
+          </a:xfrm>
+        </p:spPr>
+        <p:txBody>
+          <a:bodyPr/>
+          <a:lstStyle/>
+          <a:p>
+            <a:pPr marL="0" indent="0">
+              <a:buNone/>
+            </a:pPr>
+            <a:r>
+              <a:rPr lang="de-DE" b="1" dirty="0"/>
+              <a:t>Aufgaben</a:t>
+            </a:r>
+          </a:p>
+          <a:p>
+            <a:pPr marL="0" indent="0">
+              <a:buNone/>
+            </a:pPr>
+            <a:r>
+              <a:rPr lang="de-DE" dirty="0"/>
+              <a:t>Game </a:t>
+            </a:r>
+            <a:r>
+              <a:rPr lang="de-DE" dirty="0" err="1"/>
+              <a:t>Logic</a:t>
+            </a:r>
+            <a:r>
+              <a:rPr lang="de-DE" dirty="0"/>
+              <a:t>:</a:t>
+            </a:r>
+          </a:p>
+          <a:p>
+            <a:pPr lvl="1"/>
+            <a:r>
+              <a:rPr lang="de-DE" sz="2800" dirty="0" err="1"/>
+              <a:t>Defeat</a:t>
+            </a:r>
+            <a:r>
+              <a:rPr lang="de-DE" sz="2800" dirty="0"/>
+              <a:t> </a:t>
+            </a:r>
+            <a:r>
+              <a:rPr lang="de-DE" sz="2800" dirty="0" err="1"/>
+              <a:t>logic</a:t>
+            </a:r>
+            <a:endParaRPr lang="de-DE" sz="2800" dirty="0"/>
+          </a:p>
+          <a:p>
+            <a:pPr lvl="2"/>
+            <a:r>
+              <a:rPr lang="de-DE" sz="2400" dirty="0"/>
+              <a:t>Health </a:t>
+            </a:r>
+            <a:r>
+              <a:rPr lang="de-DE" sz="2400" dirty="0" err="1"/>
+              <a:t>points</a:t>
+            </a:r>
+            <a:endParaRPr lang="de-DE" sz="2400" dirty="0"/>
+          </a:p>
+          <a:p>
+            <a:pPr lvl="2"/>
+            <a:r>
+              <a:rPr lang="de-DE" sz="2400" dirty="0"/>
+              <a:t>Damage</a:t>
+            </a:r>
+          </a:p>
+          <a:p>
+            <a:pPr lvl="1"/>
+            <a:r>
+              <a:rPr lang="de-DE" sz="2800" dirty="0" err="1"/>
+              <a:t>Outgame</a:t>
+            </a:r>
+            <a:r>
+              <a:rPr lang="de-DE" sz="2800" dirty="0"/>
+              <a:t> </a:t>
+            </a:r>
+            <a:r>
+              <a:rPr lang="de-DE" sz="2800" dirty="0" err="1"/>
+              <a:t>progress</a:t>
+            </a:r>
+            <a:endParaRPr lang="de-DE" sz="2800" dirty="0"/>
+          </a:p>
+          <a:p>
+            <a:pPr lvl="2"/>
+            <a:r>
+              <a:rPr lang="de-DE" sz="2400" dirty="0"/>
+              <a:t>Level</a:t>
+            </a:r>
+          </a:p>
+          <a:p>
+            <a:pPr lvl="3"/>
+            <a:r>
+              <a:rPr lang="de-DE" sz="2200" dirty="0" err="1"/>
+              <a:t>Unlockables</a:t>
+            </a:r>
+            <a:endParaRPr lang="de-DE" sz="2200" dirty="0"/>
+          </a:p>
+          <a:p>
+            <a:pPr lvl="1"/>
+            <a:r>
+              <a:rPr lang="de-DE" sz="2800" dirty="0" err="1"/>
+              <a:t>Ingame</a:t>
+            </a:r>
+            <a:r>
+              <a:rPr lang="de-DE" sz="2800" dirty="0"/>
+              <a:t> </a:t>
+            </a:r>
+            <a:r>
+              <a:rPr lang="de-DE" sz="2800" dirty="0" err="1"/>
+              <a:t>progess</a:t>
+            </a:r>
+            <a:endParaRPr lang="de-DE" sz="2800" dirty="0"/>
+          </a:p>
+          <a:p>
+            <a:pPr lvl="2"/>
+            <a:r>
+              <a:rPr lang="de-DE" sz="2400" dirty="0"/>
+              <a:t>Währung</a:t>
+            </a:r>
+          </a:p>
+        </p:txBody>
+      </p:sp>
+    </p:spTree>
+    <p:extLst>
+      <p:ext uri="{BB962C8B-B14F-4D97-AF65-F5344CB8AC3E}">
+        <p14:creationId xmlns:p14="http://schemas.microsoft.com/office/powerpoint/2010/main" val="1081738977"/>
+      </p:ext>
+    </p:extLst>
+  </p:cSld>
+  <p:clrMapOvr>
+    <a:masterClrMapping/>
+  </p:clrMapOvr>
+</p:sld>
+</file>
+
+<file path=ppt/slides/slide7.xml><?xml version="1.0" encoding="utf-8"?>
+<p:sld xmlns:a="http://schemas.openxmlformats.org/drawingml/2006/main" xmlns:r="http://schemas.openxmlformats.org/officeDocument/2006/relationships" xmlns:p="http://schemas.openxmlformats.org/presentationml/2006/main">
+  <p:cSld>
+    <p:bg>
+      <p:bgPr>
+        <a:solidFill>
+          <a:schemeClr val="bg1"/>
+        </a:solidFill>
+        <a:effectLst/>
+      </p:bgPr>
+    </p:bg>
+    <p:spTree>
+      <p:nvGrpSpPr>
+        <p:cNvPr id="1" name=""/>
+        <p:cNvGrpSpPr/>
+        <p:nvPr/>
+      </p:nvGrpSpPr>
+      <p:grpSpPr>
+        <a:xfrm>
+          <a:off x="0" y="0"/>
+          <a:ext cx="0" cy="0"/>
+          <a:chOff x="0" y="0"/>
+          <a:chExt cx="0" cy="0"/>
+        </a:xfrm>
+      </p:grpSpPr>
+      <p:sp useBgFill="1">
+        <p:nvSpPr>
+          <p:cNvPr id="9" name="Rectangle 8">
+            <a:extLst>
+              <a:ext uri="{FF2B5EF4-FFF2-40B4-BE49-F238E27FC236}">
+                <a16:creationId xmlns:a16="http://schemas.microsoft.com/office/drawing/2014/main" id="{2E442304-DDBD-4F7B-8017-36BCC863FB40}"/>
+              </a:ext>
+              <a:ext uri="{C183D7F6-B498-43B3-948B-1728B52AA6E4}">
+                <adec:decorative xmlns:adec="http://schemas.microsoft.com/office/drawing/2017/decorative" val="1"/>
+              </a:ext>
+            </a:extLst>
+          </p:cNvPr>
+          <p:cNvSpPr>
+            <a:spLocks noGrp="1" noRot="1" noChangeAspect="1" noMove="1" noResize="1" noEditPoints="1" noAdjustHandles="1" noChangeArrowheads="1" noChangeShapeType="1" noTextEdit="1"/>
+          </p:cNvSpPr>
+          <p:nvPr>
+            <p:extLst>
+              <p:ext uri="{386F3935-93C4-4BCD-93E2-E3B085C9AB24}">
+                <p16:designElem xmlns:p16="http://schemas.microsoft.com/office/powerpoint/2015/main" val="1"/>
+              </p:ext>
+            </p:extLst>
+          </p:nvPr>
+        </p:nvSpPr>
+        <p:spPr>
+          <a:xfrm>
+            <a:off x="0" y="0"/>
+            <a:ext cx="12188952" cy="6858000"/>
+          </a:xfrm>
+          <a:prstGeom prst="rect">
+            <a:avLst/>
+          </a:prstGeom>
+          <a:ln>
+            <a:noFill/>
+          </a:ln>
+        </p:spPr>
+        <p:style>
+          <a:lnRef idx="2">
+            <a:schemeClr val="accent1">
+              <a:shade val="50000"/>
+            </a:schemeClr>
+          </a:lnRef>
+          <a:fillRef idx="1">
+            <a:schemeClr val="accent1"/>
+          </a:fillRef>
+          <a:effectRef idx="0">
+            <a:schemeClr val="accent1"/>
+          </a:effectRef>
+          <a:fontRef idx="minor">
+            <a:schemeClr val="lt1"/>
+          </a:fontRef>
+        </p:style>
+        <p:txBody>
+          <a:bodyPr rtlCol="0" anchor="ctr"/>
+          <a:lstStyle/>
+          <a:p>
+            <a:pPr algn="ctr"/>
+            <a:endParaRPr lang="en-US"/>
+          </a:p>
+        </p:txBody>
+      </p:sp>
+      <p:sp>
+        <p:nvSpPr>
+          <p:cNvPr id="2" name="Titel 1">
+            <a:extLst>
+              <a:ext uri="{FF2B5EF4-FFF2-40B4-BE49-F238E27FC236}">
+                <a16:creationId xmlns:a16="http://schemas.microsoft.com/office/drawing/2014/main" id="{A6FA6946-44E6-FF98-DE25-366D301B1406}"/>
+              </a:ext>
+            </a:extLst>
+          </p:cNvPr>
+          <p:cNvSpPr>
+            <a:spLocks noGrp="1"/>
+          </p:cNvSpPr>
+          <p:nvPr>
+            <p:ph type="title"/>
+          </p:nvPr>
+        </p:nvSpPr>
+        <p:spPr>
+          <a:xfrm>
+            <a:off x="635000" y="640823"/>
+            <a:ext cx="3418659" cy="5583148"/>
+          </a:xfrm>
+        </p:spPr>
+        <p:txBody>
+          <a:bodyPr anchor="ctr">
+            <a:normAutofit/>
+          </a:bodyPr>
+          <a:lstStyle/>
+          <a:p>
+            <a:r>
+              <a:rPr lang="de-DE" sz="6000" b="1" dirty="0"/>
+              <a:t>Tamara Lauser / Kristina </a:t>
+            </a:r>
+            <a:r>
+              <a:rPr lang="de-DE" sz="6000" b="1" dirty="0" err="1"/>
+              <a:t>Buzko</a:t>
+            </a:r>
+            <a:endParaRPr lang="de-DE" b="1" dirty="0"/>
+          </a:p>
+        </p:txBody>
+      </p:sp>
+      <p:sp>
+        <p:nvSpPr>
+          <p:cNvPr id="11" name="sketch line">
+            <a:extLst>
+              <a:ext uri="{FF2B5EF4-FFF2-40B4-BE49-F238E27FC236}">
+                <a16:creationId xmlns:a16="http://schemas.microsoft.com/office/drawing/2014/main" id="{5E107275-3853-46FD-A241-DE4355A42675}"/>
+              </a:ext>
+              <a:ext uri="{C183D7F6-B498-43B3-948B-1728B52AA6E4}">
+                <adec:decorative xmlns:adec="http://schemas.microsoft.com/office/drawing/2017/decorative" val="1"/>
+              </a:ext>
+            </a:extLst>
+          </p:cNvPr>
+          <p:cNvSpPr>
+            <a:spLocks noGrp="1" noRot="1" noChangeAspect="1" noMove="1" noResize="1" noEditPoints="1" noAdjustHandles="1" noChangeArrowheads="1" noChangeShapeType="1" noTextEdit="1"/>
+          </p:cNvSpPr>
+          <p:nvPr>
+            <p:extLst>
+              <p:ext uri="{386F3935-93C4-4BCD-93E2-E3B085C9AB24}">
+                <p16:designElem xmlns:p16="http://schemas.microsoft.com/office/powerpoint/2015/main" val="1"/>
+              </p:ext>
+            </p:extLst>
+          </p:nvPr>
+        </p:nvSpPr>
+        <p:spPr>
+          <a:xfrm rot="5400000">
+            <a:off x="1627450" y="3462719"/>
+            <a:ext cx="5410200" cy="18288"/>
+          </a:xfrm>
+          <a:custGeom>
+            <a:avLst/>
+            <a:gdLst>
+              <a:gd name="connsiteX0" fmla="*/ 0 w 5410200"/>
+              <a:gd name="connsiteY0" fmla="*/ 0 h 18288"/>
+              <a:gd name="connsiteX1" fmla="*/ 568071 w 5410200"/>
+              <a:gd name="connsiteY1" fmla="*/ 0 h 18288"/>
+              <a:gd name="connsiteX2" fmla="*/ 1298448 w 5410200"/>
+              <a:gd name="connsiteY2" fmla="*/ 0 h 18288"/>
+              <a:gd name="connsiteX3" fmla="*/ 1920621 w 5410200"/>
+              <a:gd name="connsiteY3" fmla="*/ 0 h 18288"/>
+              <a:gd name="connsiteX4" fmla="*/ 2488692 w 5410200"/>
+              <a:gd name="connsiteY4" fmla="*/ 0 h 18288"/>
+              <a:gd name="connsiteX5" fmla="*/ 3219069 w 5410200"/>
+              <a:gd name="connsiteY5" fmla="*/ 0 h 18288"/>
+              <a:gd name="connsiteX6" fmla="*/ 3895344 w 5410200"/>
+              <a:gd name="connsiteY6" fmla="*/ 0 h 18288"/>
+              <a:gd name="connsiteX7" fmla="*/ 4571619 w 5410200"/>
+              <a:gd name="connsiteY7" fmla="*/ 0 h 18288"/>
+              <a:gd name="connsiteX8" fmla="*/ 5410200 w 5410200"/>
+              <a:gd name="connsiteY8" fmla="*/ 0 h 18288"/>
+              <a:gd name="connsiteX9" fmla="*/ 5410200 w 5410200"/>
+              <a:gd name="connsiteY9" fmla="*/ 18288 h 18288"/>
+              <a:gd name="connsiteX10" fmla="*/ 4842129 w 5410200"/>
+              <a:gd name="connsiteY10" fmla="*/ 18288 h 18288"/>
+              <a:gd name="connsiteX11" fmla="*/ 4328160 w 5410200"/>
+              <a:gd name="connsiteY11" fmla="*/ 18288 h 18288"/>
+              <a:gd name="connsiteX12" fmla="*/ 3597783 w 5410200"/>
+              <a:gd name="connsiteY12" fmla="*/ 18288 h 18288"/>
+              <a:gd name="connsiteX13" fmla="*/ 3029712 w 5410200"/>
+              <a:gd name="connsiteY13" fmla="*/ 18288 h 18288"/>
+              <a:gd name="connsiteX14" fmla="*/ 2299335 w 5410200"/>
+              <a:gd name="connsiteY14" fmla="*/ 18288 h 18288"/>
+              <a:gd name="connsiteX15" fmla="*/ 1514856 w 5410200"/>
+              <a:gd name="connsiteY15" fmla="*/ 18288 h 18288"/>
+              <a:gd name="connsiteX16" fmla="*/ 892683 w 5410200"/>
+              <a:gd name="connsiteY16" fmla="*/ 18288 h 18288"/>
+              <a:gd name="connsiteX17" fmla="*/ 0 w 5410200"/>
+              <a:gd name="connsiteY17" fmla="*/ 18288 h 18288"/>
+              <a:gd name="connsiteX18" fmla="*/ 0 w 5410200"/>
+              <a:gd name="connsiteY18" fmla="*/ 0 h 18288"/>
+            </a:gdLst>
+            <a:ahLst/>
+            <a:cxnLst>
+              <a:cxn ang="0">
+                <a:pos x="connsiteX0" y="connsiteY0"/>
+              </a:cxn>
+              <a:cxn ang="0">
+                <a:pos x="connsiteX1" y="connsiteY1"/>
+              </a:cxn>
+              <a:cxn ang="0">
+                <a:pos x="connsiteX2" y="connsiteY2"/>
+              </a:cxn>
+              <a:cxn ang="0">
+                <a:pos x="connsiteX3" y="connsiteY3"/>
+              </a:cxn>
+              <a:cxn ang="0">
+                <a:pos x="connsiteX4" y="connsiteY4"/>
+              </a:cxn>
+              <a:cxn ang="0">
+                <a:pos x="connsiteX5" y="connsiteY5"/>
+              </a:cxn>
+              <a:cxn ang="0">
+                <a:pos x="connsiteX6" y="connsiteY6"/>
+              </a:cxn>
+              <a:cxn ang="0">
+                <a:pos x="connsiteX7" y="connsiteY7"/>
+              </a:cxn>
+              <a:cxn ang="0">
+                <a:pos x="connsiteX8" y="connsiteY8"/>
+              </a:cxn>
+              <a:cxn ang="0">
+                <a:pos x="connsiteX9" y="connsiteY9"/>
+              </a:cxn>
+              <a:cxn ang="0">
+                <a:pos x="connsiteX10" y="connsiteY10"/>
+              </a:cxn>
+              <a:cxn ang="0">
+                <a:pos x="connsiteX11" y="connsiteY11"/>
+              </a:cxn>
+              <a:cxn ang="0">
+                <a:pos x="connsiteX12" y="connsiteY12"/>
+              </a:cxn>
+              <a:cxn ang="0">
+                <a:pos x="connsiteX13" y="connsiteY13"/>
+              </a:cxn>
+              <a:cxn ang="0">
+                <a:pos x="connsiteX14" y="connsiteY14"/>
+              </a:cxn>
+              <a:cxn ang="0">
+                <a:pos x="connsiteX15" y="connsiteY15"/>
+              </a:cxn>
+              <a:cxn ang="0">
+                <a:pos x="connsiteX16" y="connsiteY16"/>
+              </a:cxn>
+              <a:cxn ang="0">
+                <a:pos x="connsiteX17" y="connsiteY17"/>
+              </a:cxn>
+              <a:cxn ang="0">
+                <a:pos x="connsiteX18" y="connsiteY18"/>
+              </a:cxn>
+            </a:cxnLst>
+            <a:rect l="l" t="t" r="r" b="b"/>
+            <a:pathLst>
+              <a:path w="5410200" h="18288" fill="none" extrusionOk="0">
+                <a:moveTo>
+                  <a:pt x="0" y="0"/>
+                </a:moveTo>
+                <a:cubicBezTo>
+                  <a:pt x="163050" y="-18707"/>
+                  <a:pt x="319321" y="-16364"/>
+                  <a:pt x="568071" y="0"/>
+                </a:cubicBezTo>
+                <a:cubicBezTo>
+                  <a:pt x="816821" y="16364"/>
+                  <a:pt x="1013224" y="-7268"/>
+                  <a:pt x="1298448" y="0"/>
+                </a:cubicBezTo>
+                <a:cubicBezTo>
+                  <a:pt x="1583672" y="7268"/>
+                  <a:pt x="1631711" y="-3367"/>
+                  <a:pt x="1920621" y="0"/>
+                </a:cubicBezTo>
+                <a:cubicBezTo>
+                  <a:pt x="2209531" y="3367"/>
+                  <a:pt x="2364420" y="-19184"/>
+                  <a:pt x="2488692" y="0"/>
+                </a:cubicBezTo>
+                <a:cubicBezTo>
+                  <a:pt x="2612964" y="19184"/>
+                  <a:pt x="3023298" y="-34627"/>
+                  <a:pt x="3219069" y="0"/>
+                </a:cubicBezTo>
+                <a:cubicBezTo>
+                  <a:pt x="3414840" y="34627"/>
+                  <a:pt x="3656810" y="24043"/>
+                  <a:pt x="3895344" y="0"/>
+                </a:cubicBezTo>
+                <a:cubicBezTo>
+                  <a:pt x="4133879" y="-24043"/>
+                  <a:pt x="4393984" y="-19577"/>
+                  <a:pt x="4571619" y="0"/>
+                </a:cubicBezTo>
+                <a:cubicBezTo>
+                  <a:pt x="4749255" y="19577"/>
+                  <a:pt x="5179928" y="-6281"/>
+                  <a:pt x="5410200" y="0"/>
+                </a:cubicBezTo>
+                <a:cubicBezTo>
+                  <a:pt x="5410730" y="6954"/>
+                  <a:pt x="5410934" y="12839"/>
+                  <a:pt x="5410200" y="18288"/>
+                </a:cubicBezTo>
+                <a:cubicBezTo>
+                  <a:pt x="5139060" y="6751"/>
+                  <a:pt x="5121593" y="31035"/>
+                  <a:pt x="4842129" y="18288"/>
+                </a:cubicBezTo>
+                <a:cubicBezTo>
+                  <a:pt x="4562665" y="5541"/>
+                  <a:pt x="4448273" y="9487"/>
+                  <a:pt x="4328160" y="18288"/>
+                </a:cubicBezTo>
+                <a:cubicBezTo>
+                  <a:pt x="4208047" y="27089"/>
+                  <a:pt x="3760936" y="22567"/>
+                  <a:pt x="3597783" y="18288"/>
+                </a:cubicBezTo>
+                <a:cubicBezTo>
+                  <a:pt x="3434630" y="14009"/>
+                  <a:pt x="3299718" y="33213"/>
+                  <a:pt x="3029712" y="18288"/>
+                </a:cubicBezTo>
+                <a:cubicBezTo>
+                  <a:pt x="2759706" y="3363"/>
+                  <a:pt x="2640159" y="27394"/>
+                  <a:pt x="2299335" y="18288"/>
+                </a:cubicBezTo>
+                <a:cubicBezTo>
+                  <a:pt x="1958511" y="9182"/>
+                  <a:pt x="1801186" y="28985"/>
+                  <a:pt x="1514856" y="18288"/>
+                </a:cubicBezTo>
+                <a:cubicBezTo>
+                  <a:pt x="1228526" y="7591"/>
+                  <a:pt x="1063509" y="-5305"/>
+                  <a:pt x="892683" y="18288"/>
+                </a:cubicBezTo>
+                <a:cubicBezTo>
+                  <a:pt x="721857" y="41881"/>
+                  <a:pt x="186945" y="-20897"/>
+                  <a:pt x="0" y="18288"/>
+                </a:cubicBezTo>
+                <a:cubicBezTo>
+                  <a:pt x="-570" y="9279"/>
+                  <a:pt x="132" y="5100"/>
+                  <a:pt x="0" y="0"/>
+                </a:cubicBezTo>
+                <a:close/>
+              </a:path>
+              <a:path w="5410200" h="18288" stroke="0" extrusionOk="0">
+                <a:moveTo>
+                  <a:pt x="0" y="0"/>
+                </a:moveTo>
+                <a:cubicBezTo>
+                  <a:pt x="285096" y="-4925"/>
+                  <a:pt x="376456" y="22268"/>
+                  <a:pt x="622173" y="0"/>
+                </a:cubicBezTo>
+                <a:cubicBezTo>
+                  <a:pt x="867890" y="-22268"/>
+                  <a:pt x="1031392" y="7228"/>
+                  <a:pt x="1136142" y="0"/>
+                </a:cubicBezTo>
+                <a:cubicBezTo>
+                  <a:pt x="1240892" y="-7228"/>
+                  <a:pt x="1561853" y="9877"/>
+                  <a:pt x="1920621" y="0"/>
+                </a:cubicBezTo>
+                <a:cubicBezTo>
+                  <a:pt x="2279389" y="-9877"/>
+                  <a:pt x="2367255" y="19546"/>
+                  <a:pt x="2542794" y="0"/>
+                </a:cubicBezTo>
+                <a:cubicBezTo>
+                  <a:pt x="2718333" y="-19546"/>
+                  <a:pt x="2866732" y="-22226"/>
+                  <a:pt x="3164967" y="0"/>
+                </a:cubicBezTo>
+                <a:cubicBezTo>
+                  <a:pt x="3463202" y="22226"/>
+                  <a:pt x="3568055" y="-2765"/>
+                  <a:pt x="3949446" y="0"/>
+                </a:cubicBezTo>
+                <a:cubicBezTo>
+                  <a:pt x="4330837" y="2765"/>
+                  <a:pt x="4287895" y="10557"/>
+                  <a:pt x="4517517" y="0"/>
+                </a:cubicBezTo>
+                <a:cubicBezTo>
+                  <a:pt x="4747139" y="-10557"/>
+                  <a:pt x="5149588" y="8716"/>
+                  <a:pt x="5410200" y="0"/>
+                </a:cubicBezTo>
+                <a:cubicBezTo>
+                  <a:pt x="5409517" y="5414"/>
+                  <a:pt x="5409480" y="12510"/>
+                  <a:pt x="5410200" y="18288"/>
+                </a:cubicBezTo>
+                <a:cubicBezTo>
+                  <a:pt x="5163327" y="41494"/>
+                  <a:pt x="5008749" y="10693"/>
+                  <a:pt x="4842129" y="18288"/>
+                </a:cubicBezTo>
+                <a:cubicBezTo>
+                  <a:pt x="4675509" y="25883"/>
+                  <a:pt x="4433401" y="-615"/>
+                  <a:pt x="4165854" y="18288"/>
+                </a:cubicBezTo>
+                <a:cubicBezTo>
+                  <a:pt x="3898308" y="37191"/>
+                  <a:pt x="3809032" y="-8710"/>
+                  <a:pt x="3543681" y="18288"/>
+                </a:cubicBezTo>
+                <a:cubicBezTo>
+                  <a:pt x="3278330" y="45286"/>
+                  <a:pt x="3073876" y="-15917"/>
+                  <a:pt x="2759202" y="18288"/>
+                </a:cubicBezTo>
+                <a:cubicBezTo>
+                  <a:pt x="2444528" y="52493"/>
+                  <a:pt x="2204144" y="3372"/>
+                  <a:pt x="1974723" y="18288"/>
+                </a:cubicBezTo>
+                <a:cubicBezTo>
+                  <a:pt x="1745302" y="33204"/>
+                  <a:pt x="1602335" y="31490"/>
+                  <a:pt x="1406652" y="18288"/>
+                </a:cubicBezTo>
+                <a:cubicBezTo>
+                  <a:pt x="1210969" y="5086"/>
+                  <a:pt x="923948" y="3161"/>
+                  <a:pt x="730377" y="18288"/>
+                </a:cubicBezTo>
+                <a:cubicBezTo>
+                  <a:pt x="536806" y="33415"/>
+                  <a:pt x="336496" y="-141"/>
+                  <a:pt x="0" y="18288"/>
+                </a:cubicBezTo>
+                <a:cubicBezTo>
+                  <a:pt x="-306" y="11061"/>
+                  <a:pt x="-655" y="7751"/>
+                  <a:pt x="0" y="0"/>
+                </a:cubicBezTo>
+                <a:close/>
+              </a:path>
+            </a:pathLst>
+          </a:custGeom>
+          <a:solidFill>
+            <a:schemeClr val="accent2"/>
+          </a:solidFill>
+          <a:ln w="41275" cap="rnd">
+            <a:solidFill>
+              <a:schemeClr val="accent2"/>
+            </a:solidFill>
+            <a:round/>
+            <a:extLst>
+              <a:ext uri="{C807C97D-BFC1-408E-A445-0C87EB9F89A2}">
+                <ask:lineSketchStyleProps xmlns:ask="http://schemas.microsoft.com/office/drawing/2018/sketchyshapes" sd="1219033472">
+                  <a:prstGeom prst="rect">
+                    <a:avLst/>
+                  </a:prstGeom>
+                  <ask:type>
+                    <ask:lineSketchFreehand/>
+                  </ask:type>
+                </ask:lineSketchStyleProps>
+              </a:ext>
+            </a:extLst>
+          </a:ln>
+        </p:spPr>
+        <p:style>
+          <a:lnRef idx="2">
+            <a:schemeClr val="accent1">
+              <a:shade val="50000"/>
+            </a:schemeClr>
+          </a:lnRef>
+          <a:fillRef idx="1">
+            <a:schemeClr val="accent1"/>
+          </a:fillRef>
+          <a:effectRef idx="0">
+            <a:schemeClr val="accent1"/>
+          </a:effectRef>
+          <a:fontRef idx="minor">
+            <a:schemeClr val="lt1"/>
+          </a:fontRef>
+        </p:style>
+        <p:txBody>
+          <a:bodyPr rtlCol="0" anchor="ctr"/>
+          <a:lstStyle/>
+          <a:p>
+            <a:pPr algn="ctr"/>
+            <a:endParaRPr lang="en-US"/>
+          </a:p>
+        </p:txBody>
+      </p:sp>
+      <p:sp>
+        <p:nvSpPr>
+          <p:cNvPr id="4" name="Inhaltsplatzhalter 3">
+            <a:extLst>
+              <a:ext uri="{FF2B5EF4-FFF2-40B4-BE49-F238E27FC236}">
+                <a16:creationId xmlns:a16="http://schemas.microsoft.com/office/drawing/2014/main" id="{B3142A5E-AEE0-ECD6-6A37-BCB9B1CE25B6}"/>
+              </a:ext>
+            </a:extLst>
+          </p:cNvPr>
+          <p:cNvSpPr>
+            <a:spLocks noGrp="1"/>
+          </p:cNvSpPr>
+          <p:nvPr>
+            <p:ph idx="1"/>
+          </p:nvPr>
+        </p:nvSpPr>
+        <p:spPr>
+          <a:xfrm>
+            <a:off x="5516979" y="1176336"/>
+            <a:ext cx="5496687" cy="4900613"/>
+          </a:xfrm>
+        </p:spPr>
+        <p:txBody>
+          <a:bodyPr>
+            <a:normAutofit lnSpcReduction="10000"/>
+          </a:bodyPr>
+          <a:lstStyle/>
+          <a:p>
+            <a:pPr marL="0" indent="0">
+              <a:buNone/>
+            </a:pPr>
+            <a:r>
+              <a:rPr lang="de-DE" b="1" dirty="0"/>
+              <a:t>Aufgaben</a:t>
+            </a:r>
+          </a:p>
+          <a:p>
+            <a:pPr marL="0" indent="0">
+              <a:buNone/>
+            </a:pPr>
+            <a:r>
+              <a:rPr lang="de-DE" dirty="0"/>
+              <a:t>Models</a:t>
+            </a:r>
+          </a:p>
+          <a:p>
+            <a:pPr lvl="1"/>
+            <a:r>
+              <a:rPr lang="de-DE" dirty="0" err="1"/>
+              <a:t>Map</a:t>
+            </a:r>
+            <a:r>
+              <a:rPr lang="de-DE" dirty="0"/>
+              <a:t> design</a:t>
+            </a:r>
+          </a:p>
+          <a:p>
+            <a:pPr lvl="1"/>
+            <a:r>
+              <a:rPr lang="de-DE" dirty="0"/>
+              <a:t>Environment</a:t>
+            </a:r>
+          </a:p>
+          <a:p>
+            <a:pPr lvl="2"/>
+            <a:r>
+              <a:rPr lang="de-DE" dirty="0"/>
+              <a:t>Clouds</a:t>
+            </a:r>
+          </a:p>
+          <a:p>
+            <a:pPr lvl="2"/>
+            <a:r>
+              <a:rPr lang="de-DE" dirty="0"/>
+              <a:t>Streets</a:t>
+            </a:r>
+          </a:p>
+          <a:p>
+            <a:pPr lvl="2"/>
+            <a:r>
+              <a:rPr lang="de-DE" dirty="0"/>
+              <a:t>Castle</a:t>
+            </a:r>
+          </a:p>
+          <a:p>
+            <a:pPr lvl="2"/>
+            <a:r>
+              <a:rPr lang="de-DE" dirty="0" err="1"/>
+              <a:t>Trees</a:t>
+            </a:r>
+            <a:endParaRPr lang="de-DE" dirty="0"/>
+          </a:p>
+          <a:p>
+            <a:pPr lvl="2"/>
+            <a:r>
+              <a:rPr lang="de-DE" dirty="0"/>
+              <a:t>Grass</a:t>
+            </a:r>
+          </a:p>
+          <a:p>
+            <a:pPr lvl="2"/>
+            <a:r>
+              <a:rPr lang="de-DE" dirty="0"/>
+              <a:t>Flowers</a:t>
+            </a:r>
+          </a:p>
+          <a:p>
+            <a:pPr lvl="2"/>
+            <a:r>
+              <a:rPr lang="de-DE" dirty="0"/>
+              <a:t>Etc.</a:t>
+            </a:r>
+          </a:p>
+          <a:p>
+            <a:pPr lvl="1"/>
+            <a:r>
+              <a:rPr lang="de-DE" dirty="0" err="1"/>
+              <a:t>Weapons</a:t>
+            </a:r>
+            <a:endParaRPr lang="de-DE" dirty="0"/>
+          </a:p>
+          <a:p>
+            <a:pPr lvl="2"/>
+            <a:r>
+              <a:rPr lang="de-DE" dirty="0"/>
+              <a:t>Dart Models</a:t>
+            </a:r>
+          </a:p>
+          <a:p>
+            <a:pPr lvl="2"/>
+            <a:r>
+              <a:rPr lang="de-DE" dirty="0"/>
+              <a:t>Weapon Models</a:t>
+            </a:r>
+          </a:p>
+        </p:txBody>
+      </p:sp>
+    </p:spTree>
+    <p:extLst>
+      <p:ext uri="{BB962C8B-B14F-4D97-AF65-F5344CB8AC3E}">
+        <p14:creationId xmlns:p14="http://schemas.microsoft.com/office/powerpoint/2010/main" val="1672349075"/>
+      </p:ext>
+    </p:extLst>
+  </p:cSld>
+  <p:clrMapOvr>
+    <a:masterClrMapping/>
+  </p:clrMapOvr>
+</p:sld>
+</file>
+
+<file path=ppt/slides/slide8.xml><?xml version="1.0" encoding="utf-8"?>
+<p:sld xmlns:a="http://schemas.openxmlformats.org/drawingml/2006/main" xmlns:r="http://schemas.openxmlformats.org/officeDocument/2006/relationships" xmlns:p="http://schemas.openxmlformats.org/presentationml/2006/main">
+  <p:cSld>
+    <p:bg>
+      <p:bgPr>
+        <a:solidFill>
+          <a:schemeClr val="bg1"/>
+        </a:solidFill>
+        <a:effectLst/>
+      </p:bgPr>
+    </p:bg>
+    <p:spTree>
+      <p:nvGrpSpPr>
+        <p:cNvPr id="1" name=""/>
+        <p:cNvGrpSpPr/>
+        <p:nvPr/>
+      </p:nvGrpSpPr>
+      <p:grpSpPr>
+        <a:xfrm>
+          <a:off x="0" y="0"/>
+          <a:ext cx="0" cy="0"/>
+          <a:chOff x="0" y="0"/>
+          <a:chExt cx="0" cy="0"/>
+        </a:xfrm>
+      </p:grpSpPr>
+      <p:sp useBgFill="1">
+        <p:nvSpPr>
+          <p:cNvPr id="2097" name="Rectangle 2096">
+            <a:extLst>
+              <a:ext uri="{FF2B5EF4-FFF2-40B4-BE49-F238E27FC236}">
+                <a16:creationId xmlns:a16="http://schemas.microsoft.com/office/drawing/2014/main" id="{F35DB090-93B5-4581-8D71-BB3839684BFF}"/>
+              </a:ext>
+              <a:ext uri="{C183D7F6-B498-43B3-948B-1728B52AA6E4}">
+                <adec:decorative xmlns:adec="http://schemas.microsoft.com/office/drawing/2017/decorative" val="1"/>
+              </a:ext>
+            </a:extLst>
+          </p:cNvPr>
+          <p:cNvSpPr>
+            <a:spLocks noGrp="1" noRot="1" noChangeAspect="1" noMove="1" noResize="1" noEditPoints="1" noAdjustHandles="1" noChangeArrowheads="1" noChangeShapeType="1" noTextEdit="1"/>
+          </p:cNvSpPr>
+          <p:nvPr>
+            <p:extLst>
+              <p:ext uri="{386F3935-93C4-4BCD-93E2-E3B085C9AB24}">
+                <p16:designElem xmlns:p16="http://schemas.microsoft.com/office/powerpoint/2015/main" val="1"/>
+              </p:ext>
+            </p:extLst>
+          </p:nvPr>
+        </p:nvSpPr>
+        <p:spPr>
+          <a:xfrm>
+            <a:off x="0" y="0"/>
+            <a:ext cx="12188952" cy="6858000"/>
+          </a:xfrm>
+          <a:prstGeom prst="rect">
+            <a:avLst/>
+          </a:prstGeom>
+          <a:ln>
+            <a:noFill/>
+          </a:ln>
+        </p:spPr>
+        <p:style>
+          <a:lnRef idx="2">
+            <a:schemeClr val="accent1">
+              <a:shade val="50000"/>
+            </a:schemeClr>
+          </a:lnRef>
+          <a:fillRef idx="1">
+            <a:schemeClr val="accent1"/>
+          </a:fillRef>
+          <a:effectRef idx="0">
+            <a:schemeClr val="accent1"/>
+          </a:effectRef>
+          <a:fontRef idx="minor">
+            <a:schemeClr val="lt1"/>
+          </a:fontRef>
+        </p:style>
+        <p:txBody>
+          <a:bodyPr rtlCol="0" anchor="ctr"/>
+          <a:lstStyle/>
+          <a:p>
+            <a:pPr algn="ctr"/>
+            <a:endParaRPr lang="en-US"/>
+          </a:p>
+        </p:txBody>
+      </p:sp>
+      <p:sp>
+        <p:nvSpPr>
+          <p:cNvPr id="2102" name="Freeform: Shape 2098">
+            <a:extLst>
+              <a:ext uri="{FF2B5EF4-FFF2-40B4-BE49-F238E27FC236}">
+                <a16:creationId xmlns:a16="http://schemas.microsoft.com/office/drawing/2014/main" id="{A0DE92DF-4769-4DE9-93FD-EE31271850CA}"/>
+              </a:ext>
+              <a:ext uri="{C183D7F6-B498-43B3-948B-1728B52AA6E4}">
+                <adec:decorative xmlns:adec="http://schemas.microsoft.com/office/drawing/2017/decorative" val="1"/>
+              </a:ext>
+            </a:extLst>
+          </p:cNvPr>
+          <p:cNvSpPr>
+            <a:spLocks noGrp="1" noRot="1" noChangeAspect="1" noMove="1" noResize="1" noEditPoints="1" noAdjustHandles="1" noChangeArrowheads="1" noChangeShapeType="1" noTextEdit="1"/>
+          </p:cNvSpPr>
+          <p:nvPr>
+            <p:extLst>
+              <p:ext uri="{386F3935-93C4-4BCD-93E2-E3B085C9AB24}">
+                <p16:designElem xmlns:p16="http://schemas.microsoft.com/office/powerpoint/2015/main" val="1"/>
+              </p:ext>
+            </p:extLst>
+          </p:nvPr>
+        </p:nvSpPr>
+        <p:spPr>
+          <a:xfrm>
+            <a:off x="4719619" y="0"/>
+            <a:ext cx="7472381" cy="6858000"/>
+          </a:xfrm>
+          <a:custGeom>
+            <a:avLst/>
+            <a:gdLst>
+              <a:gd name="connsiteX0" fmla="*/ 1232666 w 7472381"/>
+              <a:gd name="connsiteY0" fmla="*/ 0 h 6886575"/>
+              <a:gd name="connsiteX1" fmla="*/ 7472381 w 7472381"/>
+              <a:gd name="connsiteY1" fmla="*/ 0 h 6886575"/>
+              <a:gd name="connsiteX2" fmla="*/ 7472381 w 7472381"/>
+              <a:gd name="connsiteY2" fmla="*/ 814388 h 6886575"/>
+              <a:gd name="connsiteX3" fmla="*/ 7472381 w 7472381"/>
+              <a:gd name="connsiteY3" fmla="*/ 6411516 h 6886575"/>
+              <a:gd name="connsiteX4" fmla="*/ 7472381 w 7472381"/>
+              <a:gd name="connsiteY4" fmla="*/ 6886575 h 6886575"/>
+              <a:gd name="connsiteX5" fmla="*/ 6992676 w 7472381"/>
+              <a:gd name="connsiteY5" fmla="*/ 6886575 h 6886575"/>
+              <a:gd name="connsiteX6" fmla="*/ 1946893 w 7472381"/>
+              <a:gd name="connsiteY6" fmla="*/ 6886575 h 6886575"/>
+              <a:gd name="connsiteX7" fmla="*/ 1506276 w 7472381"/>
+              <a:gd name="connsiteY7" fmla="*/ 6686550 h 6886575"/>
+              <a:gd name="connsiteX8" fmla="*/ 1314394 w 7472381"/>
+              <a:gd name="connsiteY8" fmla="*/ 6457949 h 6886575"/>
+              <a:gd name="connsiteX9" fmla="*/ 1246880 w 7472381"/>
+              <a:gd name="connsiteY9" fmla="*/ 6393656 h 6886575"/>
+              <a:gd name="connsiteX10" fmla="*/ 1079872 w 7472381"/>
+              <a:gd name="connsiteY10" fmla="*/ 6307931 h 6886575"/>
+              <a:gd name="connsiteX11" fmla="*/ 788495 w 7472381"/>
+              <a:gd name="connsiteY11" fmla="*/ 6125765 h 6886575"/>
+              <a:gd name="connsiteX12" fmla="*/ 895097 w 7472381"/>
+              <a:gd name="connsiteY12" fmla="*/ 6082903 h 6886575"/>
+              <a:gd name="connsiteX13" fmla="*/ 1204239 w 7472381"/>
+              <a:gd name="connsiteY13" fmla="*/ 6193631 h 6886575"/>
+              <a:gd name="connsiteX14" fmla="*/ 1428102 w 7472381"/>
+              <a:gd name="connsiteY14" fmla="*/ 6222206 h 6886575"/>
+              <a:gd name="connsiteX15" fmla="*/ 1111852 w 7472381"/>
+              <a:gd name="connsiteY15" fmla="*/ 6029325 h 6886575"/>
+              <a:gd name="connsiteX16" fmla="*/ 806262 w 7472381"/>
+              <a:gd name="connsiteY16" fmla="*/ 5779294 h 6886575"/>
+              <a:gd name="connsiteX17" fmla="*/ 1040785 w 7472381"/>
+              <a:gd name="connsiteY17" fmla="*/ 5825728 h 6886575"/>
+              <a:gd name="connsiteX18" fmla="*/ 1051445 w 7472381"/>
+              <a:gd name="connsiteY18" fmla="*/ 5793581 h 6886575"/>
+              <a:gd name="connsiteX19" fmla="*/ 845349 w 7472381"/>
+              <a:gd name="connsiteY19" fmla="*/ 5497115 h 6886575"/>
+              <a:gd name="connsiteX20" fmla="*/ 745855 w 7472381"/>
+              <a:gd name="connsiteY20" fmla="*/ 5375672 h 6886575"/>
+              <a:gd name="connsiteX21" fmla="*/ 291024 w 7472381"/>
+              <a:gd name="connsiteY21" fmla="*/ 5014913 h 6886575"/>
+              <a:gd name="connsiteX22" fmla="*/ 724535 w 7472381"/>
+              <a:gd name="connsiteY22" fmla="*/ 5175647 h 6886575"/>
+              <a:gd name="connsiteX23" fmla="*/ 276811 w 7472381"/>
+              <a:gd name="connsiteY23" fmla="*/ 4825603 h 6886575"/>
+              <a:gd name="connsiteX24" fmla="*/ 60055 w 7472381"/>
+              <a:gd name="connsiteY24" fmla="*/ 4697016 h 6886575"/>
+              <a:gd name="connsiteX25" fmla="*/ 6755 w 7472381"/>
+              <a:gd name="connsiteY25" fmla="*/ 4622006 h 6886575"/>
+              <a:gd name="connsiteX26" fmla="*/ 102696 w 7472381"/>
+              <a:gd name="connsiteY26" fmla="*/ 4604146 h 6886575"/>
+              <a:gd name="connsiteX27" fmla="*/ 397625 w 7472381"/>
+              <a:gd name="connsiteY27" fmla="*/ 4632722 h 6886575"/>
+              <a:gd name="connsiteX28" fmla="*/ 31628 w 7472381"/>
+              <a:gd name="connsiteY28" fmla="*/ 4396978 h 6886575"/>
+              <a:gd name="connsiteX29" fmla="*/ 305237 w 7472381"/>
+              <a:gd name="connsiteY29" fmla="*/ 4432697 h 6886575"/>
+              <a:gd name="connsiteX30" fmla="*/ 383412 w 7472381"/>
+              <a:gd name="connsiteY30" fmla="*/ 4339828 h 6886575"/>
+              <a:gd name="connsiteX31" fmla="*/ 511333 w 7472381"/>
+              <a:gd name="connsiteY31" fmla="*/ 4189810 h 6886575"/>
+              <a:gd name="connsiteX32" fmla="*/ 600167 w 7472381"/>
+              <a:gd name="connsiteY32" fmla="*/ 4107656 h 6886575"/>
+              <a:gd name="connsiteX33" fmla="*/ 635701 w 7472381"/>
+              <a:gd name="connsiteY33" fmla="*/ 3843337 h 6886575"/>
+              <a:gd name="connsiteX34" fmla="*/ 561080 w 7472381"/>
+              <a:gd name="connsiteY34" fmla="*/ 3554015 h 6886575"/>
+              <a:gd name="connsiteX35" fmla="*/ 354985 w 7472381"/>
+              <a:gd name="connsiteY35" fmla="*/ 3407569 h 6886575"/>
+              <a:gd name="connsiteX36" fmla="*/ 415392 w 7472381"/>
+              <a:gd name="connsiteY36" fmla="*/ 3243263 h 6886575"/>
+              <a:gd name="connsiteX37" fmla="*/ 852456 w 7472381"/>
+              <a:gd name="connsiteY37" fmla="*/ 3343275 h 6886575"/>
+              <a:gd name="connsiteX38" fmla="*/ 202190 w 7472381"/>
+              <a:gd name="connsiteY38" fmla="*/ 2953940 h 6886575"/>
+              <a:gd name="connsiteX39" fmla="*/ 312344 w 7472381"/>
+              <a:gd name="connsiteY39" fmla="*/ 2936081 h 6886575"/>
+              <a:gd name="connsiteX40" fmla="*/ 706768 w 7472381"/>
+              <a:gd name="connsiteY40" fmla="*/ 2714625 h 6886575"/>
+              <a:gd name="connsiteX41" fmla="*/ 728088 w 7472381"/>
+              <a:gd name="connsiteY41" fmla="*/ 2703909 h 6886575"/>
+              <a:gd name="connsiteX42" fmla="*/ 795602 w 7472381"/>
+              <a:gd name="connsiteY42" fmla="*/ 2564606 h 6886575"/>
+              <a:gd name="connsiteX43" fmla="*/ 1008804 w 7472381"/>
+              <a:gd name="connsiteY43" fmla="*/ 2543175 h 6886575"/>
+              <a:gd name="connsiteX44" fmla="*/ 1186473 w 7472381"/>
+              <a:gd name="connsiteY44" fmla="*/ 2575322 h 6886575"/>
+              <a:gd name="connsiteX45" fmla="*/ 1378355 w 7472381"/>
+              <a:gd name="connsiteY45" fmla="*/ 2536031 h 6886575"/>
+              <a:gd name="connsiteX46" fmla="*/ 1548916 w 7472381"/>
+              <a:gd name="connsiteY46" fmla="*/ 2553891 h 6886575"/>
+              <a:gd name="connsiteX47" fmla="*/ 1694604 w 7472381"/>
+              <a:gd name="connsiteY47" fmla="*/ 2528888 h 6886575"/>
+              <a:gd name="connsiteX48" fmla="*/ 1552469 w 7472381"/>
+              <a:gd name="connsiteY48" fmla="*/ 2411015 h 6886575"/>
+              <a:gd name="connsiteX49" fmla="*/ 1353481 w 7472381"/>
+              <a:gd name="connsiteY49" fmla="*/ 2411015 h 6886575"/>
+              <a:gd name="connsiteX50" fmla="*/ 1211346 w 7472381"/>
+              <a:gd name="connsiteY50" fmla="*/ 2336007 h 6886575"/>
+              <a:gd name="connsiteX51" fmla="*/ 1076318 w 7472381"/>
+              <a:gd name="connsiteY51" fmla="*/ 2200275 h 6886575"/>
+              <a:gd name="connsiteX52" fmla="*/ 600167 w 7472381"/>
+              <a:gd name="connsiteY52" fmla="*/ 1982390 h 6886575"/>
+              <a:gd name="connsiteX53" fmla="*/ 514886 w 7472381"/>
+              <a:gd name="connsiteY53" fmla="*/ 1900238 h 6886575"/>
+              <a:gd name="connsiteX54" fmla="*/ 1872273 w 7472381"/>
+              <a:gd name="connsiteY54" fmla="*/ 2218135 h 6886575"/>
+              <a:gd name="connsiteX55" fmla="*/ 1452975 w 7472381"/>
+              <a:gd name="connsiteY55" fmla="*/ 2085975 h 6886575"/>
+              <a:gd name="connsiteX56" fmla="*/ 1737245 w 7472381"/>
+              <a:gd name="connsiteY56" fmla="*/ 2110978 h 6886575"/>
+              <a:gd name="connsiteX57" fmla="*/ 1893593 w 7472381"/>
+              <a:gd name="connsiteY57" fmla="*/ 2021681 h 6886575"/>
+              <a:gd name="connsiteX58" fmla="*/ 1893593 w 7472381"/>
+              <a:gd name="connsiteY58" fmla="*/ 1993106 h 6886575"/>
+              <a:gd name="connsiteX59" fmla="*/ 1776332 w 7472381"/>
+              <a:gd name="connsiteY59" fmla="*/ 1910953 h 6886575"/>
+              <a:gd name="connsiteX60" fmla="*/ 1708818 w 7472381"/>
+              <a:gd name="connsiteY60" fmla="*/ 1857375 h 6886575"/>
+              <a:gd name="connsiteX61" fmla="*/ 1524043 w 7472381"/>
+              <a:gd name="connsiteY61" fmla="*/ 1664493 h 6886575"/>
+              <a:gd name="connsiteX62" fmla="*/ 1655517 w 7472381"/>
+              <a:gd name="connsiteY62" fmla="*/ 1643062 h 6886575"/>
+              <a:gd name="connsiteX63" fmla="*/ 1705264 w 7472381"/>
+              <a:gd name="connsiteY63" fmla="*/ 1603772 h 6886575"/>
+              <a:gd name="connsiteX64" fmla="*/ 1669731 w 7472381"/>
+              <a:gd name="connsiteY64" fmla="*/ 1546622 h 6886575"/>
+              <a:gd name="connsiteX65" fmla="*/ 1261093 w 7472381"/>
+              <a:gd name="connsiteY65" fmla="*/ 1371600 h 6886575"/>
+              <a:gd name="connsiteX66" fmla="*/ 1229113 w 7472381"/>
+              <a:gd name="connsiteY66" fmla="*/ 1235869 h 6886575"/>
+              <a:gd name="connsiteX67" fmla="*/ 1307287 w 7472381"/>
+              <a:gd name="connsiteY67" fmla="*/ 1214437 h 6886575"/>
+              <a:gd name="connsiteX68" fmla="*/ 1396121 w 7472381"/>
+              <a:gd name="connsiteY68" fmla="*/ 1225153 h 6886575"/>
+              <a:gd name="connsiteX69" fmla="*/ 1325054 w 7472381"/>
+              <a:gd name="connsiteY69" fmla="*/ 1117997 h 6886575"/>
+              <a:gd name="connsiteX70" fmla="*/ 1037231 w 7472381"/>
+              <a:gd name="connsiteY70" fmla="*/ 1010841 h 6886575"/>
+              <a:gd name="connsiteX71" fmla="*/ 983931 w 7472381"/>
+              <a:gd name="connsiteY71" fmla="*/ 953690 h 6886575"/>
+              <a:gd name="connsiteX72" fmla="*/ 1054998 w 7472381"/>
+              <a:gd name="connsiteY72" fmla="*/ 925115 h 6886575"/>
+              <a:gd name="connsiteX73" fmla="*/ 1108299 w 7472381"/>
+              <a:gd name="connsiteY73" fmla="*/ 914400 h 6886575"/>
+              <a:gd name="connsiteX74" fmla="*/ 6755 w 7472381"/>
+              <a:gd name="connsiteY74" fmla="*/ 467915 h 6886575"/>
+              <a:gd name="connsiteX75" fmla="*/ 255490 w 7472381"/>
+              <a:gd name="connsiteY75" fmla="*/ 464344 h 6886575"/>
+              <a:gd name="connsiteX76" fmla="*/ 500673 w 7472381"/>
+              <a:gd name="connsiteY76" fmla="*/ 535781 h 6886575"/>
+              <a:gd name="connsiteX77" fmla="*/ 760069 w 7472381"/>
+              <a:gd name="connsiteY77" fmla="*/ 525066 h 6886575"/>
+              <a:gd name="connsiteX78" fmla="*/ 1005251 w 7472381"/>
+              <a:gd name="connsiteY78" fmla="*/ 560785 h 6886575"/>
+              <a:gd name="connsiteX79" fmla="*/ 1218453 w 7472381"/>
+              <a:gd name="connsiteY79" fmla="*/ 560785 h 6886575"/>
+              <a:gd name="connsiteX80" fmla="*/ 1019464 w 7472381"/>
+              <a:gd name="connsiteY80" fmla="*/ 507206 h 6886575"/>
+              <a:gd name="connsiteX81" fmla="*/ 944844 w 7472381"/>
+              <a:gd name="connsiteY81" fmla="*/ 417909 h 6886575"/>
+              <a:gd name="connsiteX82" fmla="*/ 969717 w 7472381"/>
+              <a:gd name="connsiteY82" fmla="*/ 335757 h 6886575"/>
+              <a:gd name="connsiteX83" fmla="*/ 1051445 w 7472381"/>
+              <a:gd name="connsiteY83" fmla="*/ 360759 h 6886575"/>
+              <a:gd name="connsiteX84" fmla="*/ 1147386 w 7472381"/>
+              <a:gd name="connsiteY84" fmla="*/ 453629 h 6886575"/>
+              <a:gd name="connsiteX85" fmla="*/ 1168706 w 7472381"/>
+              <a:gd name="connsiteY85" fmla="*/ 396478 h 6886575"/>
+              <a:gd name="connsiteX86" fmla="*/ 1225560 w 7472381"/>
+              <a:gd name="connsiteY86" fmla="*/ 353615 h 6886575"/>
+              <a:gd name="connsiteX87" fmla="*/ 1552469 w 7472381"/>
+              <a:gd name="connsiteY87" fmla="*/ 375047 h 6886575"/>
+              <a:gd name="connsiteX88" fmla="*/ 1335714 w 7472381"/>
+              <a:gd name="connsiteY88" fmla="*/ 192881 h 6886575"/>
+              <a:gd name="connsiteX89" fmla="*/ 1197133 w 7472381"/>
+              <a:gd name="connsiteY89" fmla="*/ 164306 h 6886575"/>
+              <a:gd name="connsiteX90" fmla="*/ 1165153 w 7472381"/>
+              <a:gd name="connsiteY90" fmla="*/ 89297 h 6886575"/>
+              <a:gd name="connsiteX91" fmla="*/ 1229113 w 7472381"/>
+              <a:gd name="connsiteY91" fmla="*/ 71437 h 6886575"/>
+              <a:gd name="connsiteX92" fmla="*/ 1548916 w 7472381"/>
+              <a:gd name="connsiteY92" fmla="*/ 135731 h 6886575"/>
+              <a:gd name="connsiteX93" fmla="*/ 1602217 w 7472381"/>
+              <a:gd name="connsiteY93" fmla="*/ 110728 h 6886575"/>
+              <a:gd name="connsiteX94" fmla="*/ 1232666 w 7472381"/>
+              <a:gd name="connsiteY94" fmla="*/ 0 h 6886575"/>
+            </a:gdLst>
+            <a:ahLst/>
+            <a:cxnLst>
+              <a:cxn ang="0">
+                <a:pos x="connsiteX0" y="connsiteY0"/>
+              </a:cxn>
+              <a:cxn ang="0">
+                <a:pos x="connsiteX1" y="connsiteY1"/>
+              </a:cxn>
+              <a:cxn ang="0">
+                <a:pos x="connsiteX2" y="connsiteY2"/>
+              </a:cxn>
+              <a:cxn ang="0">
+                <a:pos x="connsiteX3" y="connsiteY3"/>
+              </a:cxn>
+              <a:cxn ang="0">
+                <a:pos x="connsiteX4" y="connsiteY4"/>
+              </a:cxn>
+              <a:cxn ang="0">
+                <a:pos x="connsiteX5" y="connsiteY5"/>
+              </a:cxn>
+              <a:cxn ang="0">
+                <a:pos x="connsiteX6" y="connsiteY6"/>
+              </a:cxn>
+              <a:cxn ang="0">
+                <a:pos x="connsiteX7" y="connsiteY7"/>
+              </a:cxn>
+              <a:cxn ang="0">
+                <a:pos x="connsiteX8" y="connsiteY8"/>
+              </a:cxn>
+              <a:cxn ang="0">
+                <a:pos x="connsiteX9" y="connsiteY9"/>
+              </a:cxn>
+              <a:cxn ang="0">
+                <a:pos x="connsiteX10" y="connsiteY10"/>
+              </a:cxn>
+              <a:cxn ang="0">
+                <a:pos x="connsiteX11" y="connsiteY11"/>
+              </a:cxn>
+              <a:cxn ang="0">
+                <a:pos x="connsiteX12" y="connsiteY12"/>
+              </a:cxn>
+              <a:cxn ang="0">
+                <a:pos x="connsiteX13" y="connsiteY13"/>
+              </a:cxn>
+              <a:cxn ang="0">
+                <a:pos x="connsiteX14" y="connsiteY14"/>
+              </a:cxn>
+              <a:cxn ang="0">
+                <a:pos x="connsiteX15" y="connsiteY15"/>
+              </a:cxn>
+              <a:cxn ang="0">
+                <a:pos x="connsiteX16" y="connsiteY16"/>
+              </a:cxn>
+              <a:cxn ang="0">
+                <a:pos x="connsiteX17" y="connsiteY17"/>
+              </a:cxn>
+              <a:cxn ang="0">
+                <a:pos x="connsiteX18" y="connsiteY18"/>
+              </a:cxn>
+              <a:cxn ang="0">
+                <a:pos x="connsiteX19" y="connsiteY19"/>
+              </a:cxn>
+              <a:cxn ang="0">
+                <a:pos x="connsiteX20" y="connsiteY20"/>
+              </a:cxn>
+              <a:cxn ang="0">
+                <a:pos x="connsiteX21" y="connsiteY21"/>
+              </a:cxn>
+              <a:cxn ang="0">
+                <a:pos x="connsiteX22" y="connsiteY22"/>
+              </a:cxn>
+              <a:cxn ang="0">
+                <a:pos x="connsiteX23" y="connsiteY23"/>
+              </a:cxn>
+              <a:cxn ang="0">
+                <a:pos x="connsiteX24" y="connsiteY24"/>
+              </a:cxn>
+              <a:cxn ang="0">
+                <a:pos x="connsiteX25" y="connsiteY25"/>
+              </a:cxn>
+              <a:cxn ang="0">
+                <a:pos x="connsiteX26" y="connsiteY26"/>
+              </a:cxn>
+              <a:cxn ang="0">
+                <a:pos x="connsiteX27" y="connsiteY27"/>
+              </a:cxn>
+              <a:cxn ang="0">
+                <a:pos x="connsiteX28" y="connsiteY28"/>
+              </a:cxn>
+              <a:cxn ang="0">
+                <a:pos x="connsiteX29" y="connsiteY29"/>
+              </a:cxn>
+              <a:cxn ang="0">
+                <a:pos x="connsiteX30" y="connsiteY30"/>
+              </a:cxn>
+              <a:cxn ang="0">
+                <a:pos x="connsiteX31" y="connsiteY31"/>
+              </a:cxn>
+              <a:cxn ang="0">
+                <a:pos x="connsiteX32" y="connsiteY32"/>
+              </a:cxn>
+              <a:cxn ang="0">
+                <a:pos x="connsiteX33" y="connsiteY33"/>
+              </a:cxn>
+              <a:cxn ang="0">
+                <a:pos x="connsiteX34" y="connsiteY34"/>
+              </a:cxn>
+              <a:cxn ang="0">
+                <a:pos x="connsiteX35" y="connsiteY35"/>
+              </a:cxn>
+              <a:cxn ang="0">
+                <a:pos x="connsiteX36" y="connsiteY36"/>
+              </a:cxn>
+              <a:cxn ang="0">
+                <a:pos x="connsiteX37" y="connsiteY37"/>
+              </a:cxn>
+              <a:cxn ang="0">
+                <a:pos x="connsiteX38" y="connsiteY38"/>
+              </a:cxn>
+              <a:cxn ang="0">
+                <a:pos x="connsiteX39" y="connsiteY39"/>
+              </a:cxn>
+              <a:cxn ang="0">
+                <a:pos x="connsiteX40" y="connsiteY40"/>
+              </a:cxn>
+              <a:cxn ang="0">
+                <a:pos x="connsiteX41" y="connsiteY41"/>
+              </a:cxn>
+              <a:cxn ang="0">
+                <a:pos x="connsiteX42" y="connsiteY42"/>
+              </a:cxn>
+              <a:cxn ang="0">
+                <a:pos x="connsiteX43" y="connsiteY43"/>
+              </a:cxn>
+              <a:cxn ang="0">
+                <a:pos x="connsiteX44" y="connsiteY44"/>
+              </a:cxn>
+              <a:cxn ang="0">
+                <a:pos x="connsiteX45" y="connsiteY45"/>
+              </a:cxn>
+              <a:cxn ang="0">
+                <a:pos x="connsiteX46" y="connsiteY46"/>
+              </a:cxn>
+              <a:cxn ang="0">
+                <a:pos x="connsiteX47" y="connsiteY47"/>
+              </a:cxn>
+              <a:cxn ang="0">
+                <a:pos x="connsiteX48" y="connsiteY48"/>
+              </a:cxn>
+              <a:cxn ang="0">
+                <a:pos x="connsiteX49" y="connsiteY49"/>
+              </a:cxn>
+              <a:cxn ang="0">
+                <a:pos x="connsiteX50" y="connsiteY50"/>
+              </a:cxn>
+              <a:cxn ang="0">
+                <a:pos x="connsiteX51" y="connsiteY51"/>
+              </a:cxn>
+              <a:cxn ang="0">
+                <a:pos x="connsiteX52" y="connsiteY52"/>
+              </a:cxn>
+              <a:cxn ang="0">
+                <a:pos x="connsiteX53" y="connsiteY53"/>
+              </a:cxn>
+              <a:cxn ang="0">
+                <a:pos x="connsiteX54" y="connsiteY54"/>
+              </a:cxn>
+              <a:cxn ang="0">
+                <a:pos x="connsiteX55" y="connsiteY55"/>
+              </a:cxn>
+              <a:cxn ang="0">
+                <a:pos x="connsiteX56" y="connsiteY56"/>
+              </a:cxn>
+              <a:cxn ang="0">
+                <a:pos x="connsiteX57" y="connsiteY57"/>
+              </a:cxn>
+              <a:cxn ang="0">
+                <a:pos x="connsiteX58" y="connsiteY58"/>
+              </a:cxn>
+              <a:cxn ang="0">
+                <a:pos x="connsiteX59" y="connsiteY59"/>
+              </a:cxn>
+              <a:cxn ang="0">
+                <a:pos x="connsiteX60" y="connsiteY60"/>
+              </a:cxn>
+              <a:cxn ang="0">
+                <a:pos x="connsiteX61" y="connsiteY61"/>
+              </a:cxn>
+              <a:cxn ang="0">
+                <a:pos x="connsiteX62" y="connsiteY62"/>
+              </a:cxn>
+              <a:cxn ang="0">
+                <a:pos x="connsiteX63" y="connsiteY63"/>
+              </a:cxn>
+              <a:cxn ang="0">
+                <a:pos x="connsiteX64" y="connsiteY64"/>
+              </a:cxn>
+              <a:cxn ang="0">
+                <a:pos x="connsiteX65" y="connsiteY65"/>
+              </a:cxn>
+              <a:cxn ang="0">
+                <a:pos x="connsiteX66" y="connsiteY66"/>
+              </a:cxn>
+              <a:cxn ang="0">
+                <a:pos x="connsiteX67" y="connsiteY67"/>
+              </a:cxn>
+              <a:cxn ang="0">
+                <a:pos x="connsiteX68" y="connsiteY68"/>
+              </a:cxn>
+              <a:cxn ang="0">
+                <a:pos x="connsiteX69" y="connsiteY69"/>
+              </a:cxn>
+              <a:cxn ang="0">
+                <a:pos x="connsiteX70" y="connsiteY70"/>
+              </a:cxn>
+              <a:cxn ang="0">
+                <a:pos x="connsiteX71" y="connsiteY71"/>
+              </a:cxn>
+              <a:cxn ang="0">
+                <a:pos x="connsiteX72" y="connsiteY72"/>
+              </a:cxn>
+              <a:cxn ang="0">
+                <a:pos x="connsiteX73" y="connsiteY73"/>
+              </a:cxn>
+              <a:cxn ang="0">
+                <a:pos x="connsiteX74" y="connsiteY74"/>
+              </a:cxn>
+              <a:cxn ang="0">
+                <a:pos x="connsiteX75" y="connsiteY75"/>
+              </a:cxn>
+              <a:cxn ang="0">
+                <a:pos x="connsiteX76" y="connsiteY76"/>
+              </a:cxn>
+              <a:cxn ang="0">
+                <a:pos x="connsiteX77" y="connsiteY77"/>
+              </a:cxn>
+              <a:cxn ang="0">
+                <a:pos x="connsiteX78" y="connsiteY78"/>
+              </a:cxn>
+              <a:cxn ang="0">
+                <a:pos x="connsiteX79" y="connsiteY79"/>
+              </a:cxn>
+              <a:cxn ang="0">
+                <a:pos x="connsiteX80" y="connsiteY80"/>
+              </a:cxn>
+              <a:cxn ang="0">
+                <a:pos x="connsiteX81" y="connsiteY81"/>
+              </a:cxn>
+              <a:cxn ang="0">
+                <a:pos x="connsiteX82" y="connsiteY82"/>
+              </a:cxn>
+              <a:cxn ang="0">
+                <a:pos x="connsiteX83" y="connsiteY83"/>
+              </a:cxn>
+              <a:cxn ang="0">
+                <a:pos x="connsiteX84" y="connsiteY84"/>
+              </a:cxn>
+              <a:cxn ang="0">
+                <a:pos x="connsiteX85" y="connsiteY85"/>
+              </a:cxn>
+              <a:cxn ang="0">
+                <a:pos x="connsiteX86" y="connsiteY86"/>
+              </a:cxn>
+              <a:cxn ang="0">
+                <a:pos x="connsiteX87" y="connsiteY87"/>
+              </a:cxn>
+              <a:cxn ang="0">
+                <a:pos x="connsiteX88" y="connsiteY88"/>
+              </a:cxn>
+              <a:cxn ang="0">
+                <a:pos x="connsiteX89" y="connsiteY89"/>
+              </a:cxn>
+              <a:cxn ang="0">
+                <a:pos x="connsiteX90" y="connsiteY90"/>
+              </a:cxn>
+              <a:cxn ang="0">
+                <a:pos x="connsiteX91" y="connsiteY91"/>
+              </a:cxn>
+              <a:cxn ang="0">
+                <a:pos x="connsiteX92" y="connsiteY92"/>
+              </a:cxn>
+              <a:cxn ang="0">
+                <a:pos x="connsiteX93" y="connsiteY93"/>
+              </a:cxn>
+              <a:cxn ang="0">
+                <a:pos x="connsiteX94" y="connsiteY94"/>
+              </a:cxn>
+            </a:cxnLst>
+            <a:rect l="l" t="t" r="r" b="b"/>
+            <a:pathLst>
+              <a:path w="7472381" h="6886575">
+                <a:moveTo>
+                  <a:pt x="1232666" y="0"/>
+                </a:moveTo>
+                <a:lnTo>
+                  <a:pt x="7472381" y="0"/>
+                </a:lnTo>
+                <a:lnTo>
+                  <a:pt x="7472381" y="814388"/>
+                </a:lnTo>
+                <a:lnTo>
+                  <a:pt x="7472381" y="6411516"/>
+                </a:lnTo>
+                <a:lnTo>
+                  <a:pt x="7472381" y="6886575"/>
+                </a:lnTo>
+                <a:lnTo>
+                  <a:pt x="6992676" y="6886575"/>
+                </a:lnTo>
+                <a:lnTo>
+                  <a:pt x="1946893" y="6886575"/>
+                </a:lnTo>
+                <a:cubicBezTo>
+                  <a:pt x="1801205" y="6815137"/>
+                  <a:pt x="1662624" y="6729412"/>
+                  <a:pt x="1506276" y="6686550"/>
+                </a:cubicBezTo>
+                <a:cubicBezTo>
+                  <a:pt x="1399675" y="6657975"/>
+                  <a:pt x="1296627" y="6607969"/>
+                  <a:pt x="1314394" y="6457949"/>
+                </a:cubicBezTo>
+                <a:cubicBezTo>
+                  <a:pt x="1317947" y="6415087"/>
+                  <a:pt x="1289520" y="6382941"/>
+                  <a:pt x="1246880" y="6393656"/>
+                </a:cubicBezTo>
+                <a:cubicBezTo>
+                  <a:pt x="1165153" y="6415087"/>
+                  <a:pt x="1126065" y="6354365"/>
+                  <a:pt x="1079872" y="6307931"/>
+                </a:cubicBezTo>
+                <a:cubicBezTo>
+                  <a:pt x="998144" y="6225779"/>
+                  <a:pt x="919970" y="6140052"/>
+                  <a:pt x="788495" y="6125765"/>
+                </a:cubicBezTo>
+                <a:cubicBezTo>
+                  <a:pt x="813369" y="6061471"/>
+                  <a:pt x="856009" y="6068615"/>
+                  <a:pt x="895097" y="6082903"/>
+                </a:cubicBezTo>
+                <a:cubicBezTo>
+                  <a:pt x="998144" y="6118622"/>
+                  <a:pt x="1101192" y="6157912"/>
+                  <a:pt x="1204239" y="6193631"/>
+                </a:cubicBezTo>
+                <a:cubicBezTo>
+                  <a:pt x="1271754" y="6215062"/>
+                  <a:pt x="1339267" y="6247209"/>
+                  <a:pt x="1428102" y="6222206"/>
+                </a:cubicBezTo>
+                <a:cubicBezTo>
+                  <a:pt x="1349928" y="6093619"/>
+                  <a:pt x="1218453" y="6068615"/>
+                  <a:pt x="1111852" y="6029325"/>
+                </a:cubicBezTo>
+                <a:cubicBezTo>
+                  <a:pt x="980377" y="5979319"/>
+                  <a:pt x="902203" y="5886450"/>
+                  <a:pt x="806262" y="5779294"/>
+                </a:cubicBezTo>
+                <a:cubicBezTo>
+                  <a:pt x="902203" y="5750719"/>
+                  <a:pt x="962610" y="5829300"/>
+                  <a:pt x="1040785" y="5825728"/>
+                </a:cubicBezTo>
+                <a:cubicBezTo>
+                  <a:pt x="1044338" y="5815012"/>
+                  <a:pt x="1051445" y="5793581"/>
+                  <a:pt x="1051445" y="5793581"/>
+                </a:cubicBezTo>
+                <a:cubicBezTo>
+                  <a:pt x="923523" y="5736431"/>
+                  <a:pt x="866670" y="5629275"/>
+                  <a:pt x="845349" y="5497115"/>
+                </a:cubicBezTo>
+                <a:cubicBezTo>
+                  <a:pt x="838243" y="5429250"/>
+                  <a:pt x="792049" y="5407819"/>
+                  <a:pt x="745855" y="5375672"/>
+                </a:cubicBezTo>
+                <a:cubicBezTo>
+                  <a:pt x="589507" y="5264943"/>
+                  <a:pt x="422499" y="5164931"/>
+                  <a:pt x="291024" y="5014913"/>
+                </a:cubicBezTo>
+                <a:cubicBezTo>
+                  <a:pt x="443819" y="5032771"/>
+                  <a:pt x="564633" y="5132784"/>
+                  <a:pt x="724535" y="5175647"/>
+                </a:cubicBezTo>
+                <a:cubicBezTo>
+                  <a:pt x="596614" y="5011340"/>
+                  <a:pt x="429605" y="4925615"/>
+                  <a:pt x="276811" y="4825603"/>
+                </a:cubicBezTo>
+                <a:cubicBezTo>
+                  <a:pt x="205743" y="4779169"/>
+                  <a:pt x="141783" y="4722018"/>
+                  <a:pt x="60055" y="4697016"/>
+                </a:cubicBezTo>
+                <a:cubicBezTo>
+                  <a:pt x="31628" y="4689872"/>
+                  <a:pt x="-18119" y="4672013"/>
+                  <a:pt x="6755" y="4622006"/>
+                </a:cubicBezTo>
+                <a:cubicBezTo>
+                  <a:pt x="28075" y="4579144"/>
+                  <a:pt x="67162" y="4593432"/>
+                  <a:pt x="102696" y="4604146"/>
+                </a:cubicBezTo>
+                <a:cubicBezTo>
+                  <a:pt x="187976" y="4632722"/>
+                  <a:pt x="280364" y="4632722"/>
+                  <a:pt x="397625" y="4632722"/>
+                </a:cubicBezTo>
+                <a:cubicBezTo>
+                  <a:pt x="298131" y="4496990"/>
+                  <a:pt x="116909" y="4539853"/>
+                  <a:pt x="31628" y="4396978"/>
+                </a:cubicBezTo>
+                <a:cubicBezTo>
+                  <a:pt x="138229" y="4371976"/>
+                  <a:pt x="219957" y="4421982"/>
+                  <a:pt x="305237" y="4432697"/>
+                </a:cubicBezTo>
+                <a:cubicBezTo>
+                  <a:pt x="383412" y="4443413"/>
+                  <a:pt x="401178" y="4418409"/>
+                  <a:pt x="383412" y="4339828"/>
+                </a:cubicBezTo>
+                <a:cubicBezTo>
+                  <a:pt x="354985" y="4218385"/>
+                  <a:pt x="397625" y="4157662"/>
+                  <a:pt x="511333" y="4189810"/>
+                </a:cubicBezTo>
+                <a:cubicBezTo>
+                  <a:pt x="617934" y="4221956"/>
+                  <a:pt x="628594" y="4175522"/>
+                  <a:pt x="600167" y="4107656"/>
+                </a:cubicBezTo>
+                <a:cubicBezTo>
+                  <a:pt x="557527" y="4007644"/>
+                  <a:pt x="603720" y="3929063"/>
+                  <a:pt x="635701" y="3843337"/>
+                </a:cubicBezTo>
+                <a:cubicBezTo>
+                  <a:pt x="685448" y="3714750"/>
+                  <a:pt x="664128" y="3650456"/>
+                  <a:pt x="561080" y="3554015"/>
+                </a:cubicBezTo>
+                <a:cubicBezTo>
+                  <a:pt x="500673" y="3500438"/>
+                  <a:pt x="440265" y="3454003"/>
+                  <a:pt x="354985" y="3407569"/>
+                </a:cubicBezTo>
+                <a:cubicBezTo>
+                  <a:pt x="550420" y="3382565"/>
+                  <a:pt x="347878" y="3296841"/>
+                  <a:pt x="415392" y="3243263"/>
+                </a:cubicBezTo>
+                <a:cubicBezTo>
+                  <a:pt x="553973" y="3221831"/>
+                  <a:pt x="664128" y="3393282"/>
+                  <a:pt x="852456" y="3343275"/>
+                </a:cubicBezTo>
+                <a:cubicBezTo>
+                  <a:pt x="625041" y="3196828"/>
+                  <a:pt x="369198" y="3150393"/>
+                  <a:pt x="202190" y="2953940"/>
+                </a:cubicBezTo>
+                <a:cubicBezTo>
+                  <a:pt x="241277" y="2911078"/>
+                  <a:pt x="280364" y="2953940"/>
+                  <a:pt x="312344" y="2936081"/>
+                </a:cubicBezTo>
+                <a:cubicBezTo>
+                  <a:pt x="312344" y="2925365"/>
+                  <a:pt x="685448" y="2993232"/>
+                  <a:pt x="706768" y="2714625"/>
+                </a:cubicBezTo>
+                <a:cubicBezTo>
+                  <a:pt x="713875" y="2714625"/>
+                  <a:pt x="720982" y="2714625"/>
+                  <a:pt x="728088" y="2703909"/>
+                </a:cubicBezTo>
+                <a:cubicBezTo>
+                  <a:pt x="767175" y="2664619"/>
+                  <a:pt x="731642" y="2571750"/>
+                  <a:pt x="795602" y="2564606"/>
+                </a:cubicBezTo>
+                <a:cubicBezTo>
+                  <a:pt x="866670" y="2557462"/>
+                  <a:pt x="934184" y="2525315"/>
+                  <a:pt x="1008804" y="2543175"/>
+                </a:cubicBezTo>
+                <a:cubicBezTo>
+                  <a:pt x="1065658" y="2557462"/>
+                  <a:pt x="1126065" y="2575322"/>
+                  <a:pt x="1186473" y="2575322"/>
+                </a:cubicBezTo>
+                <a:cubicBezTo>
+                  <a:pt x="1250433" y="2575322"/>
+                  <a:pt x="1339267" y="2696766"/>
+                  <a:pt x="1378355" y="2536031"/>
+                </a:cubicBezTo>
+                <a:cubicBezTo>
+                  <a:pt x="1378355" y="2528888"/>
+                  <a:pt x="1488509" y="2546747"/>
+                  <a:pt x="1548916" y="2553891"/>
+                </a:cubicBezTo>
+                <a:cubicBezTo>
+                  <a:pt x="1598663" y="2561035"/>
+                  <a:pt x="1659071" y="2593181"/>
+                  <a:pt x="1694604" y="2528888"/>
+                </a:cubicBezTo>
+                <a:cubicBezTo>
+                  <a:pt x="1712371" y="2489596"/>
+                  <a:pt x="1627090" y="2418159"/>
+                  <a:pt x="1552469" y="2411015"/>
+                </a:cubicBezTo>
+                <a:cubicBezTo>
+                  <a:pt x="1484956" y="2403872"/>
+                  <a:pt x="1417442" y="2396728"/>
+                  <a:pt x="1353481" y="2411015"/>
+                </a:cubicBezTo>
+                <a:cubicBezTo>
+                  <a:pt x="1275307" y="2428875"/>
+                  <a:pt x="1232666" y="2400300"/>
+                  <a:pt x="1211346" y="2336007"/>
+                </a:cubicBezTo>
+                <a:cubicBezTo>
+                  <a:pt x="1186473" y="2268141"/>
+                  <a:pt x="1140279" y="2232422"/>
+                  <a:pt x="1076318" y="2200275"/>
+                </a:cubicBezTo>
+                <a:cubicBezTo>
+                  <a:pt x="919970" y="2121694"/>
+                  <a:pt x="770729" y="2028825"/>
+                  <a:pt x="600167" y="1982390"/>
+                </a:cubicBezTo>
+                <a:cubicBezTo>
+                  <a:pt x="568187" y="1975246"/>
+                  <a:pt x="529100" y="1960959"/>
+                  <a:pt x="514886" y="1900238"/>
+                </a:cubicBezTo>
+                <a:cubicBezTo>
+                  <a:pt x="976824" y="1993106"/>
+                  <a:pt x="1396121" y="2232422"/>
+                  <a:pt x="1872273" y="2218135"/>
+                </a:cubicBezTo>
+                <a:cubicBezTo>
+                  <a:pt x="1744351" y="2143125"/>
+                  <a:pt x="1591557" y="2139554"/>
+                  <a:pt x="1452975" y="2085975"/>
+                </a:cubicBezTo>
+                <a:cubicBezTo>
+                  <a:pt x="1552469" y="2046685"/>
+                  <a:pt x="1644857" y="2089547"/>
+                  <a:pt x="1737245" y="2110978"/>
+                </a:cubicBezTo>
+                <a:cubicBezTo>
+                  <a:pt x="1815419" y="2128837"/>
+                  <a:pt x="1886486" y="2132410"/>
+                  <a:pt x="1893593" y="2021681"/>
+                </a:cubicBezTo>
+                <a:cubicBezTo>
+                  <a:pt x="1893593" y="2010965"/>
+                  <a:pt x="1893593" y="2003821"/>
+                  <a:pt x="1893593" y="1993106"/>
+                </a:cubicBezTo>
+                <a:cubicBezTo>
+                  <a:pt x="1865166" y="1946672"/>
+                  <a:pt x="1826079" y="1925240"/>
+                  <a:pt x="1776332" y="1910953"/>
+                </a:cubicBezTo>
+                <a:cubicBezTo>
+                  <a:pt x="1747905" y="1903809"/>
+                  <a:pt x="1708818" y="1889522"/>
+                  <a:pt x="1708818" y="1857375"/>
+                </a:cubicBezTo>
+                <a:cubicBezTo>
+                  <a:pt x="1712371" y="1735931"/>
+                  <a:pt x="1616430" y="1700212"/>
+                  <a:pt x="1524043" y="1664493"/>
+                </a:cubicBezTo>
+                <a:cubicBezTo>
+                  <a:pt x="1573790" y="1603772"/>
+                  <a:pt x="1616430" y="1646635"/>
+                  <a:pt x="1655517" y="1643062"/>
+                </a:cubicBezTo>
+                <a:cubicBezTo>
+                  <a:pt x="1680391" y="1639491"/>
+                  <a:pt x="1705264" y="1635919"/>
+                  <a:pt x="1705264" y="1603772"/>
+                </a:cubicBezTo>
+                <a:cubicBezTo>
+                  <a:pt x="1705264" y="1578769"/>
+                  <a:pt x="1694604" y="1546622"/>
+                  <a:pt x="1669731" y="1546622"/>
+                </a:cubicBezTo>
+                <a:cubicBezTo>
+                  <a:pt x="1513383" y="1543050"/>
+                  <a:pt x="1424548" y="1371600"/>
+                  <a:pt x="1261093" y="1371600"/>
+                </a:cubicBezTo>
+                <a:cubicBezTo>
+                  <a:pt x="1161599" y="1371600"/>
+                  <a:pt x="1310841" y="1275159"/>
+                  <a:pt x="1229113" y="1235869"/>
+                </a:cubicBezTo>
+                <a:cubicBezTo>
+                  <a:pt x="1211346" y="1225153"/>
+                  <a:pt x="1278860" y="1210866"/>
+                  <a:pt x="1307287" y="1214437"/>
+                </a:cubicBezTo>
+                <a:cubicBezTo>
+                  <a:pt x="1335714" y="1218009"/>
+                  <a:pt x="1360588" y="1243013"/>
+                  <a:pt x="1396121" y="1225153"/>
+                </a:cubicBezTo>
+                <a:cubicBezTo>
+                  <a:pt x="1413888" y="1160860"/>
+                  <a:pt x="1367694" y="1135856"/>
+                  <a:pt x="1325054" y="1117997"/>
+                </a:cubicBezTo>
+                <a:cubicBezTo>
+                  <a:pt x="1232666" y="1075135"/>
+                  <a:pt x="1140279" y="1025129"/>
+                  <a:pt x="1037231" y="1010841"/>
+                </a:cubicBezTo>
+                <a:cubicBezTo>
+                  <a:pt x="1001698" y="1007269"/>
+                  <a:pt x="980377" y="989409"/>
+                  <a:pt x="983931" y="953690"/>
+                </a:cubicBezTo>
+                <a:cubicBezTo>
+                  <a:pt x="991037" y="907256"/>
+                  <a:pt x="1026571" y="921544"/>
+                  <a:pt x="1054998" y="925115"/>
+                </a:cubicBezTo>
+                <a:cubicBezTo>
+                  <a:pt x="1072765" y="928688"/>
+                  <a:pt x="1090532" y="939403"/>
+                  <a:pt x="1108299" y="914400"/>
+                </a:cubicBezTo>
+                <a:cubicBezTo>
+                  <a:pt x="692555" y="660797"/>
+                  <a:pt x="472246" y="675085"/>
+                  <a:pt x="6755" y="467915"/>
+                </a:cubicBezTo>
+                <a:cubicBezTo>
+                  <a:pt x="109802" y="428625"/>
+                  <a:pt x="184423" y="457200"/>
+                  <a:pt x="255490" y="464344"/>
+                </a:cubicBezTo>
+                <a:cubicBezTo>
+                  <a:pt x="433159" y="482203"/>
+                  <a:pt x="323004" y="514350"/>
+                  <a:pt x="500673" y="535781"/>
+                </a:cubicBezTo>
+                <a:cubicBezTo>
+                  <a:pt x="585954" y="546497"/>
+                  <a:pt x="664128" y="582216"/>
+                  <a:pt x="760069" y="525066"/>
+                </a:cubicBezTo>
+                <a:cubicBezTo>
+                  <a:pt x="824029" y="485775"/>
+                  <a:pt x="927077" y="528637"/>
+                  <a:pt x="1005251" y="560785"/>
+                </a:cubicBezTo>
+                <a:cubicBezTo>
+                  <a:pt x="1069212" y="589360"/>
+                  <a:pt x="1133172" y="596503"/>
+                  <a:pt x="1218453" y="560785"/>
+                </a:cubicBezTo>
+                <a:cubicBezTo>
+                  <a:pt x="1140279" y="539354"/>
+                  <a:pt x="1079872" y="521494"/>
+                  <a:pt x="1019464" y="507206"/>
+                </a:cubicBezTo>
+                <a:cubicBezTo>
+                  <a:pt x="969717" y="496491"/>
+                  <a:pt x="941290" y="471488"/>
+                  <a:pt x="944844" y="417909"/>
+                </a:cubicBezTo>
+                <a:cubicBezTo>
+                  <a:pt x="944844" y="389334"/>
+                  <a:pt x="934184" y="350044"/>
+                  <a:pt x="969717" y="335757"/>
+                </a:cubicBezTo>
+                <a:cubicBezTo>
+                  <a:pt x="998144" y="321469"/>
+                  <a:pt x="1037231" y="335757"/>
+                  <a:pt x="1051445" y="360759"/>
+                </a:cubicBezTo>
+                <a:cubicBezTo>
+                  <a:pt x="1069212" y="407194"/>
+                  <a:pt x="1086978" y="450056"/>
+                  <a:pt x="1147386" y="453629"/>
+                </a:cubicBezTo>
+                <a:cubicBezTo>
+                  <a:pt x="1229113" y="460771"/>
+                  <a:pt x="1182919" y="432197"/>
+                  <a:pt x="1168706" y="396478"/>
+                </a:cubicBezTo>
+                <a:cubicBezTo>
+                  <a:pt x="1154492" y="357188"/>
+                  <a:pt x="1197133" y="346472"/>
+                  <a:pt x="1225560" y="353615"/>
+                </a:cubicBezTo>
+                <a:cubicBezTo>
+                  <a:pt x="1332161" y="385763"/>
+                  <a:pt x="1442315" y="328613"/>
+                  <a:pt x="1552469" y="375047"/>
+                </a:cubicBezTo>
+                <a:cubicBezTo>
+                  <a:pt x="1524043" y="260747"/>
+                  <a:pt x="1463635" y="210741"/>
+                  <a:pt x="1335714" y="192881"/>
+                </a:cubicBezTo>
+                <a:cubicBezTo>
+                  <a:pt x="1289520" y="189310"/>
+                  <a:pt x="1239773" y="196453"/>
+                  <a:pt x="1197133" y="164306"/>
+                </a:cubicBezTo>
+                <a:cubicBezTo>
+                  <a:pt x="1172259" y="146447"/>
+                  <a:pt x="1147386" y="125016"/>
+                  <a:pt x="1165153" y="89297"/>
+                </a:cubicBezTo>
+                <a:cubicBezTo>
+                  <a:pt x="1175813" y="64294"/>
+                  <a:pt x="1204239" y="64294"/>
+                  <a:pt x="1229113" y="71437"/>
+                </a:cubicBezTo>
+                <a:cubicBezTo>
+                  <a:pt x="1332161" y="110728"/>
+                  <a:pt x="1442315" y="121444"/>
+                  <a:pt x="1548916" y="135731"/>
+                </a:cubicBezTo>
+                <a:cubicBezTo>
+                  <a:pt x="1566683" y="139303"/>
+                  <a:pt x="1584450" y="146447"/>
+                  <a:pt x="1602217" y="110728"/>
+                </a:cubicBezTo>
+                <a:cubicBezTo>
+                  <a:pt x="1477849" y="78581"/>
+                  <a:pt x="1357034" y="35719"/>
+                  <a:pt x="1232666" y="0"/>
+                </a:cubicBezTo>
+                <a:close/>
+              </a:path>
+            </a:pathLst>
+          </a:custGeom>
+          <a:solidFill>
+            <a:schemeClr val="bg2">
+              <a:alpha val="50000"/>
+            </a:schemeClr>
+          </a:solidFill>
+          <a:ln w="32707" cap="flat">
+            <a:noFill/>
+            <a:prstDash val="solid"/>
+            <a:miter/>
+          </a:ln>
+        </p:spPr>
+        <p:txBody>
+          <a:bodyPr wrap="square" rtlCol="0" anchor="ctr">
+            <a:noAutofit/>
+          </a:bodyPr>
+          <a:lstStyle/>
+          <a:p>
+            <a:endParaRPr lang="en-US">
+              <a:solidFill>
+                <a:schemeClr val="tx1"/>
+              </a:solidFill>
+            </a:endParaRPr>
+          </a:p>
+        </p:txBody>
+      </p:sp>
+      <p:sp>
+        <p:nvSpPr>
+          <p:cNvPr id="2" name="Titel 1">
+            <a:extLst>
+              <a:ext uri="{FF2B5EF4-FFF2-40B4-BE49-F238E27FC236}">
+                <a16:creationId xmlns:a16="http://schemas.microsoft.com/office/drawing/2014/main" id="{F12ED977-B570-A78A-607E-EDBB231FD65C}"/>
+              </a:ext>
+            </a:extLst>
+          </p:cNvPr>
+          <p:cNvSpPr>
+            <a:spLocks noGrp="1"/>
+          </p:cNvSpPr>
+          <p:nvPr>
+            <p:ph type="title"/>
+          </p:nvPr>
+        </p:nvSpPr>
+        <p:spPr>
+          <a:xfrm>
+            <a:off x="838201" y="643467"/>
+            <a:ext cx="3888526" cy="1800526"/>
+          </a:xfrm>
+        </p:spPr>
+        <p:txBody>
+          <a:bodyPr>
+            <a:normAutofit/>
+          </a:bodyPr>
+          <a:lstStyle/>
+          <a:p>
+            <a:r>
+              <a:rPr lang="de-DE" b="0" i="0">
+                <a:effectLst/>
+                <a:latin typeface="Lato Extended"/>
+              </a:rPr>
+              <a:t>Idee</a:t>
+            </a:r>
+            <a:endParaRPr lang="de-DE"/>
+          </a:p>
+        </p:txBody>
+      </p:sp>
+      <p:sp>
+        <p:nvSpPr>
           <p:cNvPr id="3" name="Inhaltsplatzhalter 2">
             <a:extLst>
               <a:ext uri="{FF2B5EF4-FFF2-40B4-BE49-F238E27FC236}">
@@ -10898,35 +16796,29 @@
         </p:nvSpPr>
         <p:spPr>
           <a:xfrm>
-            <a:off x="640080" y="2706624"/>
-            <a:ext cx="6894576" cy="3483864"/>
+            <a:off x="838201" y="2623381"/>
+            <a:ext cx="3888528" cy="3553581"/>
           </a:xfrm>
         </p:spPr>
         <p:txBody>
           <a:bodyPr>
-            <a:normAutofit fontScale="92500" lnSpcReduction="10000"/>
+            <a:normAutofit/>
           </a:bodyPr>
           <a:lstStyle/>
           <a:p>
             <a:r>
-              <a:rPr lang="de-DE" sz="2200" dirty="0"/>
-              <a:t>Tower-Defense Spiel</a:t>
-            </a:r>
-          </a:p>
-          <a:p>
-            <a:r>
-              <a:rPr lang="de-DE" sz="2200" dirty="0"/>
+              <a:rPr lang="de-DE" sz="1400" dirty="0"/>
               <a:t>Inspiriert von </a:t>
             </a:r>
             <a:r>
-              <a:rPr lang="de-DE" sz="2200" b="0" i="0" dirty="0" err="1">
+              <a:rPr lang="de-DE" sz="1400" b="0" i="0" dirty="0" err="1">
                 <a:effectLst/>
                 <a:latin typeface="Google Sans"/>
               </a:rPr>
               <a:t>Bloons</a:t>
             </a:r>
             <a:r>
-              <a:rPr lang="de-DE" sz="2200" b="0" i="0" dirty="0">
+              <a:rPr lang="de-DE" sz="1400" b="0" i="0" dirty="0">
                 <a:effectLst/>
                 <a:latin typeface="Google Sans"/>
               </a:rPr>
@@ -10935,7 +16827,7 @@
           </a:p>
           <a:p>
             <a:r>
-              <a:rPr lang="de-DE" sz="2200" dirty="0">
+              <a:rPr lang="de-DE" sz="1400" dirty="0">
                 <a:latin typeface="Google Sans"/>
               </a:rPr>
               <a:t>Der Spieler wirft mit Darts auf Ballons die sich Bewegen</a:t>
@@ -10943,15 +16835,15 @@
           </a:p>
           <a:p>
             <a:r>
-              <a:rPr lang="de-DE" sz="2200" dirty="0">
+              <a:rPr lang="de-DE" sz="1400" dirty="0">
                 <a:latin typeface="Google Sans"/>
               </a:rPr>
-              <a:t>Es gibt verschiedene Anker Points, auf die sich der Spieler teleportieren kann um sich fortzubewegen.</a:t>
+              <a:t>Es gibt verschiedene Anker Points, auf die sich der Spieler teleportieren kann, um sich fortzubewegen.</a:t>
             </a:r>
           </a:p>
           <a:p>
             <a:r>
-              <a:rPr lang="de-DE" sz="2200" dirty="0">
+              <a:rPr lang="de-DE" sz="1400" dirty="0">
                 <a:latin typeface="Google Sans"/>
               </a:rPr>
               <a:t>Es gibt Level – Bosskampf</a:t>
@@ -10959,7 +16851,7 @@
           </a:p>
           <a:p>
             <a:r>
-              <a:rPr lang="de-DE" sz="2200" dirty="0">
+              <a:rPr lang="de-DE" sz="1400" dirty="0">
                 <a:latin typeface="Google Sans"/>
               </a:rPr>
               <a:t>Wenn zu viele Ballons/Bosse die Burg erreichen hat der Spieler verloren</a:t>
@@ -10967,26 +16859,34 @@
           </a:p>
           <a:p>
             <a:r>
-              <a:rPr lang="de-DE" sz="2200">
+              <a:rPr lang="de-DE" sz="1400" dirty="0">
                 <a:latin typeface="Google Sans"/>
               </a:rPr>
-              <a:t>Punkte?</a:t>
+              <a:t>Verschiedene Ballon Arten – Mehrere Lebensschichten</a:t>
             </a:r>
           </a:p>
           <a:p>
             <a:r>
-              <a:rPr lang="de-DE" sz="2200" dirty="0" err="1">
+              <a:rPr lang="de-DE" sz="1400" dirty="0">
+                <a:latin typeface="Google Sans"/>
+              </a:rPr>
+              <a:t>Punktesystem – zerstörte Ballons</a:t>
+            </a:r>
+          </a:p>
+          <a:p>
+            <a:r>
+              <a:rPr lang="de-DE" sz="1400" dirty="0" err="1">
                 <a:latin typeface="Google Sans"/>
               </a:rPr>
               <a:t>Ingame</a:t>
             </a:r>
             <a:r>
-              <a:rPr lang="de-DE" sz="2200" dirty="0">
+              <a:rPr lang="de-DE" sz="1400" dirty="0">
                 <a:latin typeface="Google Sans"/>
               </a:rPr>
-              <a:t> Währung</a:t>
+              <a:t> Währung – verbesserte Pfeile</a:t>
             </a:r>
-            <a:endParaRPr lang="de-DE" sz="2200" dirty="0"/>
+            <a:endParaRPr lang="de-DE" sz="1400" dirty="0"/>
           </a:p>
         </p:txBody>
       </p:sp>
@@ -11012,183 +16912,17 @@
               </a:ext>
             </a:extLst>
           </a:blip>
-          <a:srcRect t="14732" r="-4" b="354"/>
+          <a:srcRect t="8539" r="-4" b="9179"/>
           <a:stretch/>
         </p:blipFill>
         <p:spPr>
           <a:xfrm>
-            <a:off x="8156454" y="-7"/>
-            <a:ext cx="4035547" cy="4178808"/>
+            <a:off x="7994586" y="643234"/>
+            <a:ext cx="2616007" cy="2624899"/>
           </a:xfrm>
-          <a:custGeom>
+          <a:prstGeom prst="rect">
             <a:avLst/>
-            <a:gdLst/>
-            <a:ahLst/>
-            <a:cxnLst/>
-            <a:rect l="l" t="t" r="r" b="b"/>
-            <a:pathLst>
-              <a:path w="4035547" h="4178808">
-                <a:moveTo>
-                  <a:pt x="14988" y="0"/>
-                </a:moveTo>
-                <a:lnTo>
-                  <a:pt x="4035547" y="0"/>
-                </a:lnTo>
-                <a:lnTo>
-                  <a:pt x="4035547" y="4161794"/>
-                </a:lnTo>
-                <a:lnTo>
-                  <a:pt x="3918602" y="4164199"/>
-                </a:lnTo>
-                <a:cubicBezTo>
-                  <a:pt x="3673497" y="4178956"/>
-                  <a:pt x="3428120" y="4172295"/>
-                  <a:pt x="3183014" y="4175560"/>
-                </a:cubicBezTo>
-                <a:cubicBezTo>
-                  <a:pt x="2855121" y="4180001"/>
-                  <a:pt x="2527499" y="4168639"/>
-                  <a:pt x="2199742" y="4167595"/>
-                </a:cubicBezTo>
-                <a:cubicBezTo>
-                  <a:pt x="2132562" y="4167334"/>
-                  <a:pt x="2065110" y="4170729"/>
-                  <a:pt x="1998202" y="4175952"/>
-                </a:cubicBezTo>
-                <a:cubicBezTo>
-                  <a:pt x="1905507" y="4183005"/>
-                  <a:pt x="1814033" y="4174124"/>
-                  <a:pt x="1722153" y="4165766"/>
-                </a:cubicBezTo>
-                <a:cubicBezTo>
-                  <a:pt x="1611407" y="4155711"/>
-                  <a:pt x="1500933" y="4164591"/>
-                  <a:pt x="1390867" y="4176214"/>
-                </a:cubicBezTo>
-                <a:lnTo>
-                  <a:pt x="1348076" y="4178808"/>
-                </a:lnTo>
-                <a:lnTo>
-                  <a:pt x="597587" y="4178808"/>
-                </a:lnTo>
-                <a:lnTo>
-                  <a:pt x="507890" y="4175773"/>
-                </a:lnTo>
-                <a:cubicBezTo>
-                  <a:pt x="403218" y="4174810"/>
-                  <a:pt x="298546" y="4175691"/>
-                  <a:pt x="193840" y="4176214"/>
-                </a:cubicBezTo>
-                <a:lnTo>
-                  <a:pt x="2757" y="4175742"/>
-                </a:lnTo>
-                <a:lnTo>
-                  <a:pt x="2810" y="4034870"/>
-                </a:lnTo>
-                <a:cubicBezTo>
-                  <a:pt x="5629" y="3979851"/>
-                  <a:pt x="10539" y="3924896"/>
-                  <a:pt x="15416" y="3870068"/>
-                </a:cubicBezTo>
-                <a:cubicBezTo>
-                  <a:pt x="23018" y="3799731"/>
-                  <a:pt x="25045" y="3728899"/>
-                  <a:pt x="21498" y="3658244"/>
-                </a:cubicBezTo>
-                <a:cubicBezTo>
-                  <a:pt x="17063" y="3602147"/>
-                  <a:pt x="10095" y="3546050"/>
-                  <a:pt x="8828" y="3489953"/>
-                </a:cubicBezTo>
-                <a:cubicBezTo>
-                  <a:pt x="6548" y="3389688"/>
-                  <a:pt x="7434" y="3289424"/>
-                  <a:pt x="13262" y="3189160"/>
-                </a:cubicBezTo>
-                <a:cubicBezTo>
-                  <a:pt x="16176" y="3138901"/>
-                  <a:pt x="20864" y="3089150"/>
-                  <a:pt x="22891" y="3038510"/>
-                </a:cubicBezTo>
-                <a:cubicBezTo>
-                  <a:pt x="24918" y="2987870"/>
-                  <a:pt x="28973" y="2936723"/>
-                  <a:pt x="17444" y="2887098"/>
-                </a:cubicBezTo>
-                <a:cubicBezTo>
-                  <a:pt x="-2068" y="2802699"/>
-                  <a:pt x="12249" y="2718680"/>
-                  <a:pt x="16430" y="2634534"/>
-                </a:cubicBezTo>
-                <a:cubicBezTo>
-                  <a:pt x="18964" y="2582244"/>
-                  <a:pt x="34168" y="2528685"/>
-                  <a:pt x="20738" y="2477919"/>
-                </a:cubicBezTo>
-                <a:cubicBezTo>
-                  <a:pt x="-421" y="2398342"/>
-                  <a:pt x="13389" y="2320415"/>
-                  <a:pt x="20738" y="2242107"/>
-                </a:cubicBezTo>
-                <a:cubicBezTo>
-                  <a:pt x="29213" y="2168001"/>
-                  <a:pt x="27718" y="2093082"/>
-                  <a:pt x="16303" y="2019369"/>
-                </a:cubicBezTo>
-                <a:cubicBezTo>
-                  <a:pt x="1986" y="1946239"/>
-                  <a:pt x="1986" y="1871028"/>
-                  <a:pt x="16303" y="1797899"/>
-                </a:cubicBezTo>
-                <a:cubicBezTo>
-                  <a:pt x="28162" y="1737537"/>
-                  <a:pt x="29530" y="1675589"/>
-                  <a:pt x="20357" y="1614758"/>
-                </a:cubicBezTo>
-                <a:cubicBezTo>
-                  <a:pt x="14149" y="1571226"/>
-                  <a:pt x="3000" y="1527947"/>
-                  <a:pt x="1480" y="1484415"/>
-                </a:cubicBezTo>
-                <a:cubicBezTo>
-                  <a:pt x="-1662" y="1393377"/>
-                  <a:pt x="200" y="1302238"/>
-                  <a:pt x="7055" y="1211417"/>
-                </a:cubicBezTo>
-                <a:cubicBezTo>
-                  <a:pt x="15036" y="1107980"/>
-                  <a:pt x="30366" y="1004923"/>
-                  <a:pt x="19724" y="900725"/>
-                </a:cubicBezTo>
-                <a:cubicBezTo>
-                  <a:pt x="16050" y="864934"/>
-                  <a:pt x="8575" y="829270"/>
-                  <a:pt x="7815" y="793353"/>
-                </a:cubicBezTo>
-                <a:cubicBezTo>
-                  <a:pt x="6168" y="726087"/>
-                  <a:pt x="5407" y="659710"/>
-                  <a:pt x="9208" y="590286"/>
-                </a:cubicBezTo>
-                <a:cubicBezTo>
-                  <a:pt x="13009" y="520863"/>
-                  <a:pt x="27452" y="450424"/>
-                  <a:pt x="17697" y="382270"/>
-                </a:cubicBezTo>
-                <a:cubicBezTo>
-                  <a:pt x="7941" y="314115"/>
-                  <a:pt x="14276" y="247103"/>
-                  <a:pt x="20611" y="180218"/>
-                </a:cubicBezTo>
-                <a:cubicBezTo>
-                  <a:pt x="23652" y="148426"/>
-                  <a:pt x="25711" y="116982"/>
-                  <a:pt x="25156" y="85665"/>
-                </a:cubicBezTo>
-                <a:close/>
-              </a:path>
-            </a:pathLst>
-          </a:custGeom>
+          </a:prstGeom>
         </p:spPr>
       </p:pic>
       <p:pic>
@@ -11218,162 +16952,12 @@
         </p:blipFill>
         <p:spPr bwMode="auto">
           <a:xfrm>
-            <a:off x="8144356" y="4267201"/>
-            <a:ext cx="4047645" cy="2590808"/>
+            <a:off x="7281324" y="3589867"/>
+            <a:ext cx="4042530" cy="2587542"/>
           </a:xfrm>
-          <a:custGeom>
+          <a:prstGeom prst="rect">
             <a:avLst/>
-            <a:gdLst/>
-            <a:ahLst/>
-            <a:cxnLst/>
-            <a:rect l="l" t="t" r="r" b="b"/>
-            <a:pathLst>
-              <a:path w="4047645" h="2495811">
-                <a:moveTo>
-                  <a:pt x="2441891" y="4"/>
-                </a:moveTo>
-                <a:cubicBezTo>
-                  <a:pt x="2489381" y="-78"/>
-                  <a:pt x="2536882" y="1163"/>
-                  <a:pt x="2584383" y="4428"/>
-                </a:cubicBezTo>
-                <a:cubicBezTo>
-                  <a:pt x="2744314" y="17813"/>
-                  <a:pt x="2904989" y="21079"/>
-                  <a:pt x="3065367" y="14222"/>
-                </a:cubicBezTo>
-                <a:cubicBezTo>
-                  <a:pt x="3194244" y="5694"/>
-                  <a:pt x="3323514" y="4206"/>
-                  <a:pt x="3452568" y="9782"/>
-                </a:cubicBezTo>
-                <a:cubicBezTo>
-                  <a:pt x="3572813" y="16442"/>
-                  <a:pt x="3693059" y="23233"/>
-                  <a:pt x="3813712" y="19315"/>
-                </a:cubicBezTo>
-                <a:cubicBezTo>
-                  <a:pt x="3861755" y="17748"/>
-                  <a:pt x="3909121" y="15789"/>
-                  <a:pt x="3956758" y="13177"/>
-                </a:cubicBezTo>
-                <a:lnTo>
-                  <a:pt x="4047645" y="9696"/>
-                </a:lnTo>
-                <a:lnTo>
-                  <a:pt x="4047645" y="2495811"/>
-                </a:lnTo>
-                <a:lnTo>
-                  <a:pt x="28177" y="2495811"/>
-                </a:lnTo>
-                <a:lnTo>
-                  <a:pt x="28782" y="2485852"/>
-                </a:lnTo>
-                <a:cubicBezTo>
-                  <a:pt x="31911" y="2365446"/>
-                  <a:pt x="35027" y="2245002"/>
-                  <a:pt x="38157" y="2124521"/>
-                </a:cubicBezTo>
-                <a:cubicBezTo>
-                  <a:pt x="38284" y="2119444"/>
-                  <a:pt x="39171" y="2114494"/>
-                  <a:pt x="39171" y="2109417"/>
-                </a:cubicBezTo>
-                <a:cubicBezTo>
-                  <a:pt x="48166" y="1995573"/>
-                  <a:pt x="53107" y="1881729"/>
-                  <a:pt x="18899" y="1770550"/>
-                </a:cubicBezTo>
-                <a:cubicBezTo>
-                  <a:pt x="15871" y="1760104"/>
-                  <a:pt x="14262" y="1749304"/>
-                  <a:pt x="14084" y="1738440"/>
-                </a:cubicBezTo>
-                <a:cubicBezTo>
-                  <a:pt x="12413" y="1641514"/>
-                  <a:pt x="16644" y="1544587"/>
-                  <a:pt x="26754" y="1448181"/>
-                </a:cubicBezTo>
-                <a:cubicBezTo>
-                  <a:pt x="31949" y="1389038"/>
-                  <a:pt x="26754" y="1329006"/>
-                  <a:pt x="43478" y="1270498"/>
-                </a:cubicBezTo>
-                <a:cubicBezTo>
-                  <a:pt x="50864" y="1241421"/>
-                  <a:pt x="55109" y="1211634"/>
-                  <a:pt x="56147" y="1181656"/>
-                </a:cubicBezTo>
-                <a:cubicBezTo>
-                  <a:pt x="59948" y="1109060"/>
-                  <a:pt x="38537" y="1040779"/>
-                  <a:pt x="18139" y="972244"/>
-                </a:cubicBezTo>
-                <a:cubicBezTo>
-                  <a:pt x="7370" y="935945"/>
-                  <a:pt x="-5426" y="898886"/>
-                  <a:pt x="2429" y="860811"/>
-                </a:cubicBezTo>
-                <a:cubicBezTo>
-                  <a:pt x="16707" y="802251"/>
-                  <a:pt x="24854" y="742359"/>
-                  <a:pt x="26754" y="682112"/>
-                </a:cubicBezTo>
-                <a:cubicBezTo>
-                  <a:pt x="26754" y="639468"/>
-                  <a:pt x="16365" y="597712"/>
-                  <a:pt x="20039" y="555195"/>
-                </a:cubicBezTo>
-                <a:cubicBezTo>
-                  <a:pt x="28211" y="472712"/>
-                  <a:pt x="30238" y="389734"/>
-                  <a:pt x="26121" y="306946"/>
-                </a:cubicBezTo>
-                <a:cubicBezTo>
-                  <a:pt x="26095" y="273846"/>
-                  <a:pt x="29846" y="240848"/>
-                  <a:pt x="37270" y="208585"/>
-                </a:cubicBezTo>
-                <a:cubicBezTo>
-                  <a:pt x="46506" y="151651"/>
-                  <a:pt x="48419" y="93777"/>
-                  <a:pt x="42971" y="36360"/>
-                </a:cubicBezTo>
-                <a:lnTo>
-                  <a:pt x="38853" y="8429"/>
-                </a:lnTo>
-                <a:lnTo>
-                  <a:pt x="56649" y="7824"/>
-                </a:lnTo>
-                <a:cubicBezTo>
-                  <a:pt x="210497" y="-156"/>
-                  <a:pt x="364754" y="3162"/>
-                  <a:pt x="518087" y="17748"/>
-                </a:cubicBezTo>
-                <a:cubicBezTo>
-                  <a:pt x="626567" y="25440"/>
-                  <a:pt x="735534" y="24213"/>
-                  <a:pt x="843809" y="14092"/>
-                </a:cubicBezTo>
-                <a:cubicBezTo>
-                  <a:pt x="1042499" y="-1711"/>
-                  <a:pt x="1240782" y="10958"/>
-                  <a:pt x="1439065" y="21666"/>
-                </a:cubicBezTo>
-                <a:cubicBezTo>
-                  <a:pt x="1631105" y="32113"/>
-                  <a:pt x="1823010" y="24408"/>
-                  <a:pt x="2015050" y="17487"/>
-                </a:cubicBezTo>
-                <a:cubicBezTo>
-                  <a:pt x="2157045" y="12394"/>
-                  <a:pt x="2299420" y="249"/>
-                  <a:pt x="2441891" y="4"/>
-                </a:cubicBezTo>
-                <a:close/>
-              </a:path>
-            </a:pathLst>
-          </a:custGeom>
+          </a:prstGeom>
           <a:noFill/>
           <a:extLst>
             <a:ext uri="{909E8E84-426E-40DD-AFC4-6F175D3DCCD1}">
@@ -11399,7 +16983,7 @@
 </p:sld>
 </file>
 
-<file path=ppt/slides/slide6.xml><?xml version="1.0" encoding="utf-8"?>
+<file path=ppt/slides/slide9.xml><?xml version="1.0" encoding="utf-8"?>
 <p:sld xmlns:a="http://schemas.openxmlformats.org/drawingml/2006/main" xmlns:r="http://schemas.openxmlformats.org/officeDocument/2006/relationships" xmlns:p="http://schemas.openxmlformats.org/presentationml/2006/main">
   <p:cSld>
     <p:bg>
@@ -11453,7 +17037,7 @@
           <a:lstStyle/>
           <a:p>
             <a:r>
-              <a:rPr lang="en-US" kern="1200">
+              <a:rPr lang="en-US" kern="1200" dirty="0">
                 <a:solidFill>
                   <a:schemeClr val="tx1"/>
                 </a:solidFill>
@@ -12691,196 +18275,6 @@
       <p:bldP spid="2" grpId="0"/>
     </p:bldLst>
   </p:timing>
-</p:sld>
-</file>
-
-<file path=ppt/slides/slide7.xml><?xml version="1.0" encoding="utf-8"?>
-<p:sld xmlns:a="http://schemas.openxmlformats.org/drawingml/2006/main" xmlns:r="http://schemas.openxmlformats.org/officeDocument/2006/relationships" xmlns:p="http://schemas.openxmlformats.org/presentationml/2006/main">
-  <p:cSld>
-    <p:spTree>
-      <p:nvGrpSpPr>
-        <p:cNvPr id="1" name=""/>
-        <p:cNvGrpSpPr/>
-        <p:nvPr/>
-      </p:nvGrpSpPr>
-      <p:grpSpPr>
-        <a:xfrm>
-          <a:off x="0" y="0"/>
-          <a:ext cx="0" cy="0"/>
-          <a:chOff x="0" y="0"/>
-          <a:chExt cx="0" cy="0"/>
-        </a:xfrm>
-      </p:grpSpPr>
-      <p:sp>
-        <p:nvSpPr>
-          <p:cNvPr id="2" name="Titel 1">
-            <a:extLst>
-              <a:ext uri="{FF2B5EF4-FFF2-40B4-BE49-F238E27FC236}">
-                <a16:creationId xmlns:a16="http://schemas.microsoft.com/office/drawing/2014/main" id="{F40C8D1A-F8F2-38D1-EFFC-71B50E226963}"/>
-              </a:ext>
-            </a:extLst>
-          </p:cNvPr>
-          <p:cNvSpPr>
-            <a:spLocks noGrp="1"/>
-          </p:cNvSpPr>
-          <p:nvPr>
-            <p:ph type="title"/>
-          </p:nvPr>
-        </p:nvSpPr>
-        <p:spPr/>
-        <p:txBody>
-          <a:bodyPr/>
-          <a:lstStyle/>
-          <a:p>
-            <a:r>
-              <a:rPr lang="de-DE" b="0" i="0" dirty="0">
-                <a:solidFill>
-                  <a:srgbClr val="2D3B45"/>
-                </a:solidFill>
-                <a:effectLst/>
-                <a:latin typeface="Lato Extended"/>
-              </a:rPr>
-              <a:t>Eingesetzte Software und Hardware</a:t>
-            </a:r>
-            <a:endParaRPr lang="de-DE" dirty="0"/>
-          </a:p>
-        </p:txBody>
-      </p:sp>
-      <p:sp>
-        <p:nvSpPr>
-          <p:cNvPr id="3" name="Inhaltsplatzhalter 2">
-            <a:extLst>
-              <a:ext uri="{FF2B5EF4-FFF2-40B4-BE49-F238E27FC236}">
-                <a16:creationId xmlns:a16="http://schemas.microsoft.com/office/drawing/2014/main" id="{27E449D0-8194-7EB9-39AE-293D56A417AB}"/>
-              </a:ext>
-            </a:extLst>
-          </p:cNvPr>
-          <p:cNvSpPr>
-            <a:spLocks noGrp="1"/>
-          </p:cNvSpPr>
-          <p:nvPr>
-            <p:ph idx="1"/>
-          </p:nvPr>
-        </p:nvSpPr>
-        <p:spPr/>
-        <p:txBody>
-          <a:bodyPr/>
-          <a:lstStyle/>
-          <a:p>
-            <a:endParaRPr lang="de-DE" dirty="0"/>
-          </a:p>
-        </p:txBody>
-      </p:sp>
-    </p:spTree>
-    <p:extLst>
-      <p:ext uri="{BB962C8B-B14F-4D97-AF65-F5344CB8AC3E}">
-        <p14:creationId xmlns:p14="http://schemas.microsoft.com/office/powerpoint/2010/main" val="2333115140"/>
-      </p:ext>
-    </p:extLst>
-  </p:cSld>
-  <p:clrMapOvr>
-    <a:masterClrMapping/>
-  </p:clrMapOvr>
-</p:sld>
-</file>
-
-<file path=ppt/slides/slide8.xml><?xml version="1.0" encoding="utf-8"?>
-<p:sld xmlns:a="http://schemas.openxmlformats.org/drawingml/2006/main" xmlns:r="http://schemas.openxmlformats.org/officeDocument/2006/relationships" xmlns:p="http://schemas.openxmlformats.org/presentationml/2006/main">
-  <p:cSld>
-    <p:spTree>
-      <p:nvGrpSpPr>
-        <p:cNvPr id="1" name=""/>
-        <p:cNvGrpSpPr/>
-        <p:nvPr/>
-      </p:nvGrpSpPr>
-      <p:grpSpPr>
-        <a:xfrm>
-          <a:off x="0" y="0"/>
-          <a:ext cx="0" cy="0"/>
-          <a:chOff x="0" y="0"/>
-          <a:chExt cx="0" cy="0"/>
-        </a:xfrm>
-      </p:grpSpPr>
-      <p:sp>
-        <p:nvSpPr>
-          <p:cNvPr id="2" name="Titel 1">
-            <a:extLst>
-              <a:ext uri="{FF2B5EF4-FFF2-40B4-BE49-F238E27FC236}">
-                <a16:creationId xmlns:a16="http://schemas.microsoft.com/office/drawing/2014/main" id="{903E1106-F768-0B9E-CD46-BD19DAF1450B}"/>
-              </a:ext>
-            </a:extLst>
-          </p:cNvPr>
-          <p:cNvSpPr>
-            <a:spLocks noGrp="1"/>
-          </p:cNvSpPr>
-          <p:nvPr>
-            <p:ph type="title"/>
-          </p:nvPr>
-        </p:nvSpPr>
-        <p:spPr/>
-        <p:txBody>
-          <a:bodyPr/>
-          <a:lstStyle/>
-          <a:p>
-            <a:r>
-              <a:rPr lang="de-DE" b="0" i="0" dirty="0">
-                <a:solidFill>
-                  <a:srgbClr val="2D3B45"/>
-                </a:solidFill>
-                <a:effectLst/>
-                <a:latin typeface="Lato Extended"/>
-              </a:rPr>
-              <a:t>Skizzen/ Prototypen</a:t>
-            </a:r>
-            <a:endParaRPr lang="de-DE" dirty="0"/>
-          </a:p>
-        </p:txBody>
-      </p:sp>
-      <p:pic>
-        <p:nvPicPr>
-          <p:cNvPr id="5" name="Inhaltsplatzhalter 4" descr="Ein Bild, das Entwurf, Zeichnung, Darstellung, Design enthält.&#10;&#10;Automatisch generierte Beschreibung">
-            <a:extLst>
-              <a:ext uri="{FF2B5EF4-FFF2-40B4-BE49-F238E27FC236}">
-                <a16:creationId xmlns:a16="http://schemas.microsoft.com/office/drawing/2014/main" id="{41E5419E-0CEE-BD64-F88D-EC29B9AB8D04}"/>
-              </a:ext>
-            </a:extLst>
-          </p:cNvPr>
-          <p:cNvPicPr>
-            <a:picLocks noGrp="1" noChangeAspect="1"/>
-          </p:cNvPicPr>
-          <p:nvPr>
-            <p:ph idx="1"/>
-          </p:nvPr>
-        </p:nvPicPr>
-        <p:blipFill>
-          <a:blip r:embed="rId2">
-            <a:extLst>
-              <a:ext uri="{28A0092B-C50C-407E-A947-70E740481C1C}">
-                <a14:useLocalDpi xmlns:a14="http://schemas.microsoft.com/office/drawing/2010/main" val="0"/>
-              </a:ext>
-            </a:extLst>
-          </a:blip>
-          <a:stretch>
-            <a:fillRect/>
-          </a:stretch>
-        </p:blipFill>
-        <p:spPr>
-          <a:xfrm>
-            <a:off x="425501" y="1901825"/>
-            <a:ext cx="3568597" cy="4351338"/>
-          </a:xfrm>
-        </p:spPr>
-      </p:pic>
-    </p:spTree>
-    <p:extLst>
-      <p:ext uri="{BB962C8B-B14F-4D97-AF65-F5344CB8AC3E}">
-        <p14:creationId xmlns:p14="http://schemas.microsoft.com/office/powerpoint/2010/main" val="586853906"/>
-      </p:ext>
-    </p:extLst>
-  </p:cSld>
-  <p:clrMapOvr>
-    <a:masterClrMapping/>
-  </p:clrMapOvr>
 </p:sld>
 </file>
 
